--- a/VOP_Voorraadbeheer_Presentatie_1.pptx
+++ b/VOP_Voorraadbeheer_Presentatie_1.pptx
@@ -5,7 +5,7 @@
     <p:sldMasterId id="2147483660" r:id="rId1"/>
   </p:sldMasterIdLst>
   <p:notesMasterIdLst>
-    <p:notesMasterId r:id="rId21"/>
+    <p:notesMasterId r:id="rId22"/>
   </p:notesMasterIdLst>
   <p:sldIdLst>
     <p:sldId id="259" r:id="rId2"/>
@@ -15,18 +15,19 @@
     <p:sldId id="267" r:id="rId6"/>
     <p:sldId id="270" r:id="rId7"/>
     <p:sldId id="273" r:id="rId8"/>
-    <p:sldId id="274" r:id="rId9"/>
-    <p:sldId id="280" r:id="rId10"/>
-    <p:sldId id="279" r:id="rId11"/>
+    <p:sldId id="280" r:id="rId9"/>
+    <p:sldId id="274" r:id="rId10"/>
+    <p:sldId id="283" r:id="rId11"/>
     <p:sldId id="275" r:id="rId12"/>
-    <p:sldId id="276" r:id="rId13"/>
+    <p:sldId id="282" r:id="rId13"/>
     <p:sldId id="268" r:id="rId14"/>
-    <p:sldId id="272" r:id="rId15"/>
-    <p:sldId id="277" r:id="rId16"/>
-    <p:sldId id="278" r:id="rId17"/>
-    <p:sldId id="269" r:id="rId18"/>
-    <p:sldId id="271" r:id="rId19"/>
-    <p:sldId id="266" r:id="rId20"/>
+    <p:sldId id="281" r:id="rId15"/>
+    <p:sldId id="284" r:id="rId16"/>
+    <p:sldId id="285" r:id="rId17"/>
+    <p:sldId id="286" r:id="rId18"/>
+    <p:sldId id="269" r:id="rId19"/>
+    <p:sldId id="271" r:id="rId20"/>
+    <p:sldId id="266" r:id="rId21"/>
   </p:sldIdLst>
   <p:sldSz cx="17338675" cy="9753600"/>
   <p:notesSz cx="6858000" cy="9144000"/>
@@ -811,7 +812,7 @@
           <a:p>
             <a:fld id="{539A0A48-EDB1-4AFE-B1B7-10CE2A416496}" type="slidenum">
               <a:rPr lang="en-GB" smtClean="0"/>
-              <a:t>17</a:t>
+              <a:t>18</a:t>
             </a:fld>
             <a:endParaRPr lang="en-GB"/>
           </a:p>
@@ -3743,40 +3744,6 @@
       </p:sp>
       <p:sp>
         <p:nvSpPr>
-          <p:cNvPr id="3" name="Tijdelijke aanduiding voor inhoud 2"/>
-          <p:cNvSpPr>
-            <a:spLocks noGrp="1"/>
-          </p:cNvSpPr>
-          <p:nvPr>
-            <p:ph idx="1"/>
-          </p:nvPr>
-        </p:nvSpPr>
-        <p:spPr/>
-        <p:txBody>
-          <a:bodyPr/>
-          <a:lstStyle/>
-          <a:p>
-            <a:r>
-              <a:rPr lang="nl-NL" dirty="0"/>
-              <a:t>Verbruik</a:t>
-            </a:r>
-          </a:p>
-          <a:p>
-            <a:r>
-              <a:rPr lang="nl-NL" dirty="0"/>
-              <a:t>Gewicht</a:t>
-            </a:r>
-          </a:p>
-          <a:p>
-            <a:r>
-              <a:rPr lang="nl-NL" dirty="0"/>
-              <a:t>…</a:t>
-            </a:r>
-          </a:p>
-        </p:txBody>
-      </p:sp>
-      <p:sp>
-        <p:nvSpPr>
           <p:cNvPr id="4" name="Tijdelijke aanduiding voor dianummer 3"/>
           <p:cNvSpPr>
             <a:spLocks noGrp="1"/>
@@ -3798,10 +3765,271 @@
           </a:p>
         </p:txBody>
       </p:sp>
+      <p:pic>
+        <p:nvPicPr>
+          <p:cNvPr id="6" name="Content Placeholder 5" descr="A circuit board&#10;&#10;Description generated with very high confidence">
+            <a:extLst>
+              <a:ext uri="{FF2B5EF4-FFF2-40B4-BE49-F238E27FC236}">
+                <a16:creationId xmlns:a16="http://schemas.microsoft.com/office/drawing/2014/main" id="{5DC46D9F-5DB3-407F-B27A-199B3FE0352B}"/>
+              </a:ext>
+            </a:extLst>
+          </p:cNvPr>
+          <p:cNvPicPr>
+            <a:picLocks noChangeAspect="1"/>
+          </p:cNvPicPr>
+          <p:nvPr/>
+        </p:nvPicPr>
+        <p:blipFill>
+          <a:blip r:embed="rId2">
+            <a:extLst>
+              <a:ext uri="{28A0092B-C50C-407E-A947-70E740481C1C}">
+                <a14:useLocalDpi xmlns:a14="http://schemas.microsoft.com/office/drawing/2010/main" val="0"/>
+              </a:ext>
+            </a:extLst>
+          </a:blip>
+          <a:stretch>
+            <a:fillRect/>
+          </a:stretch>
+        </p:blipFill>
+        <p:spPr>
+          <a:xfrm>
+            <a:off x="6494334" y="1289833"/>
+            <a:ext cx="5040000" cy="5040000"/>
+          </a:xfrm>
+          <a:prstGeom prst="rect">
+            <a:avLst/>
+          </a:prstGeom>
+        </p:spPr>
+      </p:pic>
+      <p:pic>
+        <p:nvPicPr>
+          <p:cNvPr id="9" name="Content Placeholder 17" descr="A circuit board&#10;&#10;Description generated with very high confidence">
+            <a:extLst>
+              <a:ext uri="{FF2B5EF4-FFF2-40B4-BE49-F238E27FC236}">
+                <a16:creationId xmlns:a16="http://schemas.microsoft.com/office/drawing/2014/main" id="{0C0D0752-EDAF-4079-8E1C-BA9305E2DEDF}"/>
+              </a:ext>
+            </a:extLst>
+          </p:cNvPr>
+          <p:cNvPicPr>
+            <a:picLocks noChangeAspect="1"/>
+          </p:cNvPicPr>
+          <p:nvPr/>
+        </p:nvPicPr>
+        <p:blipFill>
+          <a:blip r:embed="rId3">
+            <a:extLst>
+              <a:ext uri="{BEBA8EAE-BF5A-486C-A8C5-ECC9F3942E4B}">
+                <a14:imgProps xmlns:a14="http://schemas.microsoft.com/office/drawing/2010/main">
+                  <a14:imgLayer r:embed="rId4">
+                    <a14:imgEffect>
+                      <a14:backgroundRemoval t="8407" b="92478" l="6000" r="94000">
+                        <a14:foregroundMark x1="6333" y1="54425" x2="6333" y2="54425"/>
+                        <a14:foregroundMark x1="44667" y1="22124" x2="44667" y2="22124"/>
+                        <a14:foregroundMark x1="50667" y1="15044" x2="50667" y2="15044"/>
+                        <a14:foregroundMark x1="45667" y1="13274" x2="41000" y2="18584"/>
+                        <a14:foregroundMark x1="41000" y1="18584" x2="36667" y2="20796"/>
+                        <a14:foregroundMark x1="33000" y1="24779" x2="33000" y2="24779"/>
+                        <a14:foregroundMark x1="28000" y1="28761" x2="14667" y2="41593"/>
+                        <a14:foregroundMark x1="14667" y1="41593" x2="9333" y2="43363"/>
+                        <a14:foregroundMark x1="9333" y1="43363" x2="6333" y2="45575"/>
+                        <a14:foregroundMark x1="12667" y1="40708" x2="40333" y2="19469"/>
+                        <a14:foregroundMark x1="40333" y1="19469" x2="40667" y2="19027"/>
+                        <a14:foregroundMark x1="49667" y1="92478" x2="49667" y2="92478"/>
+                        <a14:foregroundMark x1="58000" y1="86283" x2="58000" y2="86283"/>
+                        <a14:foregroundMark x1="62333" y1="80973" x2="62333" y2="80973"/>
+                        <a14:foregroundMark x1="85333" y1="46903" x2="85333" y2="46903"/>
+                        <a14:foregroundMark x1="94333" y1="32301" x2="94333" y2="32301"/>
+                        <a14:foregroundMark x1="54333" y1="8407" x2="54333" y2="8407"/>
+                      </a14:backgroundRemoval>
+                    </a14:imgEffect>
+                  </a14:imgLayer>
+                </a14:imgProps>
+              </a:ext>
+              <a:ext uri="{28A0092B-C50C-407E-A947-70E740481C1C}">
+                <a14:useLocalDpi xmlns:a14="http://schemas.microsoft.com/office/drawing/2010/main" val="0"/>
+              </a:ext>
+            </a:extLst>
+          </a:blip>
+          <a:stretch>
+            <a:fillRect/>
+          </a:stretch>
+        </p:blipFill>
+        <p:spPr>
+          <a:xfrm>
+            <a:off x="7223656" y="6308774"/>
+            <a:ext cx="2891363" cy="2178159"/>
+          </a:xfrm>
+          <a:prstGeom prst="rect">
+            <a:avLst/>
+          </a:prstGeom>
+        </p:spPr>
+      </p:pic>
+      <p:cxnSp>
+        <p:nvCxnSpPr>
+          <p:cNvPr id="32" name="Straight Connector 31">
+            <a:extLst>
+              <a:ext uri="{FF2B5EF4-FFF2-40B4-BE49-F238E27FC236}">
+                <a16:creationId xmlns:a16="http://schemas.microsoft.com/office/drawing/2014/main" id="{6A385D8E-99CA-4AC3-915F-B7588F75E6E6}"/>
+              </a:ext>
+            </a:extLst>
+          </p:cNvPr>
+          <p:cNvCxnSpPr>
+            <a:cxnSpLocks/>
+          </p:cNvCxnSpPr>
+          <p:nvPr/>
+        </p:nvCxnSpPr>
+        <p:spPr>
+          <a:xfrm>
+            <a:off x="7948150" y="4876800"/>
+            <a:ext cx="0" cy="1440000"/>
+          </a:xfrm>
+          <a:prstGeom prst="line">
+            <a:avLst/>
+          </a:prstGeom>
+          <a:ln w="28575">
+            <a:headEnd type="triangle" w="lg" len="lg"/>
+            <a:tailEnd type="triangle" w="lg" len="lg"/>
+          </a:ln>
+        </p:spPr>
+        <p:style>
+          <a:lnRef idx="3">
+            <a:schemeClr val="accent2"/>
+          </a:lnRef>
+          <a:fillRef idx="0">
+            <a:schemeClr val="accent2"/>
+          </a:fillRef>
+          <a:effectRef idx="2">
+            <a:schemeClr val="accent2"/>
+          </a:effectRef>
+          <a:fontRef idx="minor">
+            <a:schemeClr val="tx1"/>
+          </a:fontRef>
+        </p:style>
+      </p:cxnSp>
+      <p:pic>
+        <p:nvPicPr>
+          <p:cNvPr id="36" name="Content Placeholder 8" descr="A close up of a device&#10;&#10;Description generated with high confidence">
+            <a:extLst>
+              <a:ext uri="{FF2B5EF4-FFF2-40B4-BE49-F238E27FC236}">
+                <a16:creationId xmlns:a16="http://schemas.microsoft.com/office/drawing/2014/main" id="{4DCA515B-FF18-4773-879C-D0DA14287EA4}"/>
+              </a:ext>
+            </a:extLst>
+          </p:cNvPr>
+          <p:cNvPicPr>
+            <a:picLocks noChangeAspect="1"/>
+          </p:cNvPicPr>
+          <p:nvPr/>
+        </p:nvPicPr>
+        <p:blipFill>
+          <a:blip r:embed="rId5">
+            <a:extLst>
+              <a:ext uri="{28A0092B-C50C-407E-A947-70E740481C1C}">
+                <a14:useLocalDpi xmlns:a14="http://schemas.microsoft.com/office/drawing/2010/main" val="0"/>
+              </a:ext>
+            </a:extLst>
+          </a:blip>
+          <a:stretch>
+            <a:fillRect/>
+          </a:stretch>
+        </p:blipFill>
+        <p:spPr>
+          <a:xfrm>
+            <a:off x="7948150" y="0"/>
+            <a:ext cx="2281867" cy="2002972"/>
+          </a:xfrm>
+          <a:prstGeom prst="rect">
+            <a:avLst/>
+          </a:prstGeom>
+        </p:spPr>
+      </p:pic>
+      <p:cxnSp>
+        <p:nvCxnSpPr>
+          <p:cNvPr id="37" name="Straight Connector 36">
+            <a:extLst>
+              <a:ext uri="{FF2B5EF4-FFF2-40B4-BE49-F238E27FC236}">
+                <a16:creationId xmlns:a16="http://schemas.microsoft.com/office/drawing/2014/main" id="{7A9CC6C6-26AC-4C9B-963B-9C13D9697B44}"/>
+              </a:ext>
+            </a:extLst>
+          </p:cNvPr>
+          <p:cNvCxnSpPr>
+            <a:cxnSpLocks/>
+          </p:cNvCxnSpPr>
+          <p:nvPr/>
+        </p:nvCxnSpPr>
+        <p:spPr>
+          <a:xfrm>
+            <a:off x="10115019" y="2002972"/>
+            <a:ext cx="0" cy="1436914"/>
+          </a:xfrm>
+          <a:prstGeom prst="line">
+            <a:avLst/>
+          </a:prstGeom>
+          <a:ln w="28575">
+            <a:headEnd type="triangle" w="lg" len="lg"/>
+            <a:tailEnd type="triangle" w="lg" len="lg"/>
+          </a:ln>
+        </p:spPr>
+        <p:style>
+          <a:lnRef idx="3">
+            <a:schemeClr val="accent2"/>
+          </a:lnRef>
+          <a:fillRef idx="0">
+            <a:schemeClr val="accent2"/>
+          </a:fillRef>
+          <a:effectRef idx="2">
+            <a:schemeClr val="accent2"/>
+          </a:effectRef>
+          <a:fontRef idx="minor">
+            <a:schemeClr val="tx1"/>
+          </a:fontRef>
+        </p:style>
+      </p:cxnSp>
+      <p:cxnSp>
+        <p:nvCxnSpPr>
+          <p:cNvPr id="41" name="Straight Connector 40">
+            <a:extLst>
+              <a:ext uri="{FF2B5EF4-FFF2-40B4-BE49-F238E27FC236}">
+                <a16:creationId xmlns:a16="http://schemas.microsoft.com/office/drawing/2014/main" id="{646C3ECD-1E1B-4EA5-888B-0E5F68D9A070}"/>
+              </a:ext>
+            </a:extLst>
+          </p:cNvPr>
+          <p:cNvCxnSpPr>
+            <a:cxnSpLocks/>
+          </p:cNvCxnSpPr>
+          <p:nvPr/>
+        </p:nvCxnSpPr>
+        <p:spPr>
+          <a:xfrm>
+            <a:off x="8310100" y="4876800"/>
+            <a:ext cx="0" cy="1440000"/>
+          </a:xfrm>
+          <a:prstGeom prst="line">
+            <a:avLst/>
+          </a:prstGeom>
+          <a:ln w="28575">
+            <a:headEnd type="triangle" w="lg" len="lg"/>
+            <a:tailEnd type="triangle" w="lg" len="lg"/>
+          </a:ln>
+        </p:spPr>
+        <p:style>
+          <a:lnRef idx="3">
+            <a:schemeClr val="accent2"/>
+          </a:lnRef>
+          <a:fillRef idx="0">
+            <a:schemeClr val="accent2"/>
+          </a:fillRef>
+          <a:effectRef idx="2">
+            <a:schemeClr val="accent2"/>
+          </a:effectRef>
+          <a:fontRef idx="minor">
+            <a:schemeClr val="tx1"/>
+          </a:fontRef>
+        </p:style>
+      </p:cxnSp>
     </p:spTree>
     <p:extLst>
       <p:ext uri="{BB962C8B-B14F-4D97-AF65-F5344CB8AC3E}">
-        <p14:creationId xmlns:p14="http://schemas.microsoft.com/office/powerpoint/2010/main" val="3309516096"/>
+        <p14:creationId xmlns:p14="http://schemas.microsoft.com/office/powerpoint/2010/main" val="2869762498"/>
       </p:ext>
     </p:extLst>
   </p:cSld>
@@ -3954,8 +4182,8 @@
         </p:blipFill>
         <p:spPr>
           <a:xfrm>
-            <a:off x="2257708" y="8280634"/>
-            <a:ext cx="3363604" cy="1187358"/>
+            <a:off x="2701846" y="8565823"/>
+            <a:ext cx="2809160" cy="991638"/>
           </a:xfrm>
           <a:prstGeom prst="rect">
             <a:avLst/>
@@ -4054,7 +4282,7 @@
           </p:nvPr>
         </p:nvPicPr>
         <p:blipFill>
-          <a:blip r:embed="rId2">
+          <a:blip r:embed="rId2" cstate="print">
             <a:extLst>
               <a:ext uri="{28A0092B-C50C-407E-A947-70E740481C1C}">
                 <a14:useLocalDpi xmlns:a14="http://schemas.microsoft.com/office/drawing/2010/main" val="0"/>
@@ -4067,8 +4295,8 @@
         </p:blipFill>
         <p:spPr>
           <a:xfrm>
-            <a:off x="0" y="999718"/>
-            <a:ext cx="6455291" cy="3287895"/>
+            <a:off x="-2357" y="1262057"/>
+            <a:ext cx="5786014" cy="2947010"/>
           </a:xfrm>
         </p:spPr>
       </p:pic>
@@ -4100,8 +4328,8 @@
         </p:blipFill>
         <p:spPr>
           <a:xfrm>
-            <a:off x="6346145" y="792760"/>
-            <a:ext cx="4673228" cy="4673228"/>
+            <a:off x="6494334" y="1289833"/>
+            <a:ext cx="5040000" cy="5040000"/>
           </a:xfrm>
           <a:prstGeom prst="rect">
             <a:avLst/>
@@ -4110,10 +4338,10 @@
       </p:pic>
       <p:pic>
         <p:nvPicPr>
-          <p:cNvPr id="8" name="Content Placeholder 5" descr="A circuit board&#10;&#10;Description generated with very high confidence">
+          <p:cNvPr id="9" name="Content Placeholder 17" descr="A circuit board&#10;&#10;Description generated with very high confidence">
             <a:extLst>
               <a:ext uri="{FF2B5EF4-FFF2-40B4-BE49-F238E27FC236}">
-                <a16:creationId xmlns:a16="http://schemas.microsoft.com/office/drawing/2014/main" id="{3A705E2E-60FE-414A-A950-740098048AF8}"/>
+                <a16:creationId xmlns:a16="http://schemas.microsoft.com/office/drawing/2014/main" id="{0C0D0752-EDAF-4079-8E1C-BA9305E2DEDF}"/>
               </a:ext>
             </a:extLst>
           </p:cNvPr>
@@ -4128,60 +4356,6 @@
               <a:ext uri="{BEBA8EAE-BF5A-486C-A8C5-ECC9F3942E4B}">
                 <a14:imgProps xmlns:a14="http://schemas.microsoft.com/office/drawing/2010/main">
                   <a14:imgLayer r:embed="rId5">
-                    <a14:imgEffect>
-                      <a14:backgroundRemoval t="10000" b="90000" l="4600" r="97400">
-                        <a14:foregroundMark x1="94000" y1="54000" x2="94000" y2="54000"/>
-                        <a14:foregroundMark x1="97400" y1="54000" x2="97400" y2="54000"/>
-                        <a14:foregroundMark x1="8600" y1="28000" x2="8600" y2="28000"/>
-                        <a14:foregroundMark x1="4600" y1="40400" x2="4600" y2="40400"/>
-                        <a14:foregroundMark x1="30600" y1="80400" x2="23800" y2="76600"/>
-                        <a14:foregroundMark x1="23800" y1="76600" x2="21600" y2="69200"/>
-                        <a14:foregroundMark x1="21600" y1="69200" x2="21600" y2="68000"/>
-                        <a14:foregroundMark x1="30200" y1="84400" x2="27600" y2="82000"/>
-                      </a14:backgroundRemoval>
-                    </a14:imgEffect>
-                  </a14:imgLayer>
-                </a14:imgProps>
-              </a:ext>
-              <a:ext uri="{28A0092B-C50C-407E-A947-70E740481C1C}">
-                <a14:useLocalDpi xmlns:a14="http://schemas.microsoft.com/office/drawing/2010/main" val="0"/>
-              </a:ext>
-            </a:extLst>
-          </a:blip>
-          <a:stretch>
-            <a:fillRect/>
-          </a:stretch>
-        </p:blipFill>
-        <p:spPr>
-          <a:xfrm flipH="1">
-            <a:off x="667019" y="3872145"/>
-            <a:ext cx="2558321" cy="2558321"/>
-          </a:xfrm>
-          <a:prstGeom prst="rect">
-            <a:avLst/>
-          </a:prstGeom>
-        </p:spPr>
-      </p:pic>
-      <p:pic>
-        <p:nvPicPr>
-          <p:cNvPr id="9" name="Content Placeholder 17" descr="A circuit board&#10;&#10;Description generated with very high confidence">
-            <a:extLst>
-              <a:ext uri="{FF2B5EF4-FFF2-40B4-BE49-F238E27FC236}">
-                <a16:creationId xmlns:a16="http://schemas.microsoft.com/office/drawing/2014/main" id="{0C0D0752-EDAF-4079-8E1C-BA9305E2DEDF}"/>
-              </a:ext>
-            </a:extLst>
-          </p:cNvPr>
-          <p:cNvPicPr>
-            <a:picLocks noChangeAspect="1"/>
-          </p:cNvPicPr>
-          <p:nvPr/>
-        </p:nvPicPr>
-        <p:blipFill>
-          <a:blip r:embed="rId6">
-            <a:extLst>
-              <a:ext uri="{BEBA8EAE-BF5A-486C-A8C5-ECC9F3942E4B}">
-                <a14:imgProps xmlns:a14="http://schemas.microsoft.com/office/drawing/2010/main">
-                  <a14:imgLayer r:embed="rId7">
                     <a14:imgEffect>
                       <a14:backgroundRemoval t="8407" b="92478" l="6000" r="94000">
                         <a14:foregroundMark x1="6333" y1="54425" x2="6333" y2="54425"/>
@@ -4217,8 +4391,8 @@
         </p:blipFill>
         <p:spPr>
           <a:xfrm>
-            <a:off x="6455291" y="4876800"/>
-            <a:ext cx="3888462" cy="2929308"/>
+            <a:off x="7223656" y="6308774"/>
+            <a:ext cx="2891363" cy="2178159"/>
           </a:xfrm>
           <a:prstGeom prst="rect">
             <a:avLst/>
@@ -4227,10 +4401,10 @@
       </p:pic>
       <p:pic>
         <p:nvPicPr>
-          <p:cNvPr id="12" name="Content Placeholder 5" descr="A circuit board&#10;&#10;Description generated with very high confidence">
+          <p:cNvPr id="18" name="Picture 17" descr="A close up of a computer&#10;&#10;Description generated with very high confidence">
             <a:extLst>
               <a:ext uri="{FF2B5EF4-FFF2-40B4-BE49-F238E27FC236}">
-                <a16:creationId xmlns:a16="http://schemas.microsoft.com/office/drawing/2014/main" id="{2265D7EC-290C-4DCB-BF62-9F36F6A0D524}"/>
+                <a16:creationId xmlns:a16="http://schemas.microsoft.com/office/drawing/2014/main" id="{E9750424-21F3-4252-B2D0-92619F4A0BAD}"/>
               </a:ext>
             </a:extLst>
           </p:cNvPr>
@@ -4240,119 +4414,11 @@
           <p:nvPr/>
         </p:nvPicPr>
         <p:blipFill>
-          <a:blip r:embed="rId4">
+          <a:blip r:embed="rId6">
             <a:extLst>
               <a:ext uri="{BEBA8EAE-BF5A-486C-A8C5-ECC9F3942E4B}">
                 <a14:imgProps xmlns:a14="http://schemas.microsoft.com/office/drawing/2010/main">
-                  <a14:imgLayer r:embed="rId5">
-                    <a14:imgEffect>
-                      <a14:backgroundRemoval t="10000" b="90000" l="4600" r="97400">
-                        <a14:foregroundMark x1="94000" y1="54000" x2="94000" y2="54000"/>
-                        <a14:foregroundMark x1="97400" y1="54000" x2="97400" y2="54000"/>
-                        <a14:foregroundMark x1="8600" y1="28000" x2="8600" y2="28000"/>
-                        <a14:foregroundMark x1="4600" y1="40400" x2="4600" y2="40400"/>
-                        <a14:foregroundMark x1="30600" y1="80400" x2="23800" y2="76600"/>
-                        <a14:foregroundMark x1="23800" y1="76600" x2="21600" y2="69200"/>
-                        <a14:foregroundMark x1="21600" y1="69200" x2="21600" y2="68000"/>
-                        <a14:foregroundMark x1="30200" y1="84400" x2="27600" y2="82000"/>
-                      </a14:backgroundRemoval>
-                    </a14:imgEffect>
-                  </a14:imgLayer>
-                </a14:imgProps>
-              </a:ext>
-              <a:ext uri="{28A0092B-C50C-407E-A947-70E740481C1C}">
-                <a14:useLocalDpi xmlns:a14="http://schemas.microsoft.com/office/drawing/2010/main" val="0"/>
-              </a:ext>
-            </a:extLst>
-          </a:blip>
-          <a:stretch>
-            <a:fillRect/>
-          </a:stretch>
-        </p:blipFill>
-        <p:spPr>
-          <a:xfrm flipH="1">
-            <a:off x="1946179" y="5465988"/>
-            <a:ext cx="2558321" cy="2558321"/>
-          </a:xfrm>
-          <a:prstGeom prst="rect">
-            <a:avLst/>
-          </a:prstGeom>
-        </p:spPr>
-      </p:pic>
-      <p:pic>
-        <p:nvPicPr>
-          <p:cNvPr id="13" name="Content Placeholder 5" descr="A circuit board&#10;&#10;Description generated with very high confidence">
-            <a:extLst>
-              <a:ext uri="{FF2B5EF4-FFF2-40B4-BE49-F238E27FC236}">
-                <a16:creationId xmlns:a16="http://schemas.microsoft.com/office/drawing/2014/main" id="{16E21CFB-2E21-4725-9F29-A49FAE4C670F}"/>
-              </a:ext>
-            </a:extLst>
-          </p:cNvPr>
-          <p:cNvPicPr>
-            <a:picLocks noChangeAspect="1"/>
-          </p:cNvPicPr>
-          <p:nvPr/>
-        </p:nvPicPr>
-        <p:blipFill>
-          <a:blip r:embed="rId4">
-            <a:extLst>
-              <a:ext uri="{BEBA8EAE-BF5A-486C-A8C5-ECC9F3942E4B}">
-                <a14:imgProps xmlns:a14="http://schemas.microsoft.com/office/drawing/2010/main">
-                  <a14:imgLayer r:embed="rId5">
-                    <a14:imgEffect>
-                      <a14:backgroundRemoval t="10000" b="90000" l="4600" r="97400">
-                        <a14:foregroundMark x1="94000" y1="54000" x2="94000" y2="54000"/>
-                        <a14:foregroundMark x1="97400" y1="54000" x2="97400" y2="54000"/>
-                        <a14:foregroundMark x1="8600" y1="28000" x2="8600" y2="28000"/>
-                        <a14:foregroundMark x1="4600" y1="40400" x2="4600" y2="40400"/>
-                        <a14:foregroundMark x1="30600" y1="80400" x2="23800" y2="76600"/>
-                        <a14:foregroundMark x1="23800" y1="76600" x2="21600" y2="69200"/>
-                        <a14:foregroundMark x1="21600" y1="69200" x2="21600" y2="68000"/>
-                        <a14:foregroundMark x1="30200" y1="84400" x2="27600" y2="82000"/>
-                      </a14:backgroundRemoval>
-                    </a14:imgEffect>
-                  </a14:imgLayer>
-                </a14:imgProps>
-              </a:ext>
-              <a:ext uri="{28A0092B-C50C-407E-A947-70E740481C1C}">
-                <a14:useLocalDpi xmlns:a14="http://schemas.microsoft.com/office/drawing/2010/main" val="0"/>
-              </a:ext>
-            </a:extLst>
-          </a:blip>
-          <a:stretch>
-            <a:fillRect/>
-          </a:stretch>
-        </p:blipFill>
-        <p:spPr>
-          <a:xfrm flipH="1">
-            <a:off x="3225339" y="7059831"/>
-            <a:ext cx="2558321" cy="2558321"/>
-          </a:xfrm>
-          <a:prstGeom prst="rect">
-            <a:avLst/>
-          </a:prstGeom>
-        </p:spPr>
-      </p:pic>
-      <p:pic>
-        <p:nvPicPr>
-          <p:cNvPr id="18" name="Picture 17" descr="A close up of a computer&#10;&#10;Description generated with very high confidence">
-            <a:extLst>
-              <a:ext uri="{FF2B5EF4-FFF2-40B4-BE49-F238E27FC236}">
-                <a16:creationId xmlns:a16="http://schemas.microsoft.com/office/drawing/2014/main" id="{E9750424-21F3-4252-B2D0-92619F4A0BAD}"/>
-              </a:ext>
-            </a:extLst>
-          </p:cNvPr>
-          <p:cNvPicPr>
-            <a:picLocks noChangeAspect="1"/>
-          </p:cNvPicPr>
-          <p:nvPr/>
-        </p:nvPicPr>
-        <p:blipFill>
-          <a:blip r:embed="rId8">
-            <a:extLst>
-              <a:ext uri="{BEBA8EAE-BF5A-486C-A8C5-ECC9F3942E4B}">
-                <a14:imgProps xmlns:a14="http://schemas.microsoft.com/office/drawing/2010/main">
-                  <a14:imgLayer r:embed="rId9">
+                  <a14:imgLayer r:embed="rId7">
                     <a14:imgEffect>
                       <a14:backgroundRemoval t="5981" b="96890" l="4320" r="95680">
                         <a14:foregroundMark x1="9120" y1="39713" x2="9120" y2="39713"/>
@@ -4391,18 +4457,605 @@
         </p:blipFill>
         <p:spPr>
           <a:xfrm>
-            <a:off x="11332212" y="2585519"/>
-            <a:ext cx="5615932" cy="3755935"/>
+            <a:off x="12265698" y="2721429"/>
+            <a:ext cx="4308479" cy="2881511"/>
           </a:xfrm>
           <a:prstGeom prst="rect">
             <a:avLst/>
           </a:prstGeom>
         </p:spPr>
       </p:pic>
+      <p:cxnSp>
+        <p:nvCxnSpPr>
+          <p:cNvPr id="7" name="Straight Connector 6">
+            <a:extLst>
+              <a:ext uri="{FF2B5EF4-FFF2-40B4-BE49-F238E27FC236}">
+                <a16:creationId xmlns:a16="http://schemas.microsoft.com/office/drawing/2014/main" id="{7C022078-64FB-4E01-B5F9-72AEBF028F24}"/>
+              </a:ext>
+            </a:extLst>
+          </p:cNvPr>
+          <p:cNvCxnSpPr/>
+          <p:nvPr/>
+        </p:nvCxnSpPr>
+        <p:spPr>
+          <a:xfrm>
+            <a:off x="5783656" y="2358269"/>
+            <a:ext cx="1440000" cy="0"/>
+          </a:xfrm>
+          <a:prstGeom prst="line">
+            <a:avLst/>
+          </a:prstGeom>
+          <a:ln w="28575">
+            <a:solidFill>
+              <a:srgbClr val="1E64C8"/>
+            </a:solidFill>
+            <a:prstDash val="dash"/>
+            <a:headEnd type="triangle" w="lg" len="lg"/>
+            <a:tailEnd type="triangle" w="lg" len="lg"/>
+          </a:ln>
+        </p:spPr>
+        <p:style>
+          <a:lnRef idx="3">
+            <a:schemeClr val="accent1"/>
+          </a:lnRef>
+          <a:fillRef idx="0">
+            <a:schemeClr val="accent1"/>
+          </a:fillRef>
+          <a:effectRef idx="2">
+            <a:schemeClr val="accent1"/>
+          </a:effectRef>
+          <a:fontRef idx="minor">
+            <a:schemeClr val="tx1"/>
+          </a:fontRef>
+        </p:style>
+      </p:cxnSp>
+      <p:cxnSp>
+        <p:nvCxnSpPr>
+          <p:cNvPr id="24" name="Straight Connector 23">
+            <a:extLst>
+              <a:ext uri="{FF2B5EF4-FFF2-40B4-BE49-F238E27FC236}">
+                <a16:creationId xmlns:a16="http://schemas.microsoft.com/office/drawing/2014/main" id="{A5ACC2CB-29EE-4B2E-8F9B-C4140FEBE798}"/>
+              </a:ext>
+            </a:extLst>
+          </p:cNvPr>
+          <p:cNvCxnSpPr>
+            <a:cxnSpLocks/>
+          </p:cNvCxnSpPr>
+          <p:nvPr/>
+        </p:nvCxnSpPr>
+        <p:spPr>
+          <a:xfrm>
+            <a:off x="5927656" y="6249410"/>
+            <a:ext cx="1296000" cy="432000"/>
+          </a:xfrm>
+          <a:prstGeom prst="line">
+            <a:avLst/>
+          </a:prstGeom>
+          <a:ln w="28575">
+            <a:solidFill>
+              <a:srgbClr val="1E64C8"/>
+            </a:solidFill>
+            <a:headEnd type="triangle" w="lg" len="lg"/>
+            <a:tailEnd type="triangle" w="lg" len="lg"/>
+          </a:ln>
+        </p:spPr>
+        <p:style>
+          <a:lnRef idx="3">
+            <a:schemeClr val="accent1"/>
+          </a:lnRef>
+          <a:fillRef idx="0">
+            <a:schemeClr val="accent1"/>
+          </a:fillRef>
+          <a:effectRef idx="2">
+            <a:schemeClr val="accent1"/>
+          </a:effectRef>
+          <a:fontRef idx="minor">
+            <a:schemeClr val="tx1"/>
+          </a:fontRef>
+        </p:style>
+      </p:cxnSp>
+      <p:cxnSp>
+        <p:nvCxnSpPr>
+          <p:cNvPr id="25" name="Straight Connector 24">
+            <a:extLst>
+              <a:ext uri="{FF2B5EF4-FFF2-40B4-BE49-F238E27FC236}">
+                <a16:creationId xmlns:a16="http://schemas.microsoft.com/office/drawing/2014/main" id="{DD833622-E1CB-4406-BC3B-BEC0EA9F358B}"/>
+              </a:ext>
+            </a:extLst>
+          </p:cNvPr>
+          <p:cNvCxnSpPr>
+            <a:cxnSpLocks/>
+          </p:cNvCxnSpPr>
+          <p:nvPr/>
+        </p:nvCxnSpPr>
+        <p:spPr>
+          <a:xfrm flipV="1">
+            <a:off x="5927656" y="8112638"/>
+            <a:ext cx="1296000" cy="432000"/>
+          </a:xfrm>
+          <a:prstGeom prst="line">
+            <a:avLst/>
+          </a:prstGeom>
+          <a:ln w="28575">
+            <a:solidFill>
+              <a:srgbClr val="1E64C8"/>
+            </a:solidFill>
+            <a:headEnd type="triangle" w="lg" len="lg"/>
+            <a:tailEnd type="triangle" w="lg" len="lg"/>
+          </a:ln>
+        </p:spPr>
+        <p:style>
+          <a:lnRef idx="3">
+            <a:schemeClr val="accent1"/>
+          </a:lnRef>
+          <a:fillRef idx="0">
+            <a:schemeClr val="accent1"/>
+          </a:fillRef>
+          <a:effectRef idx="2">
+            <a:schemeClr val="accent1"/>
+          </a:effectRef>
+          <a:fontRef idx="minor">
+            <a:schemeClr val="tx1"/>
+          </a:fontRef>
+        </p:style>
+      </p:cxnSp>
+      <p:cxnSp>
+        <p:nvCxnSpPr>
+          <p:cNvPr id="31" name="Straight Connector 30">
+            <a:extLst>
+              <a:ext uri="{FF2B5EF4-FFF2-40B4-BE49-F238E27FC236}">
+                <a16:creationId xmlns:a16="http://schemas.microsoft.com/office/drawing/2014/main" id="{42965CAB-4FC4-44FC-974F-2A001BFFDAC2}"/>
+              </a:ext>
+            </a:extLst>
+          </p:cNvPr>
+          <p:cNvCxnSpPr/>
+          <p:nvPr/>
+        </p:nvCxnSpPr>
+        <p:spPr>
+          <a:xfrm>
+            <a:off x="10825698" y="3439886"/>
+            <a:ext cx="1440000" cy="0"/>
+          </a:xfrm>
+          <a:prstGeom prst="line">
+            <a:avLst/>
+          </a:prstGeom>
+          <a:ln w="28575">
+            <a:solidFill>
+              <a:srgbClr val="1E64C8"/>
+            </a:solidFill>
+            <a:headEnd type="triangle" w="lg" len="lg"/>
+            <a:tailEnd type="triangle" w="lg" len="lg"/>
+          </a:ln>
+        </p:spPr>
+        <p:style>
+          <a:lnRef idx="3">
+            <a:schemeClr val="accent1"/>
+          </a:lnRef>
+          <a:fillRef idx="0">
+            <a:schemeClr val="accent1"/>
+          </a:fillRef>
+          <a:effectRef idx="2">
+            <a:schemeClr val="accent1"/>
+          </a:effectRef>
+          <a:fontRef idx="minor">
+            <a:schemeClr val="tx1"/>
+          </a:fontRef>
+        </p:style>
+      </p:cxnSp>
+      <p:cxnSp>
+        <p:nvCxnSpPr>
+          <p:cNvPr id="32" name="Straight Connector 31">
+            <a:extLst>
+              <a:ext uri="{FF2B5EF4-FFF2-40B4-BE49-F238E27FC236}">
+                <a16:creationId xmlns:a16="http://schemas.microsoft.com/office/drawing/2014/main" id="{6A385D8E-99CA-4AC3-915F-B7588F75E6E6}"/>
+              </a:ext>
+            </a:extLst>
+          </p:cNvPr>
+          <p:cNvCxnSpPr>
+            <a:cxnSpLocks/>
+          </p:cNvCxnSpPr>
+          <p:nvPr/>
+        </p:nvCxnSpPr>
+        <p:spPr>
+          <a:xfrm>
+            <a:off x="7948150" y="4876800"/>
+            <a:ext cx="0" cy="1440000"/>
+          </a:xfrm>
+          <a:prstGeom prst="line">
+            <a:avLst/>
+          </a:prstGeom>
+          <a:ln w="28575">
+            <a:headEnd type="triangle" w="lg" len="lg"/>
+            <a:tailEnd type="triangle" w="lg" len="lg"/>
+          </a:ln>
+        </p:spPr>
+        <p:style>
+          <a:lnRef idx="3">
+            <a:schemeClr val="accent2"/>
+          </a:lnRef>
+          <a:fillRef idx="0">
+            <a:schemeClr val="accent2"/>
+          </a:fillRef>
+          <a:effectRef idx="2">
+            <a:schemeClr val="accent2"/>
+          </a:effectRef>
+          <a:fontRef idx="minor">
+            <a:schemeClr val="tx1"/>
+          </a:fontRef>
+        </p:style>
+      </p:cxnSp>
+      <p:pic>
+        <p:nvPicPr>
+          <p:cNvPr id="36" name="Content Placeholder 8" descr="A close up of a device&#10;&#10;Description generated with high confidence">
+            <a:extLst>
+              <a:ext uri="{FF2B5EF4-FFF2-40B4-BE49-F238E27FC236}">
+                <a16:creationId xmlns:a16="http://schemas.microsoft.com/office/drawing/2014/main" id="{4DCA515B-FF18-4773-879C-D0DA14287EA4}"/>
+              </a:ext>
+            </a:extLst>
+          </p:cNvPr>
+          <p:cNvPicPr>
+            <a:picLocks noChangeAspect="1"/>
+          </p:cNvPicPr>
+          <p:nvPr/>
+        </p:nvPicPr>
+        <p:blipFill>
+          <a:blip r:embed="rId8">
+            <a:extLst>
+              <a:ext uri="{28A0092B-C50C-407E-A947-70E740481C1C}">
+                <a14:useLocalDpi xmlns:a14="http://schemas.microsoft.com/office/drawing/2010/main" val="0"/>
+              </a:ext>
+            </a:extLst>
+          </a:blip>
+          <a:stretch>
+            <a:fillRect/>
+          </a:stretch>
+        </p:blipFill>
+        <p:spPr>
+          <a:xfrm>
+            <a:off x="7948150" y="0"/>
+            <a:ext cx="2281867" cy="2002972"/>
+          </a:xfrm>
+          <a:prstGeom prst="rect">
+            <a:avLst/>
+          </a:prstGeom>
+        </p:spPr>
+      </p:pic>
+      <p:cxnSp>
+        <p:nvCxnSpPr>
+          <p:cNvPr id="37" name="Straight Connector 36">
+            <a:extLst>
+              <a:ext uri="{FF2B5EF4-FFF2-40B4-BE49-F238E27FC236}">
+                <a16:creationId xmlns:a16="http://schemas.microsoft.com/office/drawing/2014/main" id="{7A9CC6C6-26AC-4C9B-963B-9C13D9697B44}"/>
+              </a:ext>
+            </a:extLst>
+          </p:cNvPr>
+          <p:cNvCxnSpPr>
+            <a:cxnSpLocks/>
+          </p:cNvCxnSpPr>
+          <p:nvPr/>
+        </p:nvCxnSpPr>
+        <p:spPr>
+          <a:xfrm>
+            <a:off x="10115019" y="2002972"/>
+            <a:ext cx="0" cy="1436914"/>
+          </a:xfrm>
+          <a:prstGeom prst="line">
+            <a:avLst/>
+          </a:prstGeom>
+          <a:ln w="28575">
+            <a:headEnd type="triangle" w="lg" len="lg"/>
+            <a:tailEnd type="triangle" w="lg" len="lg"/>
+          </a:ln>
+        </p:spPr>
+        <p:style>
+          <a:lnRef idx="3">
+            <a:schemeClr val="accent2"/>
+          </a:lnRef>
+          <a:fillRef idx="0">
+            <a:schemeClr val="accent2"/>
+          </a:fillRef>
+          <a:effectRef idx="2">
+            <a:schemeClr val="accent2"/>
+          </a:effectRef>
+          <a:fontRef idx="minor">
+            <a:schemeClr val="tx1"/>
+          </a:fontRef>
+        </p:style>
+      </p:cxnSp>
+      <p:cxnSp>
+        <p:nvCxnSpPr>
+          <p:cNvPr id="38" name="Straight Connector 37">
+            <a:extLst>
+              <a:ext uri="{FF2B5EF4-FFF2-40B4-BE49-F238E27FC236}">
+                <a16:creationId xmlns:a16="http://schemas.microsoft.com/office/drawing/2014/main" id="{B64522D4-401A-4319-BC9F-5697F9C3C3DE}"/>
+              </a:ext>
+            </a:extLst>
+          </p:cNvPr>
+          <p:cNvCxnSpPr/>
+          <p:nvPr/>
+        </p:nvCxnSpPr>
+        <p:spPr>
+          <a:xfrm>
+            <a:off x="5783656" y="2710162"/>
+            <a:ext cx="1440000" cy="0"/>
+          </a:xfrm>
+          <a:prstGeom prst="line">
+            <a:avLst/>
+          </a:prstGeom>
+          <a:ln w="28575">
+            <a:prstDash val="dash"/>
+            <a:headEnd type="triangle" w="lg" len="lg"/>
+            <a:tailEnd type="triangle" w="lg" len="lg"/>
+          </a:ln>
+        </p:spPr>
+        <p:style>
+          <a:lnRef idx="3">
+            <a:schemeClr val="accent2"/>
+          </a:lnRef>
+          <a:fillRef idx="0">
+            <a:schemeClr val="accent2"/>
+          </a:fillRef>
+          <a:effectRef idx="2">
+            <a:schemeClr val="accent2"/>
+          </a:effectRef>
+          <a:fontRef idx="minor">
+            <a:schemeClr val="tx1"/>
+          </a:fontRef>
+        </p:style>
+      </p:cxnSp>
+      <p:pic>
+        <p:nvPicPr>
+          <p:cNvPr id="29" name="Content Placeholder 5" descr="A circuit board&#10;&#10;Description generated with very high confidence">
+            <a:extLst>
+              <a:ext uri="{FF2B5EF4-FFF2-40B4-BE49-F238E27FC236}">
+                <a16:creationId xmlns:a16="http://schemas.microsoft.com/office/drawing/2014/main" id="{9798E8CA-27B5-4D59-B003-93E4697B75E9}"/>
+              </a:ext>
+            </a:extLst>
+          </p:cNvPr>
+          <p:cNvPicPr>
+            <a:picLocks noChangeAspect="1"/>
+          </p:cNvPicPr>
+          <p:nvPr/>
+        </p:nvPicPr>
+        <p:blipFill>
+          <a:blip r:embed="rId9">
+            <a:extLst>
+              <a:ext uri="{BEBA8EAE-BF5A-486C-A8C5-ECC9F3942E4B}">
+                <a14:imgProps xmlns:a14="http://schemas.microsoft.com/office/drawing/2010/main">
+                  <a14:imgLayer r:embed="rId10">
+                    <a14:imgEffect>
+                      <a14:backgroundRemoval t="10000" b="90000" l="4600" r="97400">
+                        <a14:foregroundMark x1="94000" y1="54000" x2="94000" y2="54000"/>
+                        <a14:foregroundMark x1="97400" y1="54000" x2="97400" y2="54000"/>
+                        <a14:foregroundMark x1="8600" y1="28000" x2="8600" y2="28000"/>
+                        <a14:foregroundMark x1="4600" y1="40400" x2="4600" y2="40400"/>
+                        <a14:foregroundMark x1="30600" y1="80400" x2="23800" y2="76600"/>
+                        <a14:foregroundMark x1="23800" y1="76600" x2="21600" y2="69200"/>
+                        <a14:foregroundMark x1="21600" y1="69200" x2="21600" y2="68000"/>
+                        <a14:foregroundMark x1="30200" y1="84400" x2="27600" y2="82000"/>
+                      </a14:backgroundRemoval>
+                    </a14:imgEffect>
+                  </a14:imgLayer>
+                </a14:imgProps>
+              </a:ext>
+              <a:ext uri="{28A0092B-C50C-407E-A947-70E740481C1C}">
+                <a14:useLocalDpi xmlns:a14="http://schemas.microsoft.com/office/drawing/2010/main" val="0"/>
+              </a:ext>
+            </a:extLst>
+          </a:blip>
+          <a:stretch>
+            <a:fillRect/>
+          </a:stretch>
+        </p:blipFill>
+        <p:spPr>
+          <a:xfrm flipH="1">
+            <a:off x="3628885" y="6334767"/>
+            <a:ext cx="2154771" cy="2154771"/>
+          </a:xfrm>
+          <a:prstGeom prst="rect">
+            <a:avLst/>
+          </a:prstGeom>
+        </p:spPr>
+      </p:pic>
+      <p:pic>
+        <p:nvPicPr>
+          <p:cNvPr id="30" name="Content Placeholder 5" descr="A circuit board&#10;&#10;Description generated with very high confidence">
+            <a:extLst>
+              <a:ext uri="{FF2B5EF4-FFF2-40B4-BE49-F238E27FC236}">
+                <a16:creationId xmlns:a16="http://schemas.microsoft.com/office/drawing/2014/main" id="{C071A1E0-4C24-4CB4-BABF-C75DD1AB9528}"/>
+              </a:ext>
+            </a:extLst>
+          </p:cNvPr>
+          <p:cNvPicPr>
+            <a:picLocks noChangeAspect="1"/>
+          </p:cNvPicPr>
+          <p:nvPr/>
+        </p:nvPicPr>
+        <p:blipFill>
+          <a:blip r:embed="rId9">
+            <a:extLst>
+              <a:ext uri="{BEBA8EAE-BF5A-486C-A8C5-ECC9F3942E4B}">
+                <a14:imgProps xmlns:a14="http://schemas.microsoft.com/office/drawing/2010/main">
+                  <a14:imgLayer r:embed="rId10">
+                    <a14:imgEffect>
+                      <a14:backgroundRemoval t="10000" b="90000" l="4600" r="97400">
+                        <a14:foregroundMark x1="94000" y1="54000" x2="94000" y2="54000"/>
+                        <a14:foregroundMark x1="97400" y1="54000" x2="97400" y2="54000"/>
+                        <a14:foregroundMark x1="8600" y1="28000" x2="8600" y2="28000"/>
+                        <a14:foregroundMark x1="4600" y1="40400" x2="4600" y2="40400"/>
+                        <a14:foregroundMark x1="30600" y1="80400" x2="23800" y2="76600"/>
+                        <a14:foregroundMark x1="23800" y1="76600" x2="21600" y2="69200"/>
+                        <a14:foregroundMark x1="21600" y1="69200" x2="21600" y2="68000"/>
+                        <a14:foregroundMark x1="30200" y1="84400" x2="27600" y2="82000"/>
+                      </a14:backgroundRemoval>
+                    </a14:imgEffect>
+                  </a14:imgLayer>
+                </a14:imgProps>
+              </a:ext>
+              <a:ext uri="{28A0092B-C50C-407E-A947-70E740481C1C}">
+                <a14:useLocalDpi xmlns:a14="http://schemas.microsoft.com/office/drawing/2010/main" val="0"/>
+              </a:ext>
+            </a:extLst>
+          </a:blip>
+          <a:stretch>
+            <a:fillRect/>
+          </a:stretch>
+        </p:blipFill>
+        <p:spPr>
+          <a:xfrm flipH="1">
+            <a:off x="3628886" y="7774641"/>
+            <a:ext cx="2154771" cy="2154771"/>
+          </a:xfrm>
+          <a:prstGeom prst="rect">
+            <a:avLst/>
+          </a:prstGeom>
+        </p:spPr>
+      </p:pic>
+      <p:pic>
+        <p:nvPicPr>
+          <p:cNvPr id="33" name="Content Placeholder 5" descr="A circuit board&#10;&#10;Description generated with very high confidence">
+            <a:extLst>
+              <a:ext uri="{FF2B5EF4-FFF2-40B4-BE49-F238E27FC236}">
+                <a16:creationId xmlns:a16="http://schemas.microsoft.com/office/drawing/2014/main" id="{5E97ED60-7D5C-412E-BD73-CA59674ADA15}"/>
+              </a:ext>
+            </a:extLst>
+          </p:cNvPr>
+          <p:cNvPicPr>
+            <a:picLocks noChangeAspect="1"/>
+          </p:cNvPicPr>
+          <p:nvPr/>
+        </p:nvPicPr>
+        <p:blipFill>
+          <a:blip r:embed="rId9">
+            <a:extLst>
+              <a:ext uri="{BEBA8EAE-BF5A-486C-A8C5-ECC9F3942E4B}">
+                <a14:imgProps xmlns:a14="http://schemas.microsoft.com/office/drawing/2010/main">
+                  <a14:imgLayer r:embed="rId10">
+                    <a14:imgEffect>
+                      <a14:backgroundRemoval t="10000" b="90000" l="4600" r="97400">
+                        <a14:foregroundMark x1="94000" y1="54000" x2="94000" y2="54000"/>
+                        <a14:foregroundMark x1="97400" y1="54000" x2="97400" y2="54000"/>
+                        <a14:foregroundMark x1="8600" y1="28000" x2="8600" y2="28000"/>
+                        <a14:foregroundMark x1="4600" y1="40400" x2="4600" y2="40400"/>
+                        <a14:foregroundMark x1="30600" y1="80400" x2="23800" y2="76600"/>
+                        <a14:foregroundMark x1="23800" y1="76600" x2="21600" y2="69200"/>
+                        <a14:foregroundMark x1="21600" y1="69200" x2="21600" y2="68000"/>
+                        <a14:foregroundMark x1="30200" y1="84400" x2="27600" y2="82000"/>
+                      </a14:backgroundRemoval>
+                    </a14:imgEffect>
+                  </a14:imgLayer>
+                </a14:imgProps>
+              </a:ext>
+              <a:ext uri="{28A0092B-C50C-407E-A947-70E740481C1C}">
+                <a14:useLocalDpi xmlns:a14="http://schemas.microsoft.com/office/drawing/2010/main" val="0"/>
+              </a:ext>
+            </a:extLst>
+          </a:blip>
+          <a:stretch>
+            <a:fillRect/>
+          </a:stretch>
+        </p:blipFill>
+        <p:spPr>
+          <a:xfrm flipH="1">
+            <a:off x="3628885" y="4876800"/>
+            <a:ext cx="2154771" cy="2154771"/>
+          </a:xfrm>
+          <a:prstGeom prst="rect">
+            <a:avLst/>
+          </a:prstGeom>
+        </p:spPr>
+      </p:pic>
+      <p:cxnSp>
+        <p:nvCxnSpPr>
+          <p:cNvPr id="40" name="Straight Connector 39">
+            <a:extLst>
+              <a:ext uri="{FF2B5EF4-FFF2-40B4-BE49-F238E27FC236}">
+                <a16:creationId xmlns:a16="http://schemas.microsoft.com/office/drawing/2014/main" id="{3502DCF6-F5E2-4DE3-9B56-35798FF187D8}"/>
+              </a:ext>
+            </a:extLst>
+          </p:cNvPr>
+          <p:cNvCxnSpPr>
+            <a:cxnSpLocks/>
+          </p:cNvCxnSpPr>
+          <p:nvPr/>
+        </p:nvCxnSpPr>
+        <p:spPr>
+          <a:xfrm>
+            <a:off x="5783656" y="7397024"/>
+            <a:ext cx="1440000" cy="1"/>
+          </a:xfrm>
+          <a:prstGeom prst="line">
+            <a:avLst/>
+          </a:prstGeom>
+          <a:ln w="28575">
+            <a:solidFill>
+              <a:srgbClr val="1E64C8"/>
+            </a:solidFill>
+            <a:headEnd type="triangle" w="lg" len="lg"/>
+            <a:tailEnd type="triangle" w="lg" len="lg"/>
+          </a:ln>
+        </p:spPr>
+        <p:style>
+          <a:lnRef idx="3">
+            <a:schemeClr val="accent1"/>
+          </a:lnRef>
+          <a:fillRef idx="0">
+            <a:schemeClr val="accent1"/>
+          </a:fillRef>
+          <a:effectRef idx="2">
+            <a:schemeClr val="accent1"/>
+          </a:effectRef>
+          <a:fontRef idx="minor">
+            <a:schemeClr val="tx1"/>
+          </a:fontRef>
+        </p:style>
+      </p:cxnSp>
+      <p:cxnSp>
+        <p:nvCxnSpPr>
+          <p:cNvPr id="41" name="Straight Connector 40">
+            <a:extLst>
+              <a:ext uri="{FF2B5EF4-FFF2-40B4-BE49-F238E27FC236}">
+                <a16:creationId xmlns:a16="http://schemas.microsoft.com/office/drawing/2014/main" id="{646C3ECD-1E1B-4EA5-888B-0E5F68D9A070}"/>
+              </a:ext>
+            </a:extLst>
+          </p:cNvPr>
+          <p:cNvCxnSpPr>
+            <a:cxnSpLocks/>
+          </p:cNvCxnSpPr>
+          <p:nvPr/>
+        </p:nvCxnSpPr>
+        <p:spPr>
+          <a:xfrm>
+            <a:off x="8310100" y="4876800"/>
+            <a:ext cx="0" cy="1440000"/>
+          </a:xfrm>
+          <a:prstGeom prst="line">
+            <a:avLst/>
+          </a:prstGeom>
+          <a:ln w="28575">
+            <a:headEnd type="triangle" w="lg" len="lg"/>
+            <a:tailEnd type="triangle" w="lg" len="lg"/>
+          </a:ln>
+        </p:spPr>
+        <p:style>
+          <a:lnRef idx="3">
+            <a:schemeClr val="accent2"/>
+          </a:lnRef>
+          <a:fillRef idx="0">
+            <a:schemeClr val="accent2"/>
+          </a:fillRef>
+          <a:effectRef idx="2">
+            <a:schemeClr val="accent2"/>
+          </a:effectRef>
+          <a:fontRef idx="minor">
+            <a:schemeClr val="tx1"/>
+          </a:fontRef>
+        </p:style>
+      </p:cxnSp>
     </p:spTree>
     <p:extLst>
       <p:ext uri="{BB962C8B-B14F-4D97-AF65-F5344CB8AC3E}">
-        <p14:creationId xmlns:p14="http://schemas.microsoft.com/office/powerpoint/2010/main" val="605443523"/>
+        <p14:creationId xmlns:p14="http://schemas.microsoft.com/office/powerpoint/2010/main" val="1169943130"/>
       </p:ext>
     </p:extLst>
   </p:cSld>
@@ -4529,25 +5182,6 @@
       </p:sp>
       <p:sp>
         <p:nvSpPr>
-          <p:cNvPr id="3" name="Tijdelijke aanduiding voor inhoud 2"/>
-          <p:cNvSpPr>
-            <a:spLocks noGrp="1"/>
-          </p:cNvSpPr>
-          <p:nvPr>
-            <p:ph idx="1"/>
-          </p:nvPr>
-        </p:nvSpPr>
-        <p:spPr/>
-        <p:txBody>
-          <a:bodyPr/>
-          <a:lstStyle/>
-          <a:p>
-            <a:endParaRPr lang="nl-NL"/>
-          </a:p>
-        </p:txBody>
-      </p:sp>
-      <p:sp>
-        <p:nvSpPr>
           <p:cNvPr id="4" name="Tijdelijke aanduiding voor dianummer 3"/>
           <p:cNvSpPr>
             <a:spLocks noGrp="1"/>
@@ -4569,10 +5203,245 @@
           </a:p>
         </p:txBody>
       </p:sp>
+      <p:pic>
+        <p:nvPicPr>
+          <p:cNvPr id="5" name="Content Placeholder 5" descr="A picture containing black, cat, rowel&#10;&#10;Description generated with very high confidence">
+            <a:extLst>
+              <a:ext uri="{FF2B5EF4-FFF2-40B4-BE49-F238E27FC236}">
+                <a16:creationId xmlns:a16="http://schemas.microsoft.com/office/drawing/2014/main" id="{209815B5-D362-4E21-B105-90FB0738077B}"/>
+              </a:ext>
+            </a:extLst>
+          </p:cNvPr>
+          <p:cNvPicPr>
+            <a:picLocks noGrp="1" noChangeAspect="1"/>
+          </p:cNvPicPr>
+          <p:nvPr>
+            <p:ph idx="1"/>
+          </p:nvPr>
+        </p:nvPicPr>
+        <p:blipFill>
+          <a:blip r:embed="rId2" cstate="print">
+            <a:extLst>
+              <a:ext uri="{28A0092B-C50C-407E-A947-70E740481C1C}">
+                <a14:useLocalDpi xmlns:a14="http://schemas.microsoft.com/office/drawing/2010/main" val="0"/>
+              </a:ext>
+            </a:extLst>
+          </a:blip>
+          <a:stretch>
+            <a:fillRect/>
+          </a:stretch>
+        </p:blipFill>
+        <p:spPr>
+          <a:xfrm>
+            <a:off x="-2357" y="1262057"/>
+            <a:ext cx="5786014" cy="2947010"/>
+          </a:xfrm>
+        </p:spPr>
+      </p:pic>
+      <p:pic>
+        <p:nvPicPr>
+          <p:cNvPr id="6" name="Content Placeholder 5" descr="A circuit board&#10;&#10;Description generated with very high confidence">
+            <a:extLst>
+              <a:ext uri="{FF2B5EF4-FFF2-40B4-BE49-F238E27FC236}">
+                <a16:creationId xmlns:a16="http://schemas.microsoft.com/office/drawing/2014/main" id="{5DC46D9F-5DB3-407F-B27A-199B3FE0352B}"/>
+              </a:ext>
+            </a:extLst>
+          </p:cNvPr>
+          <p:cNvPicPr>
+            <a:picLocks noChangeAspect="1"/>
+          </p:cNvPicPr>
+          <p:nvPr/>
+        </p:nvPicPr>
+        <p:blipFill>
+          <a:blip r:embed="rId3">
+            <a:extLst>
+              <a:ext uri="{28A0092B-C50C-407E-A947-70E740481C1C}">
+                <a14:useLocalDpi xmlns:a14="http://schemas.microsoft.com/office/drawing/2010/main" val="0"/>
+              </a:ext>
+            </a:extLst>
+          </a:blip>
+          <a:stretch>
+            <a:fillRect/>
+          </a:stretch>
+        </p:blipFill>
+        <p:spPr>
+          <a:xfrm>
+            <a:off x="6494334" y="1289833"/>
+            <a:ext cx="5040000" cy="5040000"/>
+          </a:xfrm>
+          <a:prstGeom prst="rect">
+            <a:avLst/>
+          </a:prstGeom>
+        </p:spPr>
+      </p:pic>
+      <p:cxnSp>
+        <p:nvCxnSpPr>
+          <p:cNvPr id="7" name="Straight Connector 6">
+            <a:extLst>
+              <a:ext uri="{FF2B5EF4-FFF2-40B4-BE49-F238E27FC236}">
+                <a16:creationId xmlns:a16="http://schemas.microsoft.com/office/drawing/2014/main" id="{7C022078-64FB-4E01-B5F9-72AEBF028F24}"/>
+              </a:ext>
+            </a:extLst>
+          </p:cNvPr>
+          <p:cNvCxnSpPr/>
+          <p:nvPr/>
+        </p:nvCxnSpPr>
+        <p:spPr>
+          <a:xfrm>
+            <a:off x="5783656" y="2358269"/>
+            <a:ext cx="1440000" cy="0"/>
+          </a:xfrm>
+          <a:prstGeom prst="line">
+            <a:avLst/>
+          </a:prstGeom>
+          <a:ln w="28575">
+            <a:solidFill>
+              <a:srgbClr val="1E64C8"/>
+            </a:solidFill>
+            <a:prstDash val="dash"/>
+            <a:headEnd type="triangle" w="lg" len="lg"/>
+            <a:tailEnd type="triangle" w="lg" len="lg"/>
+          </a:ln>
+        </p:spPr>
+        <p:style>
+          <a:lnRef idx="3">
+            <a:schemeClr val="accent1"/>
+          </a:lnRef>
+          <a:fillRef idx="0">
+            <a:schemeClr val="accent1"/>
+          </a:fillRef>
+          <a:effectRef idx="2">
+            <a:schemeClr val="accent1"/>
+          </a:effectRef>
+          <a:fontRef idx="minor">
+            <a:schemeClr val="tx1"/>
+          </a:fontRef>
+        </p:style>
+      </p:cxnSp>
+      <p:cxnSp>
+        <p:nvCxnSpPr>
+          <p:cNvPr id="38" name="Straight Connector 37">
+            <a:extLst>
+              <a:ext uri="{FF2B5EF4-FFF2-40B4-BE49-F238E27FC236}">
+                <a16:creationId xmlns:a16="http://schemas.microsoft.com/office/drawing/2014/main" id="{B64522D4-401A-4319-BC9F-5697F9C3C3DE}"/>
+              </a:ext>
+            </a:extLst>
+          </p:cNvPr>
+          <p:cNvCxnSpPr/>
+          <p:nvPr/>
+        </p:nvCxnSpPr>
+        <p:spPr>
+          <a:xfrm>
+            <a:off x="5783656" y="2710162"/>
+            <a:ext cx="1440000" cy="0"/>
+          </a:xfrm>
+          <a:prstGeom prst="line">
+            <a:avLst/>
+          </a:prstGeom>
+          <a:ln w="28575">
+            <a:prstDash val="dash"/>
+            <a:headEnd type="triangle" w="lg" len="lg"/>
+            <a:tailEnd type="triangle" w="lg" len="lg"/>
+          </a:ln>
+        </p:spPr>
+        <p:style>
+          <a:lnRef idx="3">
+            <a:schemeClr val="accent2"/>
+          </a:lnRef>
+          <a:fillRef idx="0">
+            <a:schemeClr val="accent2"/>
+          </a:fillRef>
+          <a:effectRef idx="2">
+            <a:schemeClr val="accent2"/>
+          </a:effectRef>
+          <a:fontRef idx="minor">
+            <a:schemeClr val="tx1"/>
+          </a:fontRef>
+        </p:style>
+      </p:cxnSp>
+      <p:sp>
+        <p:nvSpPr>
+          <p:cNvPr id="26" name="Rectangle 25">
+            <a:extLst>
+              <a:ext uri="{FF2B5EF4-FFF2-40B4-BE49-F238E27FC236}">
+                <a16:creationId xmlns:a16="http://schemas.microsoft.com/office/drawing/2014/main" id="{31F2C402-D531-42D5-9252-111C236E52B0}"/>
+              </a:ext>
+            </a:extLst>
+          </p:cNvPr>
+          <p:cNvSpPr/>
+          <p:nvPr/>
+        </p:nvSpPr>
+        <p:spPr>
+          <a:xfrm>
+            <a:off x="6047174" y="1799325"/>
+            <a:ext cx="902811" cy="561885"/>
+          </a:xfrm>
+          <a:prstGeom prst="rect">
+            <a:avLst/>
+          </a:prstGeom>
+        </p:spPr>
+        <p:txBody>
+          <a:bodyPr wrap="none">
+            <a:spAutoFit/>
+          </a:bodyPr>
+          <a:lstStyle/>
+          <a:p>
+            <a:pPr algn="ctr">
+              <a:lnSpc>
+                <a:spcPct val="120000"/>
+              </a:lnSpc>
+            </a:pPr>
+            <a:r>
+              <a:rPr lang="en-US" sz="2800" dirty="0" err="1"/>
+              <a:t>WiFi</a:t>
+            </a:r>
+            <a:endParaRPr lang="en-US" sz="2800" dirty="0"/>
+          </a:p>
+        </p:txBody>
+      </p:sp>
+      <p:sp>
+        <p:nvSpPr>
+          <p:cNvPr id="42" name="Rectangle 41">
+            <a:extLst>
+              <a:ext uri="{FF2B5EF4-FFF2-40B4-BE49-F238E27FC236}">
+                <a16:creationId xmlns:a16="http://schemas.microsoft.com/office/drawing/2014/main" id="{8FC51E96-C3B5-4C35-9C09-5B628F00FBCF}"/>
+              </a:ext>
+            </a:extLst>
+          </p:cNvPr>
+          <p:cNvSpPr/>
+          <p:nvPr/>
+        </p:nvSpPr>
+        <p:spPr>
+          <a:xfrm>
+            <a:off x="5955002" y="2722499"/>
+            <a:ext cx="1104790" cy="561885"/>
+          </a:xfrm>
+          <a:prstGeom prst="rect">
+            <a:avLst/>
+          </a:prstGeom>
+        </p:spPr>
+        <p:txBody>
+          <a:bodyPr wrap="none">
+            <a:spAutoFit/>
+          </a:bodyPr>
+          <a:lstStyle/>
+          <a:p>
+            <a:pPr algn="ctr">
+              <a:lnSpc>
+                <a:spcPct val="120000"/>
+              </a:lnSpc>
+            </a:pPr>
+            <a:r>
+              <a:rPr lang="en-US" sz="2800" dirty="0"/>
+              <a:t>Serial</a:t>
+            </a:r>
+          </a:p>
+        </p:txBody>
+      </p:sp>
     </p:spTree>
     <p:extLst>
       <p:ext uri="{BB962C8B-B14F-4D97-AF65-F5344CB8AC3E}">
-        <p14:creationId xmlns:p14="http://schemas.microsoft.com/office/powerpoint/2010/main" val="3301932715"/>
+        <p14:creationId xmlns:p14="http://schemas.microsoft.com/office/powerpoint/2010/main" val="1712179042"/>
       </p:ext>
     </p:extLst>
   </p:cSld>
@@ -4616,27 +5485,8 @@
           <a:p>
             <a:r>
               <a:rPr lang="nl-NL" dirty="0"/>
-              <a:t>Ranging</a:t>
-            </a:r>
-          </a:p>
-        </p:txBody>
-      </p:sp>
-      <p:sp>
-        <p:nvSpPr>
-          <p:cNvPr id="3" name="Tijdelijke aanduiding voor inhoud 2"/>
-          <p:cNvSpPr>
-            <a:spLocks noGrp="1"/>
-          </p:cNvSpPr>
-          <p:nvPr>
-            <p:ph idx="1"/>
-          </p:nvPr>
-        </p:nvSpPr>
-        <p:spPr/>
-        <p:txBody>
-          <a:bodyPr/>
-          <a:lstStyle/>
-          <a:p>
-            <a:endParaRPr lang="nl-NL"/>
+              <a:t>Ultra Wide Band</a:t>
+            </a:r>
           </a:p>
         </p:txBody>
       </p:sp>
@@ -4663,10 +5513,411 @@
           </a:p>
         </p:txBody>
       </p:sp>
+      <p:pic>
+        <p:nvPicPr>
+          <p:cNvPr id="9" name="Content Placeholder 17" descr="A circuit board&#10;&#10;Description generated with very high confidence">
+            <a:extLst>
+              <a:ext uri="{FF2B5EF4-FFF2-40B4-BE49-F238E27FC236}">
+                <a16:creationId xmlns:a16="http://schemas.microsoft.com/office/drawing/2014/main" id="{0C0D0752-EDAF-4079-8E1C-BA9305E2DEDF}"/>
+              </a:ext>
+            </a:extLst>
+          </p:cNvPr>
+          <p:cNvPicPr>
+            <a:picLocks noChangeAspect="1"/>
+          </p:cNvPicPr>
+          <p:nvPr/>
+        </p:nvPicPr>
+        <p:blipFill>
+          <a:blip r:embed="rId2">
+            <a:extLst>
+              <a:ext uri="{BEBA8EAE-BF5A-486C-A8C5-ECC9F3942E4B}">
+                <a14:imgProps xmlns:a14="http://schemas.microsoft.com/office/drawing/2010/main">
+                  <a14:imgLayer r:embed="rId3">
+                    <a14:imgEffect>
+                      <a14:backgroundRemoval t="8407" b="92478" l="6000" r="94000">
+                        <a14:foregroundMark x1="6333" y1="54425" x2="6333" y2="54425"/>
+                        <a14:foregroundMark x1="44667" y1="22124" x2="44667" y2="22124"/>
+                        <a14:foregroundMark x1="50667" y1="15044" x2="50667" y2="15044"/>
+                        <a14:foregroundMark x1="45667" y1="13274" x2="41000" y2="18584"/>
+                        <a14:foregroundMark x1="41000" y1="18584" x2="36667" y2="20796"/>
+                        <a14:foregroundMark x1="33000" y1="24779" x2="33000" y2="24779"/>
+                        <a14:foregroundMark x1="28000" y1="28761" x2="14667" y2="41593"/>
+                        <a14:foregroundMark x1="14667" y1="41593" x2="9333" y2="43363"/>
+                        <a14:foregroundMark x1="9333" y1="43363" x2="6333" y2="45575"/>
+                        <a14:foregroundMark x1="12667" y1="40708" x2="40333" y2="19469"/>
+                        <a14:foregroundMark x1="40333" y1="19469" x2="40667" y2="19027"/>
+                        <a14:foregroundMark x1="49667" y1="92478" x2="49667" y2="92478"/>
+                        <a14:foregroundMark x1="58000" y1="86283" x2="58000" y2="86283"/>
+                        <a14:foregroundMark x1="62333" y1="80973" x2="62333" y2="80973"/>
+                        <a14:foregroundMark x1="85333" y1="46903" x2="85333" y2="46903"/>
+                        <a14:foregroundMark x1="94333" y1="32301" x2="94333" y2="32301"/>
+                        <a14:foregroundMark x1="54333" y1="8407" x2="54333" y2="8407"/>
+                      </a14:backgroundRemoval>
+                    </a14:imgEffect>
+                  </a14:imgLayer>
+                </a14:imgProps>
+              </a:ext>
+              <a:ext uri="{28A0092B-C50C-407E-A947-70E740481C1C}">
+                <a14:useLocalDpi xmlns:a14="http://schemas.microsoft.com/office/drawing/2010/main" val="0"/>
+              </a:ext>
+            </a:extLst>
+          </a:blip>
+          <a:stretch>
+            <a:fillRect/>
+          </a:stretch>
+        </p:blipFill>
+        <p:spPr>
+          <a:xfrm>
+            <a:off x="7223656" y="6308774"/>
+            <a:ext cx="2891363" cy="2178159"/>
+          </a:xfrm>
+          <a:prstGeom prst="rect">
+            <a:avLst/>
+          </a:prstGeom>
+        </p:spPr>
+      </p:pic>
+      <p:cxnSp>
+        <p:nvCxnSpPr>
+          <p:cNvPr id="24" name="Straight Connector 23">
+            <a:extLst>
+              <a:ext uri="{FF2B5EF4-FFF2-40B4-BE49-F238E27FC236}">
+                <a16:creationId xmlns:a16="http://schemas.microsoft.com/office/drawing/2014/main" id="{A5ACC2CB-29EE-4B2E-8F9B-C4140FEBE798}"/>
+              </a:ext>
+            </a:extLst>
+          </p:cNvPr>
+          <p:cNvCxnSpPr>
+            <a:cxnSpLocks/>
+          </p:cNvCxnSpPr>
+          <p:nvPr/>
+        </p:nvCxnSpPr>
+        <p:spPr>
+          <a:xfrm>
+            <a:off x="5927656" y="6249410"/>
+            <a:ext cx="1296000" cy="432000"/>
+          </a:xfrm>
+          <a:prstGeom prst="line">
+            <a:avLst/>
+          </a:prstGeom>
+          <a:ln w="28575">
+            <a:solidFill>
+              <a:srgbClr val="1E64C8"/>
+            </a:solidFill>
+            <a:headEnd type="triangle" w="lg" len="lg"/>
+            <a:tailEnd type="triangle" w="lg" len="lg"/>
+          </a:ln>
+        </p:spPr>
+        <p:style>
+          <a:lnRef idx="3">
+            <a:schemeClr val="accent1"/>
+          </a:lnRef>
+          <a:fillRef idx="0">
+            <a:schemeClr val="accent1"/>
+          </a:fillRef>
+          <a:effectRef idx="2">
+            <a:schemeClr val="accent1"/>
+          </a:effectRef>
+          <a:fontRef idx="minor">
+            <a:schemeClr val="tx1"/>
+          </a:fontRef>
+        </p:style>
+      </p:cxnSp>
+      <p:cxnSp>
+        <p:nvCxnSpPr>
+          <p:cNvPr id="25" name="Straight Connector 24">
+            <a:extLst>
+              <a:ext uri="{FF2B5EF4-FFF2-40B4-BE49-F238E27FC236}">
+                <a16:creationId xmlns:a16="http://schemas.microsoft.com/office/drawing/2014/main" id="{DD833622-E1CB-4406-BC3B-BEC0EA9F358B}"/>
+              </a:ext>
+            </a:extLst>
+          </p:cNvPr>
+          <p:cNvCxnSpPr>
+            <a:cxnSpLocks/>
+          </p:cNvCxnSpPr>
+          <p:nvPr/>
+        </p:nvCxnSpPr>
+        <p:spPr>
+          <a:xfrm flipV="1">
+            <a:off x="5927656" y="8112638"/>
+            <a:ext cx="1296000" cy="432000"/>
+          </a:xfrm>
+          <a:prstGeom prst="line">
+            <a:avLst/>
+          </a:prstGeom>
+          <a:ln w="28575">
+            <a:solidFill>
+              <a:srgbClr val="1E64C8"/>
+            </a:solidFill>
+            <a:headEnd type="triangle" w="lg" len="lg"/>
+            <a:tailEnd type="triangle" w="lg" len="lg"/>
+          </a:ln>
+        </p:spPr>
+        <p:style>
+          <a:lnRef idx="3">
+            <a:schemeClr val="accent1"/>
+          </a:lnRef>
+          <a:fillRef idx="0">
+            <a:schemeClr val="accent1"/>
+          </a:fillRef>
+          <a:effectRef idx="2">
+            <a:schemeClr val="accent1"/>
+          </a:effectRef>
+          <a:fontRef idx="minor">
+            <a:schemeClr val="tx1"/>
+          </a:fontRef>
+        </p:style>
+      </p:cxnSp>
+      <p:sp>
+        <p:nvSpPr>
+          <p:cNvPr id="23" name="TextBox 22">
+            <a:extLst>
+              <a:ext uri="{FF2B5EF4-FFF2-40B4-BE49-F238E27FC236}">
+                <a16:creationId xmlns:a16="http://schemas.microsoft.com/office/drawing/2014/main" id="{57719516-F0A2-40DC-9561-68793324D712}"/>
+              </a:ext>
+            </a:extLst>
+          </p:cNvPr>
+          <p:cNvSpPr txBox="1"/>
+          <p:nvPr/>
+        </p:nvSpPr>
+        <p:spPr>
+          <a:xfrm>
+            <a:off x="6036723" y="6843026"/>
+            <a:ext cx="923714" cy="553998"/>
+          </a:xfrm>
+          <a:prstGeom prst="rect">
+            <a:avLst/>
+          </a:prstGeom>
+          <a:noFill/>
+        </p:spPr>
+        <p:txBody>
+          <a:bodyPr wrap="square" rtlCol="0">
+            <a:spAutoFit/>
+          </a:bodyPr>
+          <a:lstStyle/>
+          <a:p>
+            <a:pPr algn="ctr">
+              <a:lnSpc>
+                <a:spcPct val="120000"/>
+              </a:lnSpc>
+            </a:pPr>
+            <a:r>
+              <a:rPr lang="en-US" sz="2500" dirty="0" err="1"/>
+              <a:t>UWB</a:t>
+            </a:r>
+            <a:endParaRPr lang="en-US" sz="2500" dirty="0"/>
+          </a:p>
+        </p:txBody>
+      </p:sp>
+      <p:pic>
+        <p:nvPicPr>
+          <p:cNvPr id="29" name="Content Placeholder 5" descr="A circuit board&#10;&#10;Description generated with very high confidence">
+            <a:extLst>
+              <a:ext uri="{FF2B5EF4-FFF2-40B4-BE49-F238E27FC236}">
+                <a16:creationId xmlns:a16="http://schemas.microsoft.com/office/drawing/2014/main" id="{9798E8CA-27B5-4D59-B003-93E4697B75E9}"/>
+              </a:ext>
+            </a:extLst>
+          </p:cNvPr>
+          <p:cNvPicPr>
+            <a:picLocks noChangeAspect="1"/>
+          </p:cNvPicPr>
+          <p:nvPr/>
+        </p:nvPicPr>
+        <p:blipFill>
+          <a:blip r:embed="rId4">
+            <a:extLst>
+              <a:ext uri="{BEBA8EAE-BF5A-486C-A8C5-ECC9F3942E4B}">
+                <a14:imgProps xmlns:a14="http://schemas.microsoft.com/office/drawing/2010/main">
+                  <a14:imgLayer r:embed="rId5">
+                    <a14:imgEffect>
+                      <a14:backgroundRemoval t="10000" b="90000" l="4600" r="97400">
+                        <a14:foregroundMark x1="94000" y1="54000" x2="94000" y2="54000"/>
+                        <a14:foregroundMark x1="97400" y1="54000" x2="97400" y2="54000"/>
+                        <a14:foregroundMark x1="8600" y1="28000" x2="8600" y2="28000"/>
+                        <a14:foregroundMark x1="4600" y1="40400" x2="4600" y2="40400"/>
+                        <a14:foregroundMark x1="30600" y1="80400" x2="23800" y2="76600"/>
+                        <a14:foregroundMark x1="23800" y1="76600" x2="21600" y2="69200"/>
+                        <a14:foregroundMark x1="21600" y1="69200" x2="21600" y2="68000"/>
+                        <a14:foregroundMark x1="30200" y1="84400" x2="27600" y2="82000"/>
+                      </a14:backgroundRemoval>
+                    </a14:imgEffect>
+                  </a14:imgLayer>
+                </a14:imgProps>
+              </a:ext>
+              <a:ext uri="{28A0092B-C50C-407E-A947-70E740481C1C}">
+                <a14:useLocalDpi xmlns:a14="http://schemas.microsoft.com/office/drawing/2010/main" val="0"/>
+              </a:ext>
+            </a:extLst>
+          </a:blip>
+          <a:stretch>
+            <a:fillRect/>
+          </a:stretch>
+        </p:blipFill>
+        <p:spPr>
+          <a:xfrm flipH="1">
+            <a:off x="3628885" y="6334767"/>
+            <a:ext cx="2154771" cy="2154771"/>
+          </a:xfrm>
+          <a:prstGeom prst="rect">
+            <a:avLst/>
+          </a:prstGeom>
+        </p:spPr>
+      </p:pic>
+      <p:pic>
+        <p:nvPicPr>
+          <p:cNvPr id="30" name="Content Placeholder 5" descr="A circuit board&#10;&#10;Description generated with very high confidence">
+            <a:extLst>
+              <a:ext uri="{FF2B5EF4-FFF2-40B4-BE49-F238E27FC236}">
+                <a16:creationId xmlns:a16="http://schemas.microsoft.com/office/drawing/2014/main" id="{C071A1E0-4C24-4CB4-BABF-C75DD1AB9528}"/>
+              </a:ext>
+            </a:extLst>
+          </p:cNvPr>
+          <p:cNvPicPr>
+            <a:picLocks noChangeAspect="1"/>
+          </p:cNvPicPr>
+          <p:nvPr/>
+        </p:nvPicPr>
+        <p:blipFill>
+          <a:blip r:embed="rId4">
+            <a:extLst>
+              <a:ext uri="{BEBA8EAE-BF5A-486C-A8C5-ECC9F3942E4B}">
+                <a14:imgProps xmlns:a14="http://schemas.microsoft.com/office/drawing/2010/main">
+                  <a14:imgLayer r:embed="rId5">
+                    <a14:imgEffect>
+                      <a14:backgroundRemoval t="10000" b="90000" l="4600" r="97400">
+                        <a14:foregroundMark x1="94000" y1="54000" x2="94000" y2="54000"/>
+                        <a14:foregroundMark x1="97400" y1="54000" x2="97400" y2="54000"/>
+                        <a14:foregroundMark x1="8600" y1="28000" x2="8600" y2="28000"/>
+                        <a14:foregroundMark x1="4600" y1="40400" x2="4600" y2="40400"/>
+                        <a14:foregroundMark x1="30600" y1="80400" x2="23800" y2="76600"/>
+                        <a14:foregroundMark x1="23800" y1="76600" x2="21600" y2="69200"/>
+                        <a14:foregroundMark x1="21600" y1="69200" x2="21600" y2="68000"/>
+                        <a14:foregroundMark x1="30200" y1="84400" x2="27600" y2="82000"/>
+                      </a14:backgroundRemoval>
+                    </a14:imgEffect>
+                  </a14:imgLayer>
+                </a14:imgProps>
+              </a:ext>
+              <a:ext uri="{28A0092B-C50C-407E-A947-70E740481C1C}">
+                <a14:useLocalDpi xmlns:a14="http://schemas.microsoft.com/office/drawing/2010/main" val="0"/>
+              </a:ext>
+            </a:extLst>
+          </a:blip>
+          <a:stretch>
+            <a:fillRect/>
+          </a:stretch>
+        </p:blipFill>
+        <p:spPr>
+          <a:xfrm flipH="1">
+            <a:off x="3628886" y="7774641"/>
+            <a:ext cx="2154771" cy="2154771"/>
+          </a:xfrm>
+          <a:prstGeom prst="rect">
+            <a:avLst/>
+          </a:prstGeom>
+        </p:spPr>
+      </p:pic>
+      <p:pic>
+        <p:nvPicPr>
+          <p:cNvPr id="33" name="Content Placeholder 5" descr="A circuit board&#10;&#10;Description generated with very high confidence">
+            <a:extLst>
+              <a:ext uri="{FF2B5EF4-FFF2-40B4-BE49-F238E27FC236}">
+                <a16:creationId xmlns:a16="http://schemas.microsoft.com/office/drawing/2014/main" id="{5E97ED60-7D5C-412E-BD73-CA59674ADA15}"/>
+              </a:ext>
+            </a:extLst>
+          </p:cNvPr>
+          <p:cNvPicPr>
+            <a:picLocks noChangeAspect="1"/>
+          </p:cNvPicPr>
+          <p:nvPr/>
+        </p:nvPicPr>
+        <p:blipFill>
+          <a:blip r:embed="rId4">
+            <a:extLst>
+              <a:ext uri="{BEBA8EAE-BF5A-486C-A8C5-ECC9F3942E4B}">
+                <a14:imgProps xmlns:a14="http://schemas.microsoft.com/office/drawing/2010/main">
+                  <a14:imgLayer r:embed="rId5">
+                    <a14:imgEffect>
+                      <a14:backgroundRemoval t="10000" b="90000" l="4600" r="97400">
+                        <a14:foregroundMark x1="94000" y1="54000" x2="94000" y2="54000"/>
+                        <a14:foregroundMark x1="97400" y1="54000" x2="97400" y2="54000"/>
+                        <a14:foregroundMark x1="8600" y1="28000" x2="8600" y2="28000"/>
+                        <a14:foregroundMark x1="4600" y1="40400" x2="4600" y2="40400"/>
+                        <a14:foregroundMark x1="30600" y1="80400" x2="23800" y2="76600"/>
+                        <a14:foregroundMark x1="23800" y1="76600" x2="21600" y2="69200"/>
+                        <a14:foregroundMark x1="21600" y1="69200" x2="21600" y2="68000"/>
+                        <a14:foregroundMark x1="30200" y1="84400" x2="27600" y2="82000"/>
+                      </a14:backgroundRemoval>
+                    </a14:imgEffect>
+                  </a14:imgLayer>
+                </a14:imgProps>
+              </a:ext>
+              <a:ext uri="{28A0092B-C50C-407E-A947-70E740481C1C}">
+                <a14:useLocalDpi xmlns:a14="http://schemas.microsoft.com/office/drawing/2010/main" val="0"/>
+              </a:ext>
+            </a:extLst>
+          </a:blip>
+          <a:stretch>
+            <a:fillRect/>
+          </a:stretch>
+        </p:blipFill>
+        <p:spPr>
+          <a:xfrm flipH="1">
+            <a:off x="3628885" y="4876800"/>
+            <a:ext cx="2154771" cy="2154771"/>
+          </a:xfrm>
+          <a:prstGeom prst="rect">
+            <a:avLst/>
+          </a:prstGeom>
+        </p:spPr>
+      </p:pic>
+      <p:cxnSp>
+        <p:nvCxnSpPr>
+          <p:cNvPr id="40" name="Straight Connector 39">
+            <a:extLst>
+              <a:ext uri="{FF2B5EF4-FFF2-40B4-BE49-F238E27FC236}">
+                <a16:creationId xmlns:a16="http://schemas.microsoft.com/office/drawing/2014/main" id="{3502DCF6-F5E2-4DE3-9B56-35798FF187D8}"/>
+              </a:ext>
+            </a:extLst>
+          </p:cNvPr>
+          <p:cNvCxnSpPr>
+            <a:cxnSpLocks/>
+          </p:cNvCxnSpPr>
+          <p:nvPr/>
+        </p:nvCxnSpPr>
+        <p:spPr>
+          <a:xfrm>
+            <a:off x="5783656" y="7397024"/>
+            <a:ext cx="1440000" cy="1"/>
+          </a:xfrm>
+          <a:prstGeom prst="line">
+            <a:avLst/>
+          </a:prstGeom>
+          <a:ln w="28575">
+            <a:solidFill>
+              <a:srgbClr val="1E64C8"/>
+            </a:solidFill>
+            <a:headEnd type="triangle" w="lg" len="lg"/>
+            <a:tailEnd type="triangle" w="lg" len="lg"/>
+          </a:ln>
+        </p:spPr>
+        <p:style>
+          <a:lnRef idx="3">
+            <a:schemeClr val="accent1"/>
+          </a:lnRef>
+          <a:fillRef idx="0">
+            <a:schemeClr val="accent1"/>
+          </a:fillRef>
+          <a:effectRef idx="2">
+            <a:schemeClr val="accent1"/>
+          </a:effectRef>
+          <a:fontRef idx="minor">
+            <a:schemeClr val="tx1"/>
+          </a:fontRef>
+        </p:style>
+      </p:cxnSp>
     </p:spTree>
     <p:extLst>
       <p:ext uri="{BB962C8B-B14F-4D97-AF65-F5344CB8AC3E}">
-        <p14:creationId xmlns:p14="http://schemas.microsoft.com/office/powerpoint/2010/main" val="1491145713"/>
+        <p14:creationId xmlns:p14="http://schemas.microsoft.com/office/powerpoint/2010/main" val="1002761911"/>
       </p:ext>
     </p:extLst>
   </p:cSld>
@@ -4710,27 +5961,16 @@
           <a:p>
             <a:r>
               <a:rPr lang="nl-NL" dirty="0"/>
-              <a:t>I2C / TWI</a:t>
-            </a:r>
-          </a:p>
-        </p:txBody>
-      </p:sp>
-      <p:sp>
-        <p:nvSpPr>
-          <p:cNvPr id="3" name="Tijdelijke aanduiding voor inhoud 2"/>
-          <p:cNvSpPr>
-            <a:spLocks noGrp="1"/>
-          </p:cNvSpPr>
-          <p:nvPr>
-            <p:ph idx="1"/>
-          </p:nvPr>
-        </p:nvSpPr>
-        <p:spPr/>
-        <p:txBody>
-          <a:bodyPr/>
-          <a:lstStyle/>
-          <a:p>
-            <a:endParaRPr lang="nl-NL"/>
+              <a:t>I</a:t>
+            </a:r>
+            <a:r>
+              <a:rPr lang="nl-NL" baseline="30000" dirty="0"/>
+              <a:t>2</a:t>
+            </a:r>
+            <a:r>
+              <a:rPr lang="nl-NL" dirty="0"/>
+              <a:t>C / TWI</a:t>
+            </a:r>
           </a:p>
         </p:txBody>
       </p:sp>
@@ -4757,10 +5997,245 @@
           </a:p>
         </p:txBody>
       </p:sp>
+      <p:pic>
+        <p:nvPicPr>
+          <p:cNvPr id="6" name="Content Placeholder 5" descr="A circuit board&#10;&#10;Description generated with very high confidence">
+            <a:extLst>
+              <a:ext uri="{FF2B5EF4-FFF2-40B4-BE49-F238E27FC236}">
+                <a16:creationId xmlns:a16="http://schemas.microsoft.com/office/drawing/2014/main" id="{5DC46D9F-5DB3-407F-B27A-199B3FE0352B}"/>
+              </a:ext>
+            </a:extLst>
+          </p:cNvPr>
+          <p:cNvPicPr>
+            <a:picLocks noChangeAspect="1"/>
+          </p:cNvPicPr>
+          <p:nvPr/>
+        </p:nvPicPr>
+        <p:blipFill>
+          <a:blip r:embed="rId2">
+            <a:extLst>
+              <a:ext uri="{28A0092B-C50C-407E-A947-70E740481C1C}">
+                <a14:useLocalDpi xmlns:a14="http://schemas.microsoft.com/office/drawing/2010/main" val="0"/>
+              </a:ext>
+            </a:extLst>
+          </a:blip>
+          <a:stretch>
+            <a:fillRect/>
+          </a:stretch>
+        </p:blipFill>
+        <p:spPr>
+          <a:xfrm>
+            <a:off x="6494334" y="1289833"/>
+            <a:ext cx="5040000" cy="5040000"/>
+          </a:xfrm>
+          <a:prstGeom prst="rect">
+            <a:avLst/>
+          </a:prstGeom>
+        </p:spPr>
+      </p:pic>
+      <p:pic>
+        <p:nvPicPr>
+          <p:cNvPr id="9" name="Content Placeholder 17" descr="A circuit board&#10;&#10;Description generated with very high confidence">
+            <a:extLst>
+              <a:ext uri="{FF2B5EF4-FFF2-40B4-BE49-F238E27FC236}">
+                <a16:creationId xmlns:a16="http://schemas.microsoft.com/office/drawing/2014/main" id="{0C0D0752-EDAF-4079-8E1C-BA9305E2DEDF}"/>
+              </a:ext>
+            </a:extLst>
+          </p:cNvPr>
+          <p:cNvPicPr>
+            <a:picLocks noChangeAspect="1"/>
+          </p:cNvPicPr>
+          <p:nvPr/>
+        </p:nvPicPr>
+        <p:blipFill>
+          <a:blip r:embed="rId3">
+            <a:extLst>
+              <a:ext uri="{BEBA8EAE-BF5A-486C-A8C5-ECC9F3942E4B}">
+                <a14:imgProps xmlns:a14="http://schemas.microsoft.com/office/drawing/2010/main">
+                  <a14:imgLayer r:embed="rId4">
+                    <a14:imgEffect>
+                      <a14:backgroundRemoval t="8407" b="92478" l="6000" r="94000">
+                        <a14:foregroundMark x1="6333" y1="54425" x2="6333" y2="54425"/>
+                        <a14:foregroundMark x1="44667" y1="22124" x2="44667" y2="22124"/>
+                        <a14:foregroundMark x1="50667" y1="15044" x2="50667" y2="15044"/>
+                        <a14:foregroundMark x1="45667" y1="13274" x2="41000" y2="18584"/>
+                        <a14:foregroundMark x1="41000" y1="18584" x2="36667" y2="20796"/>
+                        <a14:foregroundMark x1="33000" y1="24779" x2="33000" y2="24779"/>
+                        <a14:foregroundMark x1="28000" y1="28761" x2="14667" y2="41593"/>
+                        <a14:foregroundMark x1="14667" y1="41593" x2="9333" y2="43363"/>
+                        <a14:foregroundMark x1="9333" y1="43363" x2="6333" y2="45575"/>
+                        <a14:foregroundMark x1="12667" y1="40708" x2="40333" y2="19469"/>
+                        <a14:foregroundMark x1="40333" y1="19469" x2="40667" y2="19027"/>
+                        <a14:foregroundMark x1="49667" y1="92478" x2="49667" y2="92478"/>
+                        <a14:foregroundMark x1="58000" y1="86283" x2="58000" y2="86283"/>
+                        <a14:foregroundMark x1="62333" y1="80973" x2="62333" y2="80973"/>
+                        <a14:foregroundMark x1="85333" y1="46903" x2="85333" y2="46903"/>
+                        <a14:foregroundMark x1="94333" y1="32301" x2="94333" y2="32301"/>
+                        <a14:foregroundMark x1="54333" y1="8407" x2="54333" y2="8407"/>
+                      </a14:backgroundRemoval>
+                    </a14:imgEffect>
+                  </a14:imgLayer>
+                </a14:imgProps>
+              </a:ext>
+              <a:ext uri="{28A0092B-C50C-407E-A947-70E740481C1C}">
+                <a14:useLocalDpi xmlns:a14="http://schemas.microsoft.com/office/drawing/2010/main" val="0"/>
+              </a:ext>
+            </a:extLst>
+          </a:blip>
+          <a:stretch>
+            <a:fillRect/>
+          </a:stretch>
+        </p:blipFill>
+        <p:spPr>
+          <a:xfrm>
+            <a:off x="7223656" y="6308774"/>
+            <a:ext cx="2891363" cy="2178159"/>
+          </a:xfrm>
+          <a:prstGeom prst="rect">
+            <a:avLst/>
+          </a:prstGeom>
+        </p:spPr>
+      </p:pic>
+      <p:cxnSp>
+        <p:nvCxnSpPr>
+          <p:cNvPr id="32" name="Straight Connector 31">
+            <a:extLst>
+              <a:ext uri="{FF2B5EF4-FFF2-40B4-BE49-F238E27FC236}">
+                <a16:creationId xmlns:a16="http://schemas.microsoft.com/office/drawing/2014/main" id="{6A385D8E-99CA-4AC3-915F-B7588F75E6E6}"/>
+              </a:ext>
+            </a:extLst>
+          </p:cNvPr>
+          <p:cNvCxnSpPr>
+            <a:cxnSpLocks/>
+          </p:cNvCxnSpPr>
+          <p:nvPr/>
+        </p:nvCxnSpPr>
+        <p:spPr>
+          <a:xfrm>
+            <a:off x="7948150" y="4876800"/>
+            <a:ext cx="0" cy="1440000"/>
+          </a:xfrm>
+          <a:prstGeom prst="line">
+            <a:avLst/>
+          </a:prstGeom>
+          <a:ln w="28575">
+            <a:headEnd type="triangle" w="lg" len="lg"/>
+            <a:tailEnd type="triangle" w="lg" len="lg"/>
+          </a:ln>
+        </p:spPr>
+        <p:style>
+          <a:lnRef idx="3">
+            <a:schemeClr val="accent2"/>
+          </a:lnRef>
+          <a:fillRef idx="0">
+            <a:schemeClr val="accent2"/>
+          </a:fillRef>
+          <a:effectRef idx="2">
+            <a:schemeClr val="accent2"/>
+          </a:effectRef>
+          <a:fontRef idx="minor">
+            <a:schemeClr val="tx1"/>
+          </a:fontRef>
+        </p:style>
+      </p:cxnSp>
+      <p:sp>
+        <p:nvSpPr>
+          <p:cNvPr id="3" name="TextBox 2">
+            <a:extLst>
+              <a:ext uri="{FF2B5EF4-FFF2-40B4-BE49-F238E27FC236}">
+                <a16:creationId xmlns:a16="http://schemas.microsoft.com/office/drawing/2014/main" id="{C2D286B3-7B9E-4E7A-8949-422F44A98602}"/>
+              </a:ext>
+            </a:extLst>
+          </p:cNvPr>
+          <p:cNvSpPr txBox="1"/>
+          <p:nvPr/>
+        </p:nvSpPr>
+        <p:spPr>
+          <a:xfrm>
+            <a:off x="6410332" y="5324539"/>
+            <a:ext cx="1541390" cy="553998"/>
+          </a:xfrm>
+          <a:prstGeom prst="rect">
+            <a:avLst/>
+          </a:prstGeom>
+          <a:noFill/>
+        </p:spPr>
+        <p:txBody>
+          <a:bodyPr wrap="square" rtlCol="0">
+            <a:spAutoFit/>
+          </a:bodyPr>
+          <a:lstStyle/>
+          <a:p>
+            <a:pPr algn="ctr">
+              <a:lnSpc>
+                <a:spcPct val="120000"/>
+              </a:lnSpc>
+            </a:pPr>
+            <a:r>
+              <a:rPr lang="en-US" sz="2500" dirty="0" err="1"/>
+              <a:t>I</a:t>
+            </a:r>
+            <a:r>
+              <a:rPr lang="en-US" sz="2500" baseline="30000" dirty="0" err="1"/>
+              <a:t>2</a:t>
+            </a:r>
+            <a:r>
+              <a:rPr lang="en-US" sz="2500" dirty="0" err="1"/>
+              <a:t>C</a:t>
+            </a:r>
+            <a:r>
+              <a:rPr lang="en-US" sz="2500" dirty="0"/>
+              <a:t> / TWI</a:t>
+            </a:r>
+          </a:p>
+        </p:txBody>
+      </p:sp>
+      <p:cxnSp>
+        <p:nvCxnSpPr>
+          <p:cNvPr id="41" name="Straight Connector 40">
+            <a:extLst>
+              <a:ext uri="{FF2B5EF4-FFF2-40B4-BE49-F238E27FC236}">
+                <a16:creationId xmlns:a16="http://schemas.microsoft.com/office/drawing/2014/main" id="{646C3ECD-1E1B-4EA5-888B-0E5F68D9A070}"/>
+              </a:ext>
+            </a:extLst>
+          </p:cNvPr>
+          <p:cNvCxnSpPr>
+            <a:cxnSpLocks/>
+          </p:cNvCxnSpPr>
+          <p:nvPr/>
+        </p:nvCxnSpPr>
+        <p:spPr>
+          <a:xfrm>
+            <a:off x="8310100" y="4876800"/>
+            <a:ext cx="0" cy="1440000"/>
+          </a:xfrm>
+          <a:prstGeom prst="line">
+            <a:avLst/>
+          </a:prstGeom>
+          <a:ln w="28575">
+            <a:headEnd type="triangle" w="lg" len="lg"/>
+            <a:tailEnd type="triangle" w="lg" len="lg"/>
+          </a:ln>
+        </p:spPr>
+        <p:style>
+          <a:lnRef idx="3">
+            <a:schemeClr val="accent2"/>
+          </a:lnRef>
+          <a:fillRef idx="0">
+            <a:schemeClr val="accent2"/>
+          </a:fillRef>
+          <a:effectRef idx="2">
+            <a:schemeClr val="accent2"/>
+          </a:effectRef>
+          <a:fontRef idx="minor">
+            <a:schemeClr val="tx1"/>
+          </a:fontRef>
+        </p:style>
+      </p:cxnSp>
     </p:spTree>
     <p:extLst>
       <p:ext uri="{BB962C8B-B14F-4D97-AF65-F5344CB8AC3E}">
-        <p14:creationId xmlns:p14="http://schemas.microsoft.com/office/powerpoint/2010/main" val="3409386728"/>
+        <p14:creationId xmlns:p14="http://schemas.microsoft.com/office/powerpoint/2010/main" val="3633588498"/>
       </p:ext>
     </p:extLst>
   </p:cSld>
@@ -4789,12 +6264,12 @@
       </p:grpSpPr>
       <p:sp>
         <p:nvSpPr>
-          <p:cNvPr id="8" name="Titel 7"/>
-          <p:cNvSpPr>
-            <a:spLocks noGrp="1"/>
-          </p:cNvSpPr>
-          <p:nvPr>
-            <p:ph type="ctrTitle"/>
+          <p:cNvPr id="2" name="Titel 1"/>
+          <p:cNvSpPr>
+            <a:spLocks noGrp="1"/>
+          </p:cNvSpPr>
+          <p:nvPr>
+            <p:ph type="title"/>
           </p:nvPr>
         </p:nvSpPr>
         <p:spPr/>
@@ -4804,19 +6279,19 @@
           <a:p>
             <a:r>
               <a:rPr lang="nl-NL" dirty="0"/>
-              <a:t>planning</a:t>
-            </a:r>
-          </a:p>
-        </p:txBody>
-      </p:sp>
-      <p:sp>
-        <p:nvSpPr>
-          <p:cNvPr id="5" name="Slide Number Placeholder 4"/>
-          <p:cNvSpPr>
-            <a:spLocks noGrp="1"/>
-          </p:cNvSpPr>
-          <p:nvPr>
-            <p:ph type="sldNum" sz="quarter" idx="4"/>
+              <a:t>Setup</a:t>
+            </a:r>
+          </a:p>
+        </p:txBody>
+      </p:sp>
+      <p:sp>
+        <p:nvSpPr>
+          <p:cNvPr id="4" name="Tijdelijke aanduiding voor dianummer 3"/>
+          <p:cNvSpPr>
+            <a:spLocks noGrp="1"/>
+          </p:cNvSpPr>
+          <p:nvPr>
+            <p:ph type="sldNum" sz="quarter" idx="12"/>
           </p:nvPr>
         </p:nvSpPr>
         <p:spPr/>
@@ -4825,18 +6300,1016 @@
           <a:lstStyle/>
           <a:p>
             <a:fld id="{7AE184E0-0BD4-4705-A12B-9B71DDE63301}" type="slidenum">
-              <a:rPr lang="nl-BE" smtClean="0"/>
-              <a:pPr/>
+              <a:rPr lang="nl-BE" noProof="0" smtClean="0"/>
               <a:t>17</a:t>
             </a:fld>
-            <a:endParaRPr lang="nl-BE" dirty="0"/>
+            <a:endParaRPr lang="nl-BE" noProof="0" dirty="0"/>
+          </a:p>
+        </p:txBody>
+      </p:sp>
+      <p:pic>
+        <p:nvPicPr>
+          <p:cNvPr id="5" name="Content Placeholder 5" descr="A picture containing black, cat, rowel&#10;&#10;Description generated with very high confidence">
+            <a:extLst>
+              <a:ext uri="{FF2B5EF4-FFF2-40B4-BE49-F238E27FC236}">
+                <a16:creationId xmlns:a16="http://schemas.microsoft.com/office/drawing/2014/main" id="{209815B5-D362-4E21-B105-90FB0738077B}"/>
+              </a:ext>
+            </a:extLst>
+          </p:cNvPr>
+          <p:cNvPicPr>
+            <a:picLocks noGrp="1" noChangeAspect="1"/>
+          </p:cNvPicPr>
+          <p:nvPr>
+            <p:ph idx="1"/>
+          </p:nvPr>
+        </p:nvPicPr>
+        <p:blipFill>
+          <a:blip r:embed="rId2" cstate="print">
+            <a:extLst>
+              <a:ext uri="{28A0092B-C50C-407E-A947-70E740481C1C}">
+                <a14:useLocalDpi xmlns:a14="http://schemas.microsoft.com/office/drawing/2010/main" val="0"/>
+              </a:ext>
+            </a:extLst>
+          </a:blip>
+          <a:stretch>
+            <a:fillRect/>
+          </a:stretch>
+        </p:blipFill>
+        <p:spPr>
+          <a:xfrm>
+            <a:off x="-2357" y="1262057"/>
+            <a:ext cx="5786014" cy="2947010"/>
+          </a:xfrm>
+        </p:spPr>
+      </p:pic>
+      <p:pic>
+        <p:nvPicPr>
+          <p:cNvPr id="6" name="Content Placeholder 5" descr="A circuit board&#10;&#10;Description generated with very high confidence">
+            <a:extLst>
+              <a:ext uri="{FF2B5EF4-FFF2-40B4-BE49-F238E27FC236}">
+                <a16:creationId xmlns:a16="http://schemas.microsoft.com/office/drawing/2014/main" id="{5DC46D9F-5DB3-407F-B27A-199B3FE0352B}"/>
+              </a:ext>
+            </a:extLst>
+          </p:cNvPr>
+          <p:cNvPicPr>
+            <a:picLocks noChangeAspect="1"/>
+          </p:cNvPicPr>
+          <p:nvPr/>
+        </p:nvPicPr>
+        <p:blipFill>
+          <a:blip r:embed="rId3">
+            <a:extLst>
+              <a:ext uri="{28A0092B-C50C-407E-A947-70E740481C1C}">
+                <a14:useLocalDpi xmlns:a14="http://schemas.microsoft.com/office/drawing/2010/main" val="0"/>
+              </a:ext>
+            </a:extLst>
+          </a:blip>
+          <a:stretch>
+            <a:fillRect/>
+          </a:stretch>
+        </p:blipFill>
+        <p:spPr>
+          <a:xfrm>
+            <a:off x="6494334" y="1289833"/>
+            <a:ext cx="5040000" cy="5040000"/>
+          </a:xfrm>
+          <a:prstGeom prst="rect">
+            <a:avLst/>
+          </a:prstGeom>
+        </p:spPr>
+      </p:pic>
+      <p:pic>
+        <p:nvPicPr>
+          <p:cNvPr id="9" name="Content Placeholder 17" descr="A circuit board&#10;&#10;Description generated with very high confidence">
+            <a:extLst>
+              <a:ext uri="{FF2B5EF4-FFF2-40B4-BE49-F238E27FC236}">
+                <a16:creationId xmlns:a16="http://schemas.microsoft.com/office/drawing/2014/main" id="{0C0D0752-EDAF-4079-8E1C-BA9305E2DEDF}"/>
+              </a:ext>
+            </a:extLst>
+          </p:cNvPr>
+          <p:cNvPicPr>
+            <a:picLocks noChangeAspect="1"/>
+          </p:cNvPicPr>
+          <p:nvPr/>
+        </p:nvPicPr>
+        <p:blipFill>
+          <a:blip r:embed="rId4">
+            <a:extLst>
+              <a:ext uri="{BEBA8EAE-BF5A-486C-A8C5-ECC9F3942E4B}">
+                <a14:imgProps xmlns:a14="http://schemas.microsoft.com/office/drawing/2010/main">
+                  <a14:imgLayer r:embed="rId5">
+                    <a14:imgEffect>
+                      <a14:backgroundRemoval t="8407" b="92478" l="6000" r="94000">
+                        <a14:foregroundMark x1="6333" y1="54425" x2="6333" y2="54425"/>
+                        <a14:foregroundMark x1="44667" y1="22124" x2="44667" y2="22124"/>
+                        <a14:foregroundMark x1="50667" y1="15044" x2="50667" y2="15044"/>
+                        <a14:foregroundMark x1="45667" y1="13274" x2="41000" y2="18584"/>
+                        <a14:foregroundMark x1="41000" y1="18584" x2="36667" y2="20796"/>
+                        <a14:foregroundMark x1="33000" y1="24779" x2="33000" y2="24779"/>
+                        <a14:foregroundMark x1="28000" y1="28761" x2="14667" y2="41593"/>
+                        <a14:foregroundMark x1="14667" y1="41593" x2="9333" y2="43363"/>
+                        <a14:foregroundMark x1="9333" y1="43363" x2="6333" y2="45575"/>
+                        <a14:foregroundMark x1="12667" y1="40708" x2="40333" y2="19469"/>
+                        <a14:foregroundMark x1="40333" y1="19469" x2="40667" y2="19027"/>
+                        <a14:foregroundMark x1="49667" y1="92478" x2="49667" y2="92478"/>
+                        <a14:foregroundMark x1="58000" y1="86283" x2="58000" y2="86283"/>
+                        <a14:foregroundMark x1="62333" y1="80973" x2="62333" y2="80973"/>
+                        <a14:foregroundMark x1="85333" y1="46903" x2="85333" y2="46903"/>
+                        <a14:foregroundMark x1="94333" y1="32301" x2="94333" y2="32301"/>
+                        <a14:foregroundMark x1="54333" y1="8407" x2="54333" y2="8407"/>
+                      </a14:backgroundRemoval>
+                    </a14:imgEffect>
+                  </a14:imgLayer>
+                </a14:imgProps>
+              </a:ext>
+              <a:ext uri="{28A0092B-C50C-407E-A947-70E740481C1C}">
+                <a14:useLocalDpi xmlns:a14="http://schemas.microsoft.com/office/drawing/2010/main" val="0"/>
+              </a:ext>
+            </a:extLst>
+          </a:blip>
+          <a:stretch>
+            <a:fillRect/>
+          </a:stretch>
+        </p:blipFill>
+        <p:spPr>
+          <a:xfrm>
+            <a:off x="7223656" y="6308774"/>
+            <a:ext cx="2891363" cy="2178159"/>
+          </a:xfrm>
+          <a:prstGeom prst="rect">
+            <a:avLst/>
+          </a:prstGeom>
+        </p:spPr>
+      </p:pic>
+      <p:pic>
+        <p:nvPicPr>
+          <p:cNvPr id="18" name="Picture 17" descr="A close up of a computer&#10;&#10;Description generated with very high confidence">
+            <a:extLst>
+              <a:ext uri="{FF2B5EF4-FFF2-40B4-BE49-F238E27FC236}">
+                <a16:creationId xmlns:a16="http://schemas.microsoft.com/office/drawing/2014/main" id="{E9750424-21F3-4252-B2D0-92619F4A0BAD}"/>
+              </a:ext>
+            </a:extLst>
+          </p:cNvPr>
+          <p:cNvPicPr>
+            <a:picLocks noChangeAspect="1"/>
+          </p:cNvPicPr>
+          <p:nvPr/>
+        </p:nvPicPr>
+        <p:blipFill>
+          <a:blip r:embed="rId6">
+            <a:extLst>
+              <a:ext uri="{BEBA8EAE-BF5A-486C-A8C5-ECC9F3942E4B}">
+                <a14:imgProps xmlns:a14="http://schemas.microsoft.com/office/drawing/2010/main">
+                  <a14:imgLayer r:embed="rId7">
+                    <a14:imgEffect>
+                      <a14:backgroundRemoval t="5981" b="96890" l="4320" r="95680">
+                        <a14:foregroundMark x1="9120" y1="39713" x2="9120" y2="39713"/>
+                        <a14:foregroundMark x1="10400" y1="67225" x2="4320" y2="40670"/>
+                        <a14:foregroundMark x1="4320" y1="40670" x2="10560" y2="30383"/>
+                        <a14:foregroundMark x1="10560" y1="30383" x2="16160" y2="28469"/>
+                        <a14:foregroundMark x1="81280" y1="97129" x2="79040" y2="97129"/>
+                        <a14:foregroundMark x1="81760" y1="6220" x2="81760" y2="6220"/>
+                        <a14:foregroundMark x1="53920" y1="7416" x2="53920" y2="7416"/>
+                        <a14:foregroundMark x1="44960" y1="7656" x2="44960" y2="7656"/>
+                        <a14:foregroundMark x1="40160" y1="12440" x2="48640" y2="9091"/>
+                        <a14:foregroundMark x1="48640" y1="9091" x2="48800" y2="9091"/>
+                        <a14:foregroundMark x1="63680" y1="8612" x2="85440" y2="4545"/>
+                        <a14:foregroundMark x1="85440" y1="4545" x2="91680" y2="15550"/>
+                        <a14:foregroundMark x1="91680" y1="15550" x2="95040" y2="88278"/>
+                        <a14:foregroundMark x1="96480" y1="3110" x2="99360" y2="26794"/>
+                        <a14:foregroundMark x1="99360" y1="26794" x2="95680" y2="85407"/>
+                        <a14:foregroundMark x1="95680" y1="85407" x2="85760" y2="82775"/>
+                        <a14:foregroundMark x1="85760" y1="82775" x2="85120" y2="67464"/>
+                        <a14:foregroundMark x1="85120" y1="67464" x2="93600" y2="21770"/>
+                        <a14:foregroundMark x1="93600" y1="21770" x2="89280" y2="10526"/>
+                        <a14:foregroundMark x1="89280" y1="10526" x2="89280" y2="10526"/>
+                      </a14:backgroundRemoval>
+                    </a14:imgEffect>
+                  </a14:imgLayer>
+                </a14:imgProps>
+              </a:ext>
+              <a:ext uri="{28A0092B-C50C-407E-A947-70E740481C1C}">
+                <a14:useLocalDpi xmlns:a14="http://schemas.microsoft.com/office/drawing/2010/main" val="0"/>
+              </a:ext>
+            </a:extLst>
+          </a:blip>
+          <a:stretch>
+            <a:fillRect/>
+          </a:stretch>
+        </p:blipFill>
+        <p:spPr>
+          <a:xfrm>
+            <a:off x="12265698" y="2721429"/>
+            <a:ext cx="4308479" cy="2881511"/>
+          </a:xfrm>
+          <a:prstGeom prst="rect">
+            <a:avLst/>
+          </a:prstGeom>
+        </p:spPr>
+      </p:pic>
+      <p:cxnSp>
+        <p:nvCxnSpPr>
+          <p:cNvPr id="7" name="Straight Connector 6">
+            <a:extLst>
+              <a:ext uri="{FF2B5EF4-FFF2-40B4-BE49-F238E27FC236}">
+                <a16:creationId xmlns:a16="http://schemas.microsoft.com/office/drawing/2014/main" id="{7C022078-64FB-4E01-B5F9-72AEBF028F24}"/>
+              </a:ext>
+            </a:extLst>
+          </p:cNvPr>
+          <p:cNvCxnSpPr/>
+          <p:nvPr/>
+        </p:nvCxnSpPr>
+        <p:spPr>
+          <a:xfrm>
+            <a:off x="5783656" y="2358269"/>
+            <a:ext cx="1440000" cy="0"/>
+          </a:xfrm>
+          <a:prstGeom prst="line">
+            <a:avLst/>
+          </a:prstGeom>
+          <a:ln w="28575">
+            <a:solidFill>
+              <a:srgbClr val="1E64C8"/>
+            </a:solidFill>
+            <a:prstDash val="dash"/>
+            <a:headEnd type="triangle" w="lg" len="lg"/>
+            <a:tailEnd type="triangle" w="lg" len="lg"/>
+          </a:ln>
+        </p:spPr>
+        <p:style>
+          <a:lnRef idx="3">
+            <a:schemeClr val="accent1"/>
+          </a:lnRef>
+          <a:fillRef idx="0">
+            <a:schemeClr val="accent1"/>
+          </a:fillRef>
+          <a:effectRef idx="2">
+            <a:schemeClr val="accent1"/>
+          </a:effectRef>
+          <a:fontRef idx="minor">
+            <a:schemeClr val="tx1"/>
+          </a:fontRef>
+        </p:style>
+      </p:cxnSp>
+      <p:cxnSp>
+        <p:nvCxnSpPr>
+          <p:cNvPr id="24" name="Straight Connector 23">
+            <a:extLst>
+              <a:ext uri="{FF2B5EF4-FFF2-40B4-BE49-F238E27FC236}">
+                <a16:creationId xmlns:a16="http://schemas.microsoft.com/office/drawing/2014/main" id="{A5ACC2CB-29EE-4B2E-8F9B-C4140FEBE798}"/>
+              </a:ext>
+            </a:extLst>
+          </p:cNvPr>
+          <p:cNvCxnSpPr>
+            <a:cxnSpLocks/>
+          </p:cNvCxnSpPr>
+          <p:nvPr/>
+        </p:nvCxnSpPr>
+        <p:spPr>
+          <a:xfrm>
+            <a:off x="5927656" y="6249410"/>
+            <a:ext cx="1296000" cy="432000"/>
+          </a:xfrm>
+          <a:prstGeom prst="line">
+            <a:avLst/>
+          </a:prstGeom>
+          <a:ln w="28575">
+            <a:solidFill>
+              <a:srgbClr val="1E64C8"/>
+            </a:solidFill>
+            <a:headEnd type="triangle" w="lg" len="lg"/>
+            <a:tailEnd type="triangle" w="lg" len="lg"/>
+          </a:ln>
+        </p:spPr>
+        <p:style>
+          <a:lnRef idx="3">
+            <a:schemeClr val="accent1"/>
+          </a:lnRef>
+          <a:fillRef idx="0">
+            <a:schemeClr val="accent1"/>
+          </a:fillRef>
+          <a:effectRef idx="2">
+            <a:schemeClr val="accent1"/>
+          </a:effectRef>
+          <a:fontRef idx="minor">
+            <a:schemeClr val="tx1"/>
+          </a:fontRef>
+        </p:style>
+      </p:cxnSp>
+      <p:cxnSp>
+        <p:nvCxnSpPr>
+          <p:cNvPr id="25" name="Straight Connector 24">
+            <a:extLst>
+              <a:ext uri="{FF2B5EF4-FFF2-40B4-BE49-F238E27FC236}">
+                <a16:creationId xmlns:a16="http://schemas.microsoft.com/office/drawing/2014/main" id="{DD833622-E1CB-4406-BC3B-BEC0EA9F358B}"/>
+              </a:ext>
+            </a:extLst>
+          </p:cNvPr>
+          <p:cNvCxnSpPr>
+            <a:cxnSpLocks/>
+          </p:cNvCxnSpPr>
+          <p:nvPr/>
+        </p:nvCxnSpPr>
+        <p:spPr>
+          <a:xfrm flipV="1">
+            <a:off x="5927656" y="8112638"/>
+            <a:ext cx="1296000" cy="432000"/>
+          </a:xfrm>
+          <a:prstGeom prst="line">
+            <a:avLst/>
+          </a:prstGeom>
+          <a:ln w="28575">
+            <a:solidFill>
+              <a:srgbClr val="1E64C8"/>
+            </a:solidFill>
+            <a:headEnd type="triangle" w="lg" len="lg"/>
+            <a:tailEnd type="triangle" w="lg" len="lg"/>
+          </a:ln>
+        </p:spPr>
+        <p:style>
+          <a:lnRef idx="3">
+            <a:schemeClr val="accent1"/>
+          </a:lnRef>
+          <a:fillRef idx="0">
+            <a:schemeClr val="accent1"/>
+          </a:fillRef>
+          <a:effectRef idx="2">
+            <a:schemeClr val="accent1"/>
+          </a:effectRef>
+          <a:fontRef idx="minor">
+            <a:schemeClr val="tx1"/>
+          </a:fontRef>
+        </p:style>
+      </p:cxnSp>
+      <p:cxnSp>
+        <p:nvCxnSpPr>
+          <p:cNvPr id="31" name="Straight Connector 30">
+            <a:extLst>
+              <a:ext uri="{FF2B5EF4-FFF2-40B4-BE49-F238E27FC236}">
+                <a16:creationId xmlns:a16="http://schemas.microsoft.com/office/drawing/2014/main" id="{42965CAB-4FC4-44FC-974F-2A001BFFDAC2}"/>
+              </a:ext>
+            </a:extLst>
+          </p:cNvPr>
+          <p:cNvCxnSpPr/>
+          <p:nvPr/>
+        </p:nvCxnSpPr>
+        <p:spPr>
+          <a:xfrm>
+            <a:off x="10825698" y="3439886"/>
+            <a:ext cx="1440000" cy="0"/>
+          </a:xfrm>
+          <a:prstGeom prst="line">
+            <a:avLst/>
+          </a:prstGeom>
+          <a:ln w="28575">
+            <a:solidFill>
+              <a:srgbClr val="1E64C8"/>
+            </a:solidFill>
+            <a:headEnd type="triangle" w="lg" len="lg"/>
+            <a:tailEnd type="triangle" w="lg" len="lg"/>
+          </a:ln>
+        </p:spPr>
+        <p:style>
+          <a:lnRef idx="3">
+            <a:schemeClr val="accent1"/>
+          </a:lnRef>
+          <a:fillRef idx="0">
+            <a:schemeClr val="accent1"/>
+          </a:fillRef>
+          <a:effectRef idx="2">
+            <a:schemeClr val="accent1"/>
+          </a:effectRef>
+          <a:fontRef idx="minor">
+            <a:schemeClr val="tx1"/>
+          </a:fontRef>
+        </p:style>
+      </p:cxnSp>
+      <p:cxnSp>
+        <p:nvCxnSpPr>
+          <p:cNvPr id="32" name="Straight Connector 31">
+            <a:extLst>
+              <a:ext uri="{FF2B5EF4-FFF2-40B4-BE49-F238E27FC236}">
+                <a16:creationId xmlns:a16="http://schemas.microsoft.com/office/drawing/2014/main" id="{6A385D8E-99CA-4AC3-915F-B7588F75E6E6}"/>
+              </a:ext>
+            </a:extLst>
+          </p:cNvPr>
+          <p:cNvCxnSpPr>
+            <a:cxnSpLocks/>
+          </p:cNvCxnSpPr>
+          <p:nvPr/>
+        </p:nvCxnSpPr>
+        <p:spPr>
+          <a:xfrm>
+            <a:off x="7948150" y="4876800"/>
+            <a:ext cx="0" cy="1440000"/>
+          </a:xfrm>
+          <a:prstGeom prst="line">
+            <a:avLst/>
+          </a:prstGeom>
+          <a:ln w="28575">
+            <a:headEnd type="triangle" w="lg" len="lg"/>
+            <a:tailEnd type="triangle" w="lg" len="lg"/>
+          </a:ln>
+        </p:spPr>
+        <p:style>
+          <a:lnRef idx="3">
+            <a:schemeClr val="accent2"/>
+          </a:lnRef>
+          <a:fillRef idx="0">
+            <a:schemeClr val="accent2"/>
+          </a:fillRef>
+          <a:effectRef idx="2">
+            <a:schemeClr val="accent2"/>
+          </a:effectRef>
+          <a:fontRef idx="minor">
+            <a:schemeClr val="tx1"/>
+          </a:fontRef>
+        </p:style>
+      </p:cxnSp>
+      <p:pic>
+        <p:nvPicPr>
+          <p:cNvPr id="36" name="Content Placeholder 8" descr="A close up of a device&#10;&#10;Description generated with high confidence">
+            <a:extLst>
+              <a:ext uri="{FF2B5EF4-FFF2-40B4-BE49-F238E27FC236}">
+                <a16:creationId xmlns:a16="http://schemas.microsoft.com/office/drawing/2014/main" id="{4DCA515B-FF18-4773-879C-D0DA14287EA4}"/>
+              </a:ext>
+            </a:extLst>
+          </p:cNvPr>
+          <p:cNvPicPr>
+            <a:picLocks noChangeAspect="1"/>
+          </p:cNvPicPr>
+          <p:nvPr/>
+        </p:nvPicPr>
+        <p:blipFill>
+          <a:blip r:embed="rId8">
+            <a:extLst>
+              <a:ext uri="{28A0092B-C50C-407E-A947-70E740481C1C}">
+                <a14:useLocalDpi xmlns:a14="http://schemas.microsoft.com/office/drawing/2010/main" val="0"/>
+              </a:ext>
+            </a:extLst>
+          </a:blip>
+          <a:stretch>
+            <a:fillRect/>
+          </a:stretch>
+        </p:blipFill>
+        <p:spPr>
+          <a:xfrm>
+            <a:off x="7948150" y="0"/>
+            <a:ext cx="2281867" cy="2002972"/>
+          </a:xfrm>
+          <a:prstGeom prst="rect">
+            <a:avLst/>
+          </a:prstGeom>
+        </p:spPr>
+      </p:pic>
+      <p:cxnSp>
+        <p:nvCxnSpPr>
+          <p:cNvPr id="37" name="Straight Connector 36">
+            <a:extLst>
+              <a:ext uri="{FF2B5EF4-FFF2-40B4-BE49-F238E27FC236}">
+                <a16:creationId xmlns:a16="http://schemas.microsoft.com/office/drawing/2014/main" id="{7A9CC6C6-26AC-4C9B-963B-9C13D9697B44}"/>
+              </a:ext>
+            </a:extLst>
+          </p:cNvPr>
+          <p:cNvCxnSpPr>
+            <a:cxnSpLocks/>
+          </p:cNvCxnSpPr>
+          <p:nvPr/>
+        </p:nvCxnSpPr>
+        <p:spPr>
+          <a:xfrm>
+            <a:off x="10115019" y="2002972"/>
+            <a:ext cx="0" cy="1436914"/>
+          </a:xfrm>
+          <a:prstGeom prst="line">
+            <a:avLst/>
+          </a:prstGeom>
+          <a:ln w="28575">
+            <a:headEnd type="triangle" w="lg" len="lg"/>
+            <a:tailEnd type="triangle" w="lg" len="lg"/>
+          </a:ln>
+        </p:spPr>
+        <p:style>
+          <a:lnRef idx="3">
+            <a:schemeClr val="accent2"/>
+          </a:lnRef>
+          <a:fillRef idx="0">
+            <a:schemeClr val="accent2"/>
+          </a:fillRef>
+          <a:effectRef idx="2">
+            <a:schemeClr val="accent2"/>
+          </a:effectRef>
+          <a:fontRef idx="minor">
+            <a:schemeClr val="tx1"/>
+          </a:fontRef>
+        </p:style>
+      </p:cxnSp>
+      <p:cxnSp>
+        <p:nvCxnSpPr>
+          <p:cNvPr id="38" name="Straight Connector 37">
+            <a:extLst>
+              <a:ext uri="{FF2B5EF4-FFF2-40B4-BE49-F238E27FC236}">
+                <a16:creationId xmlns:a16="http://schemas.microsoft.com/office/drawing/2014/main" id="{B64522D4-401A-4319-BC9F-5697F9C3C3DE}"/>
+              </a:ext>
+            </a:extLst>
+          </p:cNvPr>
+          <p:cNvCxnSpPr/>
+          <p:nvPr/>
+        </p:nvCxnSpPr>
+        <p:spPr>
+          <a:xfrm>
+            <a:off x="5783656" y="2710162"/>
+            <a:ext cx="1440000" cy="0"/>
+          </a:xfrm>
+          <a:prstGeom prst="line">
+            <a:avLst/>
+          </a:prstGeom>
+          <a:ln w="28575">
+            <a:prstDash val="dash"/>
+            <a:headEnd type="triangle" w="lg" len="lg"/>
+            <a:tailEnd type="triangle" w="lg" len="lg"/>
+          </a:ln>
+        </p:spPr>
+        <p:style>
+          <a:lnRef idx="3">
+            <a:schemeClr val="accent2"/>
+          </a:lnRef>
+          <a:fillRef idx="0">
+            <a:schemeClr val="accent2"/>
+          </a:fillRef>
+          <a:effectRef idx="2">
+            <a:schemeClr val="accent2"/>
+          </a:effectRef>
+          <a:fontRef idx="minor">
+            <a:schemeClr val="tx1"/>
+          </a:fontRef>
+        </p:style>
+      </p:cxnSp>
+      <p:sp>
+        <p:nvSpPr>
+          <p:cNvPr id="3" name="TextBox 2">
+            <a:extLst>
+              <a:ext uri="{FF2B5EF4-FFF2-40B4-BE49-F238E27FC236}">
+                <a16:creationId xmlns:a16="http://schemas.microsoft.com/office/drawing/2014/main" id="{C2D286B3-7B9E-4E7A-8949-422F44A98602}"/>
+              </a:ext>
+            </a:extLst>
+          </p:cNvPr>
+          <p:cNvSpPr txBox="1"/>
+          <p:nvPr/>
+        </p:nvSpPr>
+        <p:spPr>
+          <a:xfrm>
+            <a:off x="6410332" y="5324539"/>
+            <a:ext cx="1541390" cy="553998"/>
+          </a:xfrm>
+          <a:prstGeom prst="rect">
+            <a:avLst/>
+          </a:prstGeom>
+          <a:noFill/>
+        </p:spPr>
+        <p:txBody>
+          <a:bodyPr wrap="square" rtlCol="0">
+            <a:spAutoFit/>
+          </a:bodyPr>
+          <a:lstStyle/>
+          <a:p>
+            <a:pPr algn="ctr">
+              <a:lnSpc>
+                <a:spcPct val="120000"/>
+              </a:lnSpc>
+            </a:pPr>
+            <a:r>
+              <a:rPr lang="en-US" sz="2500" dirty="0" err="1"/>
+              <a:t>I</a:t>
+            </a:r>
+            <a:r>
+              <a:rPr lang="en-US" sz="2500" baseline="30000" dirty="0" err="1"/>
+              <a:t>2</a:t>
+            </a:r>
+            <a:r>
+              <a:rPr lang="en-US" sz="2500" dirty="0" err="1"/>
+              <a:t>C</a:t>
+            </a:r>
+            <a:r>
+              <a:rPr lang="en-US" sz="2500" dirty="0"/>
+              <a:t> / TWI</a:t>
+            </a:r>
+          </a:p>
+        </p:txBody>
+      </p:sp>
+      <p:sp>
+        <p:nvSpPr>
+          <p:cNvPr id="10" name="Rectangle 9">
+            <a:extLst>
+              <a:ext uri="{FF2B5EF4-FFF2-40B4-BE49-F238E27FC236}">
+                <a16:creationId xmlns:a16="http://schemas.microsoft.com/office/drawing/2014/main" id="{E6FB14CB-AF01-40E5-B55A-B698917F5322}"/>
+              </a:ext>
+            </a:extLst>
+          </p:cNvPr>
+          <p:cNvSpPr/>
+          <p:nvPr/>
+        </p:nvSpPr>
+        <p:spPr>
+          <a:xfrm>
+            <a:off x="11101321" y="2878001"/>
+            <a:ext cx="902811" cy="561885"/>
+          </a:xfrm>
+          <a:prstGeom prst="rect">
+            <a:avLst/>
+          </a:prstGeom>
+        </p:spPr>
+        <p:txBody>
+          <a:bodyPr wrap="none">
+            <a:spAutoFit/>
+          </a:bodyPr>
+          <a:lstStyle/>
+          <a:p>
+            <a:pPr algn="ctr">
+              <a:lnSpc>
+                <a:spcPct val="120000"/>
+              </a:lnSpc>
+            </a:pPr>
+            <a:r>
+              <a:rPr lang="en-US" sz="2800" dirty="0" err="1"/>
+              <a:t>WiFi</a:t>
+            </a:r>
+            <a:endParaRPr lang="en-US" sz="2800" dirty="0"/>
+          </a:p>
+        </p:txBody>
+      </p:sp>
+      <p:sp>
+        <p:nvSpPr>
+          <p:cNvPr id="23" name="TextBox 22">
+            <a:extLst>
+              <a:ext uri="{FF2B5EF4-FFF2-40B4-BE49-F238E27FC236}">
+                <a16:creationId xmlns:a16="http://schemas.microsoft.com/office/drawing/2014/main" id="{57719516-F0A2-40DC-9561-68793324D712}"/>
+              </a:ext>
+            </a:extLst>
+          </p:cNvPr>
+          <p:cNvSpPr txBox="1"/>
+          <p:nvPr/>
+        </p:nvSpPr>
+        <p:spPr>
+          <a:xfrm>
+            <a:off x="6036723" y="6843026"/>
+            <a:ext cx="923714" cy="553998"/>
+          </a:xfrm>
+          <a:prstGeom prst="rect">
+            <a:avLst/>
+          </a:prstGeom>
+          <a:noFill/>
+        </p:spPr>
+        <p:txBody>
+          <a:bodyPr wrap="square" rtlCol="0">
+            <a:spAutoFit/>
+          </a:bodyPr>
+          <a:lstStyle/>
+          <a:p>
+            <a:pPr algn="ctr">
+              <a:lnSpc>
+                <a:spcPct val="120000"/>
+              </a:lnSpc>
+            </a:pPr>
+            <a:r>
+              <a:rPr lang="en-US" sz="2500" dirty="0" err="1"/>
+              <a:t>UWB</a:t>
+            </a:r>
+            <a:endParaRPr lang="en-US" sz="2500" dirty="0"/>
+          </a:p>
+        </p:txBody>
+      </p:sp>
+      <p:sp>
+        <p:nvSpPr>
+          <p:cNvPr id="26" name="Rectangle 25">
+            <a:extLst>
+              <a:ext uri="{FF2B5EF4-FFF2-40B4-BE49-F238E27FC236}">
+                <a16:creationId xmlns:a16="http://schemas.microsoft.com/office/drawing/2014/main" id="{31F2C402-D531-42D5-9252-111C236E52B0}"/>
+              </a:ext>
+            </a:extLst>
+          </p:cNvPr>
+          <p:cNvSpPr/>
+          <p:nvPr/>
+        </p:nvSpPr>
+        <p:spPr>
+          <a:xfrm>
+            <a:off x="6047174" y="1799325"/>
+            <a:ext cx="902811" cy="561885"/>
+          </a:xfrm>
+          <a:prstGeom prst="rect">
+            <a:avLst/>
+          </a:prstGeom>
+        </p:spPr>
+        <p:txBody>
+          <a:bodyPr wrap="none">
+            <a:spAutoFit/>
+          </a:bodyPr>
+          <a:lstStyle/>
+          <a:p>
+            <a:pPr algn="ctr">
+              <a:lnSpc>
+                <a:spcPct val="120000"/>
+              </a:lnSpc>
+            </a:pPr>
+            <a:r>
+              <a:rPr lang="en-US" sz="2800" dirty="0" err="1"/>
+              <a:t>WiFi</a:t>
+            </a:r>
+            <a:endParaRPr lang="en-US" sz="2800" dirty="0"/>
+          </a:p>
+        </p:txBody>
+      </p:sp>
+      <p:pic>
+        <p:nvPicPr>
+          <p:cNvPr id="29" name="Content Placeholder 5" descr="A circuit board&#10;&#10;Description generated with very high confidence">
+            <a:extLst>
+              <a:ext uri="{FF2B5EF4-FFF2-40B4-BE49-F238E27FC236}">
+                <a16:creationId xmlns:a16="http://schemas.microsoft.com/office/drawing/2014/main" id="{9798E8CA-27B5-4D59-B003-93E4697B75E9}"/>
+              </a:ext>
+            </a:extLst>
+          </p:cNvPr>
+          <p:cNvPicPr>
+            <a:picLocks noChangeAspect="1"/>
+          </p:cNvPicPr>
+          <p:nvPr/>
+        </p:nvPicPr>
+        <p:blipFill>
+          <a:blip r:embed="rId9">
+            <a:extLst>
+              <a:ext uri="{BEBA8EAE-BF5A-486C-A8C5-ECC9F3942E4B}">
+                <a14:imgProps xmlns:a14="http://schemas.microsoft.com/office/drawing/2010/main">
+                  <a14:imgLayer r:embed="rId10">
+                    <a14:imgEffect>
+                      <a14:backgroundRemoval t="10000" b="90000" l="4600" r="97400">
+                        <a14:foregroundMark x1="94000" y1="54000" x2="94000" y2="54000"/>
+                        <a14:foregroundMark x1="97400" y1="54000" x2="97400" y2="54000"/>
+                        <a14:foregroundMark x1="8600" y1="28000" x2="8600" y2="28000"/>
+                        <a14:foregroundMark x1="4600" y1="40400" x2="4600" y2="40400"/>
+                        <a14:foregroundMark x1="30600" y1="80400" x2="23800" y2="76600"/>
+                        <a14:foregroundMark x1="23800" y1="76600" x2="21600" y2="69200"/>
+                        <a14:foregroundMark x1="21600" y1="69200" x2="21600" y2="68000"/>
+                        <a14:foregroundMark x1="30200" y1="84400" x2="27600" y2="82000"/>
+                      </a14:backgroundRemoval>
+                    </a14:imgEffect>
+                  </a14:imgLayer>
+                </a14:imgProps>
+              </a:ext>
+              <a:ext uri="{28A0092B-C50C-407E-A947-70E740481C1C}">
+                <a14:useLocalDpi xmlns:a14="http://schemas.microsoft.com/office/drawing/2010/main" val="0"/>
+              </a:ext>
+            </a:extLst>
+          </a:blip>
+          <a:stretch>
+            <a:fillRect/>
+          </a:stretch>
+        </p:blipFill>
+        <p:spPr>
+          <a:xfrm flipH="1">
+            <a:off x="3628885" y="6334767"/>
+            <a:ext cx="2154771" cy="2154771"/>
+          </a:xfrm>
+          <a:prstGeom prst="rect">
+            <a:avLst/>
+          </a:prstGeom>
+        </p:spPr>
+      </p:pic>
+      <p:pic>
+        <p:nvPicPr>
+          <p:cNvPr id="30" name="Content Placeholder 5" descr="A circuit board&#10;&#10;Description generated with very high confidence">
+            <a:extLst>
+              <a:ext uri="{FF2B5EF4-FFF2-40B4-BE49-F238E27FC236}">
+                <a16:creationId xmlns:a16="http://schemas.microsoft.com/office/drawing/2014/main" id="{C071A1E0-4C24-4CB4-BABF-C75DD1AB9528}"/>
+              </a:ext>
+            </a:extLst>
+          </p:cNvPr>
+          <p:cNvPicPr>
+            <a:picLocks noChangeAspect="1"/>
+          </p:cNvPicPr>
+          <p:nvPr/>
+        </p:nvPicPr>
+        <p:blipFill>
+          <a:blip r:embed="rId9">
+            <a:extLst>
+              <a:ext uri="{BEBA8EAE-BF5A-486C-A8C5-ECC9F3942E4B}">
+                <a14:imgProps xmlns:a14="http://schemas.microsoft.com/office/drawing/2010/main">
+                  <a14:imgLayer r:embed="rId10">
+                    <a14:imgEffect>
+                      <a14:backgroundRemoval t="10000" b="90000" l="4600" r="97400">
+                        <a14:foregroundMark x1="94000" y1="54000" x2="94000" y2="54000"/>
+                        <a14:foregroundMark x1="97400" y1="54000" x2="97400" y2="54000"/>
+                        <a14:foregroundMark x1="8600" y1="28000" x2="8600" y2="28000"/>
+                        <a14:foregroundMark x1="4600" y1="40400" x2="4600" y2="40400"/>
+                        <a14:foregroundMark x1="30600" y1="80400" x2="23800" y2="76600"/>
+                        <a14:foregroundMark x1="23800" y1="76600" x2="21600" y2="69200"/>
+                        <a14:foregroundMark x1="21600" y1="69200" x2="21600" y2="68000"/>
+                        <a14:foregroundMark x1="30200" y1="84400" x2="27600" y2="82000"/>
+                      </a14:backgroundRemoval>
+                    </a14:imgEffect>
+                  </a14:imgLayer>
+                </a14:imgProps>
+              </a:ext>
+              <a:ext uri="{28A0092B-C50C-407E-A947-70E740481C1C}">
+                <a14:useLocalDpi xmlns:a14="http://schemas.microsoft.com/office/drawing/2010/main" val="0"/>
+              </a:ext>
+            </a:extLst>
+          </a:blip>
+          <a:stretch>
+            <a:fillRect/>
+          </a:stretch>
+        </p:blipFill>
+        <p:spPr>
+          <a:xfrm flipH="1">
+            <a:off x="3628886" y="7774641"/>
+            <a:ext cx="2154771" cy="2154771"/>
+          </a:xfrm>
+          <a:prstGeom prst="rect">
+            <a:avLst/>
+          </a:prstGeom>
+        </p:spPr>
+      </p:pic>
+      <p:pic>
+        <p:nvPicPr>
+          <p:cNvPr id="33" name="Content Placeholder 5" descr="A circuit board&#10;&#10;Description generated with very high confidence">
+            <a:extLst>
+              <a:ext uri="{FF2B5EF4-FFF2-40B4-BE49-F238E27FC236}">
+                <a16:creationId xmlns:a16="http://schemas.microsoft.com/office/drawing/2014/main" id="{5E97ED60-7D5C-412E-BD73-CA59674ADA15}"/>
+              </a:ext>
+            </a:extLst>
+          </p:cNvPr>
+          <p:cNvPicPr>
+            <a:picLocks noChangeAspect="1"/>
+          </p:cNvPicPr>
+          <p:nvPr/>
+        </p:nvPicPr>
+        <p:blipFill>
+          <a:blip r:embed="rId9">
+            <a:extLst>
+              <a:ext uri="{BEBA8EAE-BF5A-486C-A8C5-ECC9F3942E4B}">
+                <a14:imgProps xmlns:a14="http://schemas.microsoft.com/office/drawing/2010/main">
+                  <a14:imgLayer r:embed="rId10">
+                    <a14:imgEffect>
+                      <a14:backgroundRemoval t="10000" b="90000" l="4600" r="97400">
+                        <a14:foregroundMark x1="94000" y1="54000" x2="94000" y2="54000"/>
+                        <a14:foregroundMark x1="97400" y1="54000" x2="97400" y2="54000"/>
+                        <a14:foregroundMark x1="8600" y1="28000" x2="8600" y2="28000"/>
+                        <a14:foregroundMark x1="4600" y1="40400" x2="4600" y2="40400"/>
+                        <a14:foregroundMark x1="30600" y1="80400" x2="23800" y2="76600"/>
+                        <a14:foregroundMark x1="23800" y1="76600" x2="21600" y2="69200"/>
+                        <a14:foregroundMark x1="21600" y1="69200" x2="21600" y2="68000"/>
+                        <a14:foregroundMark x1="30200" y1="84400" x2="27600" y2="82000"/>
+                      </a14:backgroundRemoval>
+                    </a14:imgEffect>
+                  </a14:imgLayer>
+                </a14:imgProps>
+              </a:ext>
+              <a:ext uri="{28A0092B-C50C-407E-A947-70E740481C1C}">
+                <a14:useLocalDpi xmlns:a14="http://schemas.microsoft.com/office/drawing/2010/main" val="0"/>
+              </a:ext>
+            </a:extLst>
+          </a:blip>
+          <a:stretch>
+            <a:fillRect/>
+          </a:stretch>
+        </p:blipFill>
+        <p:spPr>
+          <a:xfrm flipH="1">
+            <a:off x="3628885" y="4876800"/>
+            <a:ext cx="2154771" cy="2154771"/>
+          </a:xfrm>
+          <a:prstGeom prst="rect">
+            <a:avLst/>
+          </a:prstGeom>
+        </p:spPr>
+      </p:pic>
+      <p:cxnSp>
+        <p:nvCxnSpPr>
+          <p:cNvPr id="40" name="Straight Connector 39">
+            <a:extLst>
+              <a:ext uri="{FF2B5EF4-FFF2-40B4-BE49-F238E27FC236}">
+                <a16:creationId xmlns:a16="http://schemas.microsoft.com/office/drawing/2014/main" id="{3502DCF6-F5E2-4DE3-9B56-35798FF187D8}"/>
+              </a:ext>
+            </a:extLst>
+          </p:cNvPr>
+          <p:cNvCxnSpPr>
+            <a:cxnSpLocks/>
+          </p:cNvCxnSpPr>
+          <p:nvPr/>
+        </p:nvCxnSpPr>
+        <p:spPr>
+          <a:xfrm>
+            <a:off x="5783656" y="7397024"/>
+            <a:ext cx="1440000" cy="1"/>
+          </a:xfrm>
+          <a:prstGeom prst="line">
+            <a:avLst/>
+          </a:prstGeom>
+          <a:ln w="28575">
+            <a:solidFill>
+              <a:srgbClr val="1E64C8"/>
+            </a:solidFill>
+            <a:headEnd type="triangle" w="lg" len="lg"/>
+            <a:tailEnd type="triangle" w="lg" len="lg"/>
+          </a:ln>
+        </p:spPr>
+        <p:style>
+          <a:lnRef idx="3">
+            <a:schemeClr val="accent1"/>
+          </a:lnRef>
+          <a:fillRef idx="0">
+            <a:schemeClr val="accent1"/>
+          </a:fillRef>
+          <a:effectRef idx="2">
+            <a:schemeClr val="accent1"/>
+          </a:effectRef>
+          <a:fontRef idx="minor">
+            <a:schemeClr val="tx1"/>
+          </a:fontRef>
+        </p:style>
+      </p:cxnSp>
+      <p:cxnSp>
+        <p:nvCxnSpPr>
+          <p:cNvPr id="41" name="Straight Connector 40">
+            <a:extLst>
+              <a:ext uri="{FF2B5EF4-FFF2-40B4-BE49-F238E27FC236}">
+                <a16:creationId xmlns:a16="http://schemas.microsoft.com/office/drawing/2014/main" id="{646C3ECD-1E1B-4EA5-888B-0E5F68D9A070}"/>
+              </a:ext>
+            </a:extLst>
+          </p:cNvPr>
+          <p:cNvCxnSpPr>
+            <a:cxnSpLocks/>
+          </p:cNvCxnSpPr>
+          <p:nvPr/>
+        </p:nvCxnSpPr>
+        <p:spPr>
+          <a:xfrm>
+            <a:off x="8310100" y="4876800"/>
+            <a:ext cx="0" cy="1440000"/>
+          </a:xfrm>
+          <a:prstGeom prst="line">
+            <a:avLst/>
+          </a:prstGeom>
+          <a:ln w="28575">
+            <a:headEnd type="triangle" w="lg" len="lg"/>
+            <a:tailEnd type="triangle" w="lg" len="lg"/>
+          </a:ln>
+        </p:spPr>
+        <p:style>
+          <a:lnRef idx="3">
+            <a:schemeClr val="accent2"/>
+          </a:lnRef>
+          <a:fillRef idx="0">
+            <a:schemeClr val="accent2"/>
+          </a:fillRef>
+          <a:effectRef idx="2">
+            <a:schemeClr val="accent2"/>
+          </a:effectRef>
+          <a:fontRef idx="minor">
+            <a:schemeClr val="tx1"/>
+          </a:fontRef>
+        </p:style>
+      </p:cxnSp>
+      <p:sp>
+        <p:nvSpPr>
+          <p:cNvPr id="27" name="Rectangle 26">
+            <a:extLst>
+              <a:ext uri="{FF2B5EF4-FFF2-40B4-BE49-F238E27FC236}">
+                <a16:creationId xmlns:a16="http://schemas.microsoft.com/office/drawing/2014/main" id="{6A6DFF1D-775B-486F-9CCC-CF9DBCE73450}"/>
+              </a:ext>
+            </a:extLst>
+          </p:cNvPr>
+          <p:cNvSpPr/>
+          <p:nvPr/>
+        </p:nvSpPr>
+        <p:spPr>
+          <a:xfrm>
+            <a:off x="5955002" y="2722499"/>
+            <a:ext cx="1104790" cy="561885"/>
+          </a:xfrm>
+          <a:prstGeom prst="rect">
+            <a:avLst/>
+          </a:prstGeom>
+        </p:spPr>
+        <p:txBody>
+          <a:bodyPr wrap="none">
+            <a:spAutoFit/>
+          </a:bodyPr>
+          <a:lstStyle/>
+          <a:p>
+            <a:pPr algn="ctr">
+              <a:lnSpc>
+                <a:spcPct val="120000"/>
+              </a:lnSpc>
+            </a:pPr>
+            <a:r>
+              <a:rPr lang="en-US" sz="2800" dirty="0"/>
+              <a:t>Serial</a:t>
+            </a:r>
           </a:p>
         </p:txBody>
       </p:sp>
     </p:spTree>
     <p:extLst>
       <p:ext uri="{BB962C8B-B14F-4D97-AF65-F5344CB8AC3E}">
-        <p14:creationId xmlns:p14="http://schemas.microsoft.com/office/powerpoint/2010/main" val="3761811934"/>
+        <p14:creationId xmlns:p14="http://schemas.microsoft.com/office/powerpoint/2010/main" val="735743203"/>
       </p:ext>
     </p:extLst>
   </p:cSld>
@@ -4865,12 +7338,12 @@
       </p:grpSpPr>
       <p:sp>
         <p:nvSpPr>
-          <p:cNvPr id="2" name="Titel 1"/>
-          <p:cNvSpPr>
-            <a:spLocks noGrp="1"/>
-          </p:cNvSpPr>
-          <p:nvPr>
-            <p:ph type="title"/>
+          <p:cNvPr id="8" name="Titel 7"/>
+          <p:cNvSpPr>
+            <a:spLocks noGrp="1"/>
+          </p:cNvSpPr>
+          <p:nvPr>
+            <p:ph type="ctrTitle"/>
           </p:nvPr>
         </p:nvSpPr>
         <p:spPr/>
@@ -4880,19 +7353,19 @@
           <a:p>
             <a:r>
               <a:rPr lang="nl-NL" dirty="0"/>
-              <a:t>Initiële planning</a:t>
-            </a:r>
-          </a:p>
-        </p:txBody>
-      </p:sp>
-      <p:sp>
-        <p:nvSpPr>
-          <p:cNvPr id="3" name="Tijdelijke aanduiding voor inhoud 2"/>
-          <p:cNvSpPr>
-            <a:spLocks noGrp="1"/>
-          </p:cNvSpPr>
-          <p:nvPr>
-            <p:ph idx="1"/>
+              <a:t>planning</a:t>
+            </a:r>
+          </a:p>
+        </p:txBody>
+      </p:sp>
+      <p:sp>
+        <p:nvSpPr>
+          <p:cNvPr id="5" name="Slide Number Placeholder 4"/>
+          <p:cNvSpPr>
+            <a:spLocks noGrp="1"/>
+          </p:cNvSpPr>
+          <p:nvPr>
+            <p:ph type="sldNum" sz="quarter" idx="4"/>
           </p:nvPr>
         </p:nvSpPr>
         <p:spPr/>
@@ -4900,37 +7373,19 @@
           <a:bodyPr/>
           <a:lstStyle/>
           <a:p>
-            <a:endParaRPr lang="nl-NL"/>
-          </a:p>
-        </p:txBody>
-      </p:sp>
-      <p:sp>
-        <p:nvSpPr>
-          <p:cNvPr id="4" name="Tijdelijke aanduiding voor dianummer 3"/>
-          <p:cNvSpPr>
-            <a:spLocks noGrp="1"/>
-          </p:cNvSpPr>
-          <p:nvPr>
-            <p:ph type="sldNum" sz="quarter" idx="12"/>
-          </p:nvPr>
-        </p:nvSpPr>
-        <p:spPr/>
-        <p:txBody>
-          <a:bodyPr/>
-          <a:lstStyle/>
-          <a:p>
             <a:fld id="{7AE184E0-0BD4-4705-A12B-9B71DDE63301}" type="slidenum">
-              <a:rPr lang="nl-BE" noProof="0" smtClean="0"/>
+              <a:rPr lang="nl-BE" smtClean="0"/>
+              <a:pPr/>
               <a:t>18</a:t>
             </a:fld>
-            <a:endParaRPr lang="nl-BE" noProof="0" dirty="0"/>
+            <a:endParaRPr lang="nl-BE" dirty="0"/>
           </a:p>
         </p:txBody>
       </p:sp>
     </p:spTree>
     <p:extLst>
       <p:ext uri="{BB962C8B-B14F-4D97-AF65-F5344CB8AC3E}">
-        <p14:creationId xmlns:p14="http://schemas.microsoft.com/office/powerpoint/2010/main" val="3417539605"/>
+        <p14:creationId xmlns:p14="http://schemas.microsoft.com/office/powerpoint/2010/main" val="3761811934"/>
       </p:ext>
     </p:extLst>
   </p:cSld>
@@ -4957,10 +7412,87 @@
           <a:chExt cx="0" cy="0"/>
         </a:xfrm>
       </p:grpSpPr>
+      <p:pic>
+        <p:nvPicPr>
+          <p:cNvPr id="5" name="Content Placeholder 4">
+            <a:extLst>
+              <a:ext uri="{FF2B5EF4-FFF2-40B4-BE49-F238E27FC236}">
+                <a16:creationId xmlns:a16="http://schemas.microsoft.com/office/drawing/2014/main" id="{B7B04F65-00A5-40FB-996A-169C0F0352AE}"/>
+              </a:ext>
+            </a:extLst>
+          </p:cNvPr>
+          <p:cNvPicPr>
+            <a:picLocks noGrp="1" noChangeAspect="1"/>
+          </p:cNvPicPr>
+          <p:nvPr>
+            <p:ph idx="1"/>
+          </p:nvPr>
+        </p:nvPicPr>
+        <p:blipFill>
+          <a:blip r:embed="rId2"/>
+          <a:stretch>
+            <a:fillRect/>
+          </a:stretch>
+        </p:blipFill>
+        <p:spPr>
+          <a:xfrm>
+            <a:off x="4220898" y="136025"/>
+            <a:ext cx="9734946" cy="9605665"/>
+          </a:xfrm>
+          <a:prstGeom prst="rect">
+            <a:avLst/>
+          </a:prstGeom>
+        </p:spPr>
+      </p:pic>
+      <p:sp>
+        <p:nvSpPr>
+          <p:cNvPr id="2" name="Titel 1"/>
+          <p:cNvSpPr>
+            <a:spLocks noGrp="1"/>
+          </p:cNvSpPr>
+          <p:nvPr>
+            <p:ph type="title"/>
+          </p:nvPr>
+        </p:nvSpPr>
+        <p:spPr/>
+        <p:txBody>
+          <a:bodyPr/>
+          <a:lstStyle/>
+          <a:p>
+            <a:r>
+              <a:rPr lang="nl-NL" dirty="0"/>
+              <a:t>Initiële planning</a:t>
+            </a:r>
+          </a:p>
+        </p:txBody>
+      </p:sp>
+      <p:sp>
+        <p:nvSpPr>
+          <p:cNvPr id="4" name="Tijdelijke aanduiding voor dianummer 3"/>
+          <p:cNvSpPr>
+            <a:spLocks noGrp="1"/>
+          </p:cNvSpPr>
+          <p:nvPr>
+            <p:ph type="sldNum" sz="quarter" idx="12"/>
+          </p:nvPr>
+        </p:nvSpPr>
+        <p:spPr/>
+        <p:txBody>
+          <a:bodyPr/>
+          <a:lstStyle/>
+          <a:p>
+            <a:fld id="{7AE184E0-0BD4-4705-A12B-9B71DDE63301}" type="slidenum">
+              <a:rPr lang="nl-BE" noProof="0" smtClean="0"/>
+              <a:t>19</a:t>
+            </a:fld>
+            <a:endParaRPr lang="nl-BE" noProof="0" dirty="0"/>
+          </a:p>
+        </p:txBody>
+      </p:sp>
     </p:spTree>
     <p:extLst>
       <p:ext uri="{BB962C8B-B14F-4D97-AF65-F5344CB8AC3E}">
-        <p14:creationId xmlns:p14="http://schemas.microsoft.com/office/powerpoint/2010/main" val="3766449668"/>
+        <p14:creationId xmlns:p14="http://schemas.microsoft.com/office/powerpoint/2010/main" val="3417539605"/>
       </p:ext>
     </p:extLst>
   </p:cSld>
@@ -5004,7 +7536,14 @@
           <a:p>
             <a:r>
               <a:rPr lang="nl-NL" dirty="0"/>
-              <a:t>VOP Voorraadbeheer</a:t>
+              <a:t>Voorraadbeheer</a:t>
+            </a:r>
+            <a:br>
+              <a:rPr lang="nl-NL" dirty="0"/>
+            </a:br>
+            <a:r>
+              <a:rPr lang="nl-NL" dirty="0"/>
+              <a:t>in magazijnen</a:t>
             </a:r>
           </a:p>
         </p:txBody>
@@ -5108,6 +7647,36 @@
     <p:extLst>
       <p:ext uri="{BB962C8B-B14F-4D97-AF65-F5344CB8AC3E}">
         <p14:creationId xmlns:p14="http://schemas.microsoft.com/office/powerpoint/2010/main" val="3355618083"/>
+      </p:ext>
+    </p:extLst>
+  </p:cSld>
+  <p:clrMapOvr>
+    <a:masterClrMapping/>
+  </p:clrMapOvr>
+</p:sld>
+</file>
+
+<file path=ppt/slides/slide20.xml><?xml version="1.0" encoding="utf-8"?>
+<p:sld xmlns:a="http://schemas.openxmlformats.org/drawingml/2006/main" xmlns:r="http://schemas.openxmlformats.org/officeDocument/2006/relationships" xmlns:p="http://schemas.openxmlformats.org/presentationml/2006/main">
+  <p:cSld>
+    <p:spTree>
+      <p:nvGrpSpPr>
+        <p:cNvPr id="1" name=""/>
+        <p:cNvGrpSpPr/>
+        <p:nvPr/>
+      </p:nvGrpSpPr>
+      <p:grpSpPr>
+        <a:xfrm>
+          <a:off x="0" y="0"/>
+          <a:ext cx="0" cy="0"/>
+          <a:chOff x="0" y="0"/>
+          <a:chExt cx="0" cy="0"/>
+        </a:xfrm>
+      </p:grpSpPr>
+    </p:spTree>
+    <p:extLst>
+      <p:ext uri="{BB962C8B-B14F-4D97-AF65-F5344CB8AC3E}">
+        <p14:creationId xmlns:p14="http://schemas.microsoft.com/office/powerpoint/2010/main" val="3766449668"/>
       </p:ext>
     </p:extLst>
   </p:cSld>
@@ -5234,25 +7803,41 @@
           </a:p>
         </p:txBody>
       </p:sp>
-      <p:sp>
-        <p:nvSpPr>
-          <p:cNvPr id="3" name="Tijdelijke aanduiding voor inhoud 2"/>
-          <p:cNvSpPr>
-            <a:spLocks noGrp="1"/>
-          </p:cNvSpPr>
+      <p:pic>
+        <p:nvPicPr>
+          <p:cNvPr id="8" name="Content Placeholder 7" descr="A picture containing fence, warehouse, indoor, floor&#10;&#10;Description generated with very high confidence">
+            <a:extLst>
+              <a:ext uri="{FF2B5EF4-FFF2-40B4-BE49-F238E27FC236}">
+                <a16:creationId xmlns:a16="http://schemas.microsoft.com/office/drawing/2014/main" id="{6E5AD5FB-4101-4963-B765-86997C982E62}"/>
+              </a:ext>
+            </a:extLst>
+          </p:cNvPr>
+          <p:cNvPicPr>
+            <a:picLocks noGrp="1" noChangeAspect="1"/>
+          </p:cNvPicPr>
           <p:nvPr>
             <p:ph idx="1"/>
           </p:nvPr>
-        </p:nvSpPr>
-        <p:spPr/>
-        <p:txBody>
-          <a:bodyPr/>
-          <a:lstStyle/>
-          <a:p>
-            <a:endParaRPr lang="nl-NL"/>
-          </a:p>
-        </p:txBody>
-      </p:sp>
+        </p:nvPicPr>
+        <p:blipFill>
+          <a:blip r:embed="rId2">
+            <a:extLst>
+              <a:ext uri="{28A0092B-C50C-407E-A947-70E740481C1C}">
+                <a14:useLocalDpi xmlns:a14="http://schemas.microsoft.com/office/drawing/2010/main" val="0"/>
+              </a:ext>
+            </a:extLst>
+          </a:blip>
+          <a:stretch>
+            <a:fillRect/>
+          </a:stretch>
+        </p:blipFill>
+        <p:spPr>
+          <a:xfrm>
+            <a:off x="4005118" y="1613130"/>
+            <a:ext cx="10015682" cy="6722161"/>
+          </a:xfrm>
+        </p:spPr>
+      </p:pic>
       <p:sp>
         <p:nvSpPr>
           <p:cNvPr id="4" name="Tijdelijke aanduiding voor dianummer 3"/>
@@ -5434,7 +8019,7 @@
         </p:blipFill>
         <p:spPr>
           <a:xfrm>
-            <a:off x="2112634" y="1193800"/>
+            <a:off x="2095965" y="1219200"/>
             <a:ext cx="13146744" cy="6696075"/>
           </a:xfrm>
         </p:spPr>
@@ -5490,8 +8075,8 @@
         </p:blipFill>
         <p:spPr>
           <a:xfrm>
-            <a:off x="2610281" y="8633135"/>
-            <a:ext cx="2601799" cy="669963"/>
+            <a:off x="2927915" y="8830920"/>
+            <a:ext cx="2016656" cy="519289"/>
           </a:xfrm>
           <a:prstGeom prst="rect">
             <a:avLst/>
@@ -5528,28 +8113,6 @@
           <a:chExt cx="0" cy="0"/>
         </a:xfrm>
       </p:grpSpPr>
-      <p:sp>
-        <p:nvSpPr>
-          <p:cNvPr id="2" name="Titel 1"/>
-          <p:cNvSpPr>
-            <a:spLocks noGrp="1"/>
-          </p:cNvSpPr>
-          <p:nvPr>
-            <p:ph type="title"/>
-          </p:nvPr>
-        </p:nvSpPr>
-        <p:spPr/>
-        <p:txBody>
-          <a:bodyPr/>
-          <a:lstStyle/>
-          <a:p>
-            <a:r>
-              <a:rPr lang="nl-NL" dirty="0"/>
-              <a:t>Raspberry Pi Zero W</a:t>
-            </a:r>
-          </a:p>
-        </p:txBody>
-      </p:sp>
       <p:pic>
         <p:nvPicPr>
           <p:cNvPr id="6" name="Content Placeholder 5" descr="A circuit board&#10;&#10;Description generated with very high confidence">
@@ -5580,11 +8143,33 @@
         </p:blipFill>
         <p:spPr>
           <a:xfrm>
-            <a:off x="4620674" y="999718"/>
-            <a:ext cx="7491378" cy="7491378"/>
+            <a:off x="4451094" y="290067"/>
+            <a:ext cx="9173465" cy="9173465"/>
           </a:xfrm>
         </p:spPr>
       </p:pic>
+      <p:sp>
+        <p:nvSpPr>
+          <p:cNvPr id="2" name="Titel 1"/>
+          <p:cNvSpPr>
+            <a:spLocks noGrp="1"/>
+          </p:cNvSpPr>
+          <p:nvPr>
+            <p:ph type="title"/>
+          </p:nvPr>
+        </p:nvSpPr>
+        <p:spPr/>
+        <p:txBody>
+          <a:bodyPr/>
+          <a:lstStyle/>
+          <a:p>
+            <a:r>
+              <a:rPr lang="nl-NL" dirty="0"/>
+              <a:t>Raspberry Pi Zero W</a:t>
+            </a:r>
+          </a:p>
+        </p:txBody>
+      </p:sp>
       <p:sp>
         <p:nvSpPr>
           <p:cNvPr id="4" name="Tijdelijke aanduiding voor dianummer 3"/>
@@ -5636,8 +8221,8 @@
         </p:blipFill>
         <p:spPr>
           <a:xfrm>
-            <a:off x="2197958" y="8189024"/>
-            <a:ext cx="1444652" cy="1285740"/>
+            <a:off x="2650167" y="8438042"/>
+            <a:ext cx="1286566" cy="1145043"/>
           </a:xfrm>
           <a:prstGeom prst="rect">
             <a:avLst/>
@@ -5691,11 +8276,46 @@
           <a:p>
             <a:r>
               <a:rPr lang="nl-NL" dirty="0"/>
-              <a:t>Decawave DWM1001</a:t>
-            </a:r>
-          </a:p>
-        </p:txBody>
-      </p:sp>
+              <a:t>Power Supply</a:t>
+            </a:r>
+          </a:p>
+        </p:txBody>
+      </p:sp>
+      <p:pic>
+        <p:nvPicPr>
+          <p:cNvPr id="9" name="Content Placeholder 8" descr="A close up of a device&#10;&#10;Description generated with high confidence">
+            <a:extLst>
+              <a:ext uri="{FF2B5EF4-FFF2-40B4-BE49-F238E27FC236}">
+                <a16:creationId xmlns:a16="http://schemas.microsoft.com/office/drawing/2014/main" id="{09D4D258-2A4E-47BE-A0FA-7D46FCCA9AD1}"/>
+              </a:ext>
+            </a:extLst>
+          </p:cNvPr>
+          <p:cNvPicPr>
+            <a:picLocks noGrp="1" noChangeAspect="1"/>
+          </p:cNvPicPr>
+          <p:nvPr>
+            <p:ph idx="1"/>
+          </p:nvPr>
+        </p:nvPicPr>
+        <p:blipFill>
+          <a:blip r:embed="rId2">
+            <a:extLst>
+              <a:ext uri="{28A0092B-C50C-407E-A947-70E740481C1C}">
+                <a14:useLocalDpi xmlns:a14="http://schemas.microsoft.com/office/drawing/2010/main" val="0"/>
+              </a:ext>
+            </a:extLst>
+          </a:blip>
+          <a:stretch>
+            <a:fillRect/>
+          </a:stretch>
+        </p:blipFill>
+        <p:spPr>
+          <a:xfrm>
+            <a:off x="5496891" y="1744684"/>
+            <a:ext cx="6344891" cy="5569404"/>
+          </a:xfrm>
+        </p:spPr>
+      </p:pic>
       <p:sp>
         <p:nvSpPr>
           <p:cNvPr id="4" name="Tijdelijke aanduiding voor dianummer 3"/>
@@ -5714,6 +8334,117 @@
             <a:fld id="{7AE184E0-0BD4-4705-A12B-9B71DDE63301}" type="slidenum">
               <a:rPr lang="nl-BE" noProof="0" smtClean="0"/>
               <a:t>8</a:t>
+            </a:fld>
+            <a:endParaRPr lang="nl-BE" noProof="0" dirty="0"/>
+          </a:p>
+        </p:txBody>
+      </p:sp>
+      <p:pic>
+        <p:nvPicPr>
+          <p:cNvPr id="15" name="Picture 14" descr="A picture containing object&#10;&#10;Description generated with very high confidence">
+            <a:extLst>
+              <a:ext uri="{FF2B5EF4-FFF2-40B4-BE49-F238E27FC236}">
+                <a16:creationId xmlns:a16="http://schemas.microsoft.com/office/drawing/2014/main" id="{72913484-6477-4C49-BEF8-D6A02F2950D1}"/>
+              </a:ext>
+            </a:extLst>
+          </p:cNvPr>
+          <p:cNvPicPr>
+            <a:picLocks noChangeAspect="1"/>
+          </p:cNvPicPr>
+          <p:nvPr/>
+        </p:nvPicPr>
+        <p:blipFill>
+          <a:blip r:embed="rId3" cstate="print">
+            <a:extLst>
+              <a:ext uri="{28A0092B-C50C-407E-A947-70E740481C1C}">
+                <a14:useLocalDpi xmlns:a14="http://schemas.microsoft.com/office/drawing/2010/main" val="0"/>
+              </a:ext>
+            </a:extLst>
+          </a:blip>
+          <a:stretch>
+            <a:fillRect/>
+          </a:stretch>
+        </p:blipFill>
+        <p:spPr>
+          <a:xfrm>
+            <a:off x="2844931" y="8792258"/>
+            <a:ext cx="1958076" cy="651376"/>
+          </a:xfrm>
+          <a:prstGeom prst="rect">
+            <a:avLst/>
+          </a:prstGeom>
+        </p:spPr>
+      </p:pic>
+    </p:spTree>
+    <p:extLst>
+      <p:ext uri="{BB962C8B-B14F-4D97-AF65-F5344CB8AC3E}">
+        <p14:creationId xmlns:p14="http://schemas.microsoft.com/office/powerpoint/2010/main" val="1965786144"/>
+      </p:ext>
+    </p:extLst>
+  </p:cSld>
+  <p:clrMapOvr>
+    <a:masterClrMapping/>
+  </p:clrMapOvr>
+</p:sld>
+</file>
+
+<file path=ppt/slides/slide9.xml><?xml version="1.0" encoding="utf-8"?>
+<p:sld xmlns:a="http://schemas.openxmlformats.org/drawingml/2006/main" xmlns:r="http://schemas.openxmlformats.org/officeDocument/2006/relationships" xmlns:p="http://schemas.openxmlformats.org/presentationml/2006/main">
+  <p:cSld>
+    <p:spTree>
+      <p:nvGrpSpPr>
+        <p:cNvPr id="1" name=""/>
+        <p:cNvGrpSpPr/>
+        <p:nvPr/>
+      </p:nvGrpSpPr>
+      <p:grpSpPr>
+        <a:xfrm>
+          <a:off x="0" y="0"/>
+          <a:ext cx="0" cy="0"/>
+          <a:chOff x="0" y="0"/>
+          <a:chExt cx="0" cy="0"/>
+        </a:xfrm>
+      </p:grpSpPr>
+      <p:sp>
+        <p:nvSpPr>
+          <p:cNvPr id="2" name="Titel 1"/>
+          <p:cNvSpPr>
+            <a:spLocks noGrp="1"/>
+          </p:cNvSpPr>
+          <p:nvPr>
+            <p:ph type="title"/>
+          </p:nvPr>
+        </p:nvSpPr>
+        <p:spPr/>
+        <p:txBody>
+          <a:bodyPr/>
+          <a:lstStyle/>
+          <a:p>
+            <a:r>
+              <a:rPr lang="nl-NL" dirty="0"/>
+              <a:t>Decawave Dwm1001</a:t>
+            </a:r>
+          </a:p>
+        </p:txBody>
+      </p:sp>
+      <p:sp>
+        <p:nvSpPr>
+          <p:cNvPr id="4" name="Tijdelijke aanduiding voor dianummer 3"/>
+          <p:cNvSpPr>
+            <a:spLocks noGrp="1"/>
+          </p:cNvSpPr>
+          <p:nvPr>
+            <p:ph type="sldNum" sz="quarter" idx="12"/>
+          </p:nvPr>
+        </p:nvSpPr>
+        <p:spPr/>
+        <p:txBody>
+          <a:bodyPr/>
+          <a:lstStyle/>
+          <a:p>
+            <a:fld id="{7AE184E0-0BD4-4705-A12B-9B71DDE63301}" type="slidenum">
+              <a:rPr lang="nl-BE" noProof="0" smtClean="0"/>
+              <a:t>9</a:t>
             </a:fld>
             <a:endParaRPr lang="nl-BE" noProof="0" dirty="0"/>
           </a:p>
@@ -5747,8 +8478,8 @@
         </p:blipFill>
         <p:spPr>
           <a:xfrm>
-            <a:off x="2429692" y="8577674"/>
-            <a:ext cx="2873828" cy="630673"/>
+            <a:off x="2850713" y="8753882"/>
+            <a:ext cx="2645312" cy="580524"/>
           </a:xfrm>
           <a:prstGeom prst="rect">
             <a:avLst/>
@@ -5812,8 +8543,8 @@
         </p:blipFill>
         <p:spPr>
           <a:xfrm>
-            <a:off x="4278002" y="999718"/>
-            <a:ext cx="8809514" cy="6636501"/>
+            <a:off x="6295480" y="2798413"/>
+            <a:ext cx="4774558" cy="3596834"/>
           </a:xfrm>
         </p:spPr>
       </p:pic>
@@ -5821,152 +8552,6 @@
     <p:extLst>
       <p:ext uri="{BB962C8B-B14F-4D97-AF65-F5344CB8AC3E}">
         <p14:creationId xmlns:p14="http://schemas.microsoft.com/office/powerpoint/2010/main" val="479385273"/>
-      </p:ext>
-    </p:extLst>
-  </p:cSld>
-  <p:clrMapOvr>
-    <a:masterClrMapping/>
-  </p:clrMapOvr>
-</p:sld>
-</file>
-
-<file path=ppt/slides/slide9.xml><?xml version="1.0" encoding="utf-8"?>
-<p:sld xmlns:a="http://schemas.openxmlformats.org/drawingml/2006/main" xmlns:r="http://schemas.openxmlformats.org/officeDocument/2006/relationships" xmlns:p="http://schemas.openxmlformats.org/presentationml/2006/main">
-  <p:cSld>
-    <p:spTree>
-      <p:nvGrpSpPr>
-        <p:cNvPr id="1" name=""/>
-        <p:cNvGrpSpPr/>
-        <p:nvPr/>
-      </p:nvGrpSpPr>
-      <p:grpSpPr>
-        <a:xfrm>
-          <a:off x="0" y="0"/>
-          <a:ext cx="0" cy="0"/>
-          <a:chOff x="0" y="0"/>
-          <a:chExt cx="0" cy="0"/>
-        </a:xfrm>
-      </p:grpSpPr>
-      <p:sp>
-        <p:nvSpPr>
-          <p:cNvPr id="2" name="Titel 1"/>
-          <p:cNvSpPr>
-            <a:spLocks noGrp="1"/>
-          </p:cNvSpPr>
-          <p:nvPr>
-            <p:ph type="title"/>
-          </p:nvPr>
-        </p:nvSpPr>
-        <p:spPr/>
-        <p:txBody>
-          <a:bodyPr/>
-          <a:lstStyle/>
-          <a:p>
-            <a:r>
-              <a:rPr lang="nl-NL" dirty="0"/>
-              <a:t>Power Supply</a:t>
-            </a:r>
-          </a:p>
-        </p:txBody>
-      </p:sp>
-      <p:pic>
-        <p:nvPicPr>
-          <p:cNvPr id="9" name="Content Placeholder 8" descr="A close up of a device&#10;&#10;Description generated with high confidence">
-            <a:extLst>
-              <a:ext uri="{FF2B5EF4-FFF2-40B4-BE49-F238E27FC236}">
-                <a16:creationId xmlns:a16="http://schemas.microsoft.com/office/drawing/2014/main" id="{09D4D258-2A4E-47BE-A0FA-7D46FCCA9AD1}"/>
-              </a:ext>
-            </a:extLst>
-          </p:cNvPr>
-          <p:cNvPicPr>
-            <a:picLocks noGrp="1" noChangeAspect="1"/>
-          </p:cNvPicPr>
-          <p:nvPr>
-            <p:ph idx="1"/>
-          </p:nvPr>
-        </p:nvPicPr>
-        <p:blipFill>
-          <a:blip r:embed="rId2">
-            <a:extLst>
-              <a:ext uri="{28A0092B-C50C-407E-A947-70E740481C1C}">
-                <a14:useLocalDpi xmlns:a14="http://schemas.microsoft.com/office/drawing/2010/main" val="0"/>
-              </a:ext>
-            </a:extLst>
-          </a:blip>
-          <a:stretch>
-            <a:fillRect/>
-          </a:stretch>
-        </p:blipFill>
-        <p:spPr>
-          <a:xfrm>
-            <a:off x="4714509" y="999718"/>
-            <a:ext cx="8057994" cy="7073128"/>
-          </a:xfrm>
-        </p:spPr>
-      </p:pic>
-      <p:sp>
-        <p:nvSpPr>
-          <p:cNvPr id="4" name="Tijdelijke aanduiding voor dianummer 3"/>
-          <p:cNvSpPr>
-            <a:spLocks noGrp="1"/>
-          </p:cNvSpPr>
-          <p:nvPr>
-            <p:ph type="sldNum" sz="quarter" idx="12"/>
-          </p:nvPr>
-        </p:nvSpPr>
-        <p:spPr/>
-        <p:txBody>
-          <a:bodyPr/>
-          <a:lstStyle/>
-          <a:p>
-            <a:fld id="{7AE184E0-0BD4-4705-A12B-9B71DDE63301}" type="slidenum">
-              <a:rPr lang="nl-BE" noProof="0" smtClean="0"/>
-              <a:t>9</a:t>
-            </a:fld>
-            <a:endParaRPr lang="nl-BE" noProof="0" dirty="0"/>
-          </a:p>
-        </p:txBody>
-      </p:sp>
-      <p:pic>
-        <p:nvPicPr>
-          <p:cNvPr id="15" name="Picture 14" descr="A picture containing object&#10;&#10;Description generated with very high confidence">
-            <a:extLst>
-              <a:ext uri="{FF2B5EF4-FFF2-40B4-BE49-F238E27FC236}">
-                <a16:creationId xmlns:a16="http://schemas.microsoft.com/office/drawing/2014/main" id="{72913484-6477-4C49-BEF8-D6A02F2950D1}"/>
-              </a:ext>
-            </a:extLst>
-          </p:cNvPr>
-          <p:cNvPicPr>
-            <a:picLocks noChangeAspect="1"/>
-          </p:cNvPicPr>
-          <p:nvPr/>
-        </p:nvPicPr>
-        <p:blipFill>
-          <a:blip r:embed="rId3" cstate="print">
-            <a:extLst>
-              <a:ext uri="{28A0092B-C50C-407E-A947-70E740481C1C}">
-                <a14:useLocalDpi xmlns:a14="http://schemas.microsoft.com/office/drawing/2010/main" val="0"/>
-              </a:ext>
-            </a:extLst>
-          </a:blip>
-          <a:stretch>
-            <a:fillRect/>
-          </a:stretch>
-        </p:blipFill>
-        <p:spPr>
-          <a:xfrm>
-            <a:off x="2479169" y="8608423"/>
-            <a:ext cx="2073437" cy="689752"/>
-          </a:xfrm>
-          <a:prstGeom prst="rect">
-            <a:avLst/>
-          </a:prstGeom>
-        </p:spPr>
-      </p:pic>
-    </p:spTree>
-    <p:extLst>
-      <p:ext uri="{BB962C8B-B14F-4D97-AF65-F5344CB8AC3E}">
-        <p14:creationId xmlns:p14="http://schemas.microsoft.com/office/powerpoint/2010/main" val="1965786144"/>
       </p:ext>
     </p:extLst>
   </p:cSld>

--- a/VOP_Voorraadbeheer_Presentatie_1.pptx
+++ b/VOP_Voorraadbeheer_Presentatie_1.pptx
@@ -5,7 +5,7 @@
     <p:sldMasterId id="2147483660" r:id="rId1"/>
   </p:sldMasterIdLst>
   <p:notesMasterIdLst>
-    <p:notesMasterId r:id="rId22"/>
+    <p:notesMasterId r:id="rId25"/>
   </p:notesMasterIdLst>
   <p:sldIdLst>
     <p:sldId id="259" r:id="rId2"/>
@@ -17,17 +17,20 @@
     <p:sldId id="273" r:id="rId8"/>
     <p:sldId id="280" r:id="rId9"/>
     <p:sldId id="274" r:id="rId10"/>
-    <p:sldId id="283" r:id="rId11"/>
-    <p:sldId id="275" r:id="rId12"/>
-    <p:sldId id="282" r:id="rId13"/>
-    <p:sldId id="268" r:id="rId14"/>
-    <p:sldId id="281" r:id="rId15"/>
-    <p:sldId id="284" r:id="rId16"/>
-    <p:sldId id="285" r:id="rId17"/>
-    <p:sldId id="286" r:id="rId18"/>
-    <p:sldId id="269" r:id="rId19"/>
-    <p:sldId id="271" r:id="rId20"/>
-    <p:sldId id="266" r:id="rId21"/>
+    <p:sldId id="289" r:id="rId11"/>
+    <p:sldId id="288" r:id="rId12"/>
+    <p:sldId id="283" r:id="rId13"/>
+    <p:sldId id="275" r:id="rId14"/>
+    <p:sldId id="282" r:id="rId15"/>
+    <p:sldId id="268" r:id="rId16"/>
+    <p:sldId id="281" r:id="rId17"/>
+    <p:sldId id="284" r:id="rId18"/>
+    <p:sldId id="285" r:id="rId19"/>
+    <p:sldId id="286" r:id="rId20"/>
+    <p:sldId id="290" r:id="rId21"/>
+    <p:sldId id="269" r:id="rId22"/>
+    <p:sldId id="271" r:id="rId23"/>
+    <p:sldId id="266" r:id="rId24"/>
   </p:sldIdLst>
   <p:sldSz cx="17338675" cy="9753600"/>
   <p:notesSz cx="6858000" cy="9144000"/>
@@ -227,7 +230,7 @@
           <a:p>
             <a:fld id="{86680C0C-85DF-417F-8238-DB0D15743621}" type="datetimeFigureOut">
               <a:rPr lang="en-GB" smtClean="0"/>
-              <a:t>01/03/2018</a:t>
+              <a:t>04/03/2018</a:t>
             </a:fld>
             <a:endParaRPr lang="en-GB"/>
           </a:p>
@@ -386,7 +389,7 @@
           <a:p>
             <a:fld id="{539A0A48-EDB1-4AFE-B1B7-10CE2A416496}" type="slidenum">
               <a:rPr lang="en-GB" smtClean="0"/>
-              <a:t>‹#›</a:t>
+              <a:t>‹nr.›</a:t>
             </a:fld>
             <a:endParaRPr lang="en-GB"/>
           </a:p>
@@ -579,6 +582,195 @@
 </p:notes>
 </file>
 
+<file path=ppt/notesSlides/notesSlide10.xml><?xml version="1.0" encoding="utf-8"?>
+<p:notes xmlns:a="http://schemas.openxmlformats.org/drawingml/2006/main" xmlns:r="http://schemas.openxmlformats.org/officeDocument/2006/relationships" xmlns:p="http://schemas.openxmlformats.org/presentationml/2006/main">
+  <p:cSld>
+    <p:spTree>
+      <p:nvGrpSpPr>
+        <p:cNvPr id="1" name=""/>
+        <p:cNvGrpSpPr/>
+        <p:nvPr/>
+      </p:nvGrpSpPr>
+      <p:grpSpPr>
+        <a:xfrm>
+          <a:off x="0" y="0"/>
+          <a:ext cx="0" cy="0"/>
+          <a:chOff x="0" y="0"/>
+          <a:chExt cx="0" cy="0"/>
+        </a:xfrm>
+      </p:grpSpPr>
+      <p:sp>
+        <p:nvSpPr>
+          <p:cNvPr id="2" name="Tijdelijke aanduiding voor dia-afbeelding 1"/>
+          <p:cNvSpPr>
+            <a:spLocks noGrp="1" noRot="1" noChangeAspect="1"/>
+          </p:cNvSpPr>
+          <p:nvPr>
+            <p:ph type="sldImg"/>
+          </p:nvPr>
+        </p:nvSpPr>
+        <p:spPr/>
+      </p:sp>
+      <p:sp>
+        <p:nvSpPr>
+          <p:cNvPr id="3" name="Tijdelijke aanduiding voor notities 2"/>
+          <p:cNvSpPr>
+            <a:spLocks noGrp="1"/>
+          </p:cNvSpPr>
+          <p:nvPr>
+            <p:ph type="body" idx="1"/>
+          </p:nvPr>
+        </p:nvSpPr>
+        <p:spPr/>
+        <p:txBody>
+          <a:bodyPr/>
+          <a:lstStyle/>
+          <a:p>
+            <a:r>
+              <a:rPr lang="nl-BE" dirty="0"/>
+              <a:t>Wanneer de controller afstanden ontvangt tot gekende ankers, moeten we deze nog verwerken tot een locatie. Hiervoor kunnen we gebruik maken van een mosquitto server. UITLEG HIEROVER. </a:t>
+            </a:r>
+          </a:p>
+          <a:p>
+            <a:endParaRPr lang="nl-BE" dirty="0"/>
+          </a:p>
+          <a:p>
+            <a:r>
+              <a:rPr lang="nl-BE" dirty="0"/>
+              <a:t>Een ander belangrijk aspect buiten nauwkeurigheid, is de snelheid. We gaan dus ook een algoritme moeten schrijven die bepaalt op welke ankers hij zich basseert. Het zou een beetje over-kill zijn als hij alle ankers in het volledige magazijn aanspreekt voor zijn locatie. Een mogelijke manier zou zijn dat we op voorhand bepalen dat hij gebruik maakt van het anker waar hij zicht het dichts bij bevind en 3 ankers die zich in de buurt bevinden.</a:t>
+            </a:r>
+          </a:p>
+          <a:p>
+            <a:endParaRPr lang="nl-BE" dirty="0"/>
+          </a:p>
+          <a:p>
+            <a:r>
+              <a:rPr lang="nl-BE" dirty="0"/>
+              <a:t>Nog een extra ontwerp die we in rekening moeten houden is dat de servers enkel 2D ondersteunen, wat dus niet voldoet voor een drone die op verschillende hoogtes kan vliegen. Gelukkig zit er in de drone een ultrasone sensor ingebouw die zijn hoogte kan bepalen. </a:t>
+            </a:r>
+          </a:p>
+        </p:txBody>
+      </p:sp>
+      <p:sp>
+        <p:nvSpPr>
+          <p:cNvPr id="4" name="Tijdelijke aanduiding voor dianummer 3"/>
+          <p:cNvSpPr>
+            <a:spLocks noGrp="1"/>
+          </p:cNvSpPr>
+          <p:nvPr>
+            <p:ph type="sldNum" sz="quarter" idx="10"/>
+          </p:nvPr>
+        </p:nvSpPr>
+        <p:spPr/>
+        <p:txBody>
+          <a:bodyPr/>
+          <a:lstStyle/>
+          <a:p>
+            <a:fld id="{539A0A48-EDB1-4AFE-B1B7-10CE2A416496}" type="slidenum">
+              <a:rPr lang="en-GB" smtClean="0"/>
+              <a:t>19</a:t>
+            </a:fld>
+            <a:endParaRPr lang="en-GB"/>
+          </a:p>
+        </p:txBody>
+      </p:sp>
+    </p:spTree>
+    <p:extLst>
+      <p:ext uri="{BB962C8B-B14F-4D97-AF65-F5344CB8AC3E}">
+        <p14:creationId xmlns:p14="http://schemas.microsoft.com/office/powerpoint/2010/main" val="412580997"/>
+      </p:ext>
+    </p:extLst>
+  </p:cSld>
+  <p:clrMapOvr>
+    <a:masterClrMapping/>
+  </p:clrMapOvr>
+</p:notes>
+</file>
+
+<file path=ppt/notesSlides/notesSlide11.xml><?xml version="1.0" encoding="utf-8"?>
+<p:notes xmlns:a="http://schemas.openxmlformats.org/drawingml/2006/main" xmlns:r="http://schemas.openxmlformats.org/officeDocument/2006/relationships" xmlns:p="http://schemas.openxmlformats.org/presentationml/2006/main">
+  <p:cSld>
+    <p:spTree>
+      <p:nvGrpSpPr>
+        <p:cNvPr id="1" name=""/>
+        <p:cNvGrpSpPr/>
+        <p:nvPr/>
+      </p:nvGrpSpPr>
+      <p:grpSpPr>
+        <a:xfrm>
+          <a:off x="0" y="0"/>
+          <a:ext cx="0" cy="0"/>
+          <a:chOff x="0" y="0"/>
+          <a:chExt cx="0" cy="0"/>
+        </a:xfrm>
+      </p:grpSpPr>
+      <p:sp>
+        <p:nvSpPr>
+          <p:cNvPr id="2" name="Slide Image Placeholder 1"/>
+          <p:cNvSpPr>
+            <a:spLocks noGrp="1" noRot="1" noChangeAspect="1"/>
+          </p:cNvSpPr>
+          <p:nvPr>
+            <p:ph type="sldImg"/>
+          </p:nvPr>
+        </p:nvSpPr>
+        <p:spPr/>
+      </p:sp>
+      <p:sp>
+        <p:nvSpPr>
+          <p:cNvPr id="3" name="Notes Placeholder 2"/>
+          <p:cNvSpPr>
+            <a:spLocks noGrp="1"/>
+          </p:cNvSpPr>
+          <p:nvPr>
+            <p:ph type="body" idx="1"/>
+          </p:nvPr>
+        </p:nvSpPr>
+        <p:spPr/>
+        <p:txBody>
+          <a:bodyPr/>
+          <a:lstStyle/>
+          <a:p>
+            <a:endParaRPr lang="en-GB"/>
+          </a:p>
+        </p:txBody>
+      </p:sp>
+      <p:sp>
+        <p:nvSpPr>
+          <p:cNvPr id="4" name="Slide Number Placeholder 3"/>
+          <p:cNvSpPr>
+            <a:spLocks noGrp="1"/>
+          </p:cNvSpPr>
+          <p:nvPr>
+            <p:ph type="sldNum" sz="quarter" idx="10"/>
+          </p:nvPr>
+        </p:nvSpPr>
+        <p:spPr/>
+        <p:txBody>
+          <a:bodyPr/>
+          <a:lstStyle/>
+          <a:p>
+            <a:fld id="{539A0A48-EDB1-4AFE-B1B7-10CE2A416496}" type="slidenum">
+              <a:rPr lang="en-GB" smtClean="0"/>
+              <a:t>21</a:t>
+            </a:fld>
+            <a:endParaRPr lang="en-GB"/>
+          </a:p>
+        </p:txBody>
+      </p:sp>
+    </p:spTree>
+    <p:extLst>
+      <p:ext uri="{BB962C8B-B14F-4D97-AF65-F5344CB8AC3E}">
+        <p14:creationId xmlns:p14="http://schemas.microsoft.com/office/powerpoint/2010/main" val="3237113512"/>
+      </p:ext>
+    </p:extLst>
+  </p:cSld>
+  <p:clrMapOvr>
+    <a:masterClrMapping/>
+  </p:clrMapOvr>
+</p:notes>
+</file>
+
 <file path=ppt/notesSlides/notesSlide2.xml><?xml version="1.0" encoding="utf-8"?>
 <p:notes xmlns:a="http://schemas.openxmlformats.org/drawingml/2006/main" xmlns:r="http://schemas.openxmlformats.org/officeDocument/2006/relationships" xmlns:p="http://schemas.openxmlformats.org/presentationml/2006/main">
   <p:cSld>
@@ -598,7 +790,7 @@
       </p:grpSpPr>
       <p:sp>
         <p:nvSpPr>
-          <p:cNvPr id="2" name="Slide Image Placeholder 1"/>
+          <p:cNvPr id="2" name="Tijdelijke aanduiding voor dia-afbeelding 1"/>
           <p:cNvSpPr>
             <a:spLocks noGrp="1" noRot="1" noChangeAspect="1"/>
           </p:cNvSpPr>
@@ -610,7 +802,7 @@
       </p:sp>
       <p:sp>
         <p:nvSpPr>
-          <p:cNvPr id="3" name="Notes Placeholder 2"/>
+          <p:cNvPr id="3" name="Tijdelijke aanduiding voor notities 2"/>
           <p:cNvSpPr>
             <a:spLocks noGrp="1"/>
           </p:cNvSpPr>
@@ -623,13 +815,34 @@
           <a:bodyPr/>
           <a:lstStyle/>
           <a:p>
-            <a:endParaRPr lang="en-GB"/>
-          </a:p>
-        </p:txBody>
-      </p:sp>
-      <p:sp>
-        <p:nvSpPr>
-          <p:cNvPr id="4" name="Slide Number Placeholder 3"/>
+            <a:r>
+              <a:rPr lang="nl-BE" dirty="0"/>
+              <a:t>Voorraden beheren in een magazijn. Traditioneel gebeurd dit door werknemers die op een vork- of schaarlift handmatig de barcodes inscannen. Zoals je wel kan aanvoelen is dat een zeer langzame, dure en gevaarlijke aanpak. Een kosteneffectievere oplossing is door gebruik te maken van automatisch aangestuurde drones die met een camera de barcodes kunnen inscannen. </a:t>
+            </a:r>
+          </a:p>
+          <a:p>
+            <a:endParaRPr lang="nl-BE" dirty="0"/>
+          </a:p>
+          <a:p>
+            <a:r>
+              <a:rPr lang="nl-BE" dirty="0"/>
+              <a:t>Voor ons VOP gaan wij proberen om een basis te leggen voor dit systeem. In eerste instantie willen wij autonoom een drone een vooraf bepaalde route laten vliegen in een magazijn. In tweede instantie willen we graag het systeem uitbreiden naar meerdere drones die zonder accidenten door elkaar kunnen laten vliegen om zo het proces te versnellen, of grotere magazijnen te onderhouden.</a:t>
+            </a:r>
+          </a:p>
+          <a:p>
+            <a:endParaRPr lang="nl-BE" dirty="0"/>
+          </a:p>
+          <a:p>
+            <a:r>
+              <a:rPr lang="nl-BE" dirty="0"/>
+              <a:t>Om dit tot een goed einde te kunne brengen, hebben we reeds al een aantal hardware keuzes gemaakt, die we nu eerst verder gaan toelichten.</a:t>
+            </a:r>
+          </a:p>
+        </p:txBody>
+      </p:sp>
+      <p:sp>
+        <p:nvSpPr>
+          <p:cNvPr id="4" name="Tijdelijke aanduiding voor dianummer 3"/>
           <p:cNvSpPr>
             <a:spLocks noGrp="1"/>
           </p:cNvSpPr>
@@ -644,7 +857,7 @@
           <a:p>
             <a:fld id="{539A0A48-EDB1-4AFE-B1B7-10CE2A416496}" type="slidenum">
               <a:rPr lang="en-GB" smtClean="0"/>
-              <a:t>5</a:t>
+              <a:t>4</a:t>
             </a:fld>
             <a:endParaRPr lang="en-GB"/>
           </a:p>
@@ -653,7 +866,7 @@
     </p:spTree>
     <p:extLst>
       <p:ext uri="{BB962C8B-B14F-4D97-AF65-F5344CB8AC3E}">
-        <p14:creationId xmlns:p14="http://schemas.microsoft.com/office/powerpoint/2010/main" val="2775425252"/>
+        <p14:creationId xmlns:p14="http://schemas.microsoft.com/office/powerpoint/2010/main" val="2541877905"/>
       </p:ext>
     </p:extLst>
   </p:cSld>
@@ -728,7 +941,7 @@
           <a:p>
             <a:fld id="{539A0A48-EDB1-4AFE-B1B7-10CE2A416496}" type="slidenum">
               <a:rPr lang="en-GB" smtClean="0"/>
-              <a:t>13</a:t>
+              <a:t>5</a:t>
             </a:fld>
             <a:endParaRPr lang="en-GB"/>
           </a:p>
@@ -737,7 +950,7 @@
     </p:spTree>
     <p:extLst>
       <p:ext uri="{BB962C8B-B14F-4D97-AF65-F5344CB8AC3E}">
-        <p14:creationId xmlns:p14="http://schemas.microsoft.com/office/powerpoint/2010/main" val="2596642095"/>
+        <p14:creationId xmlns:p14="http://schemas.microsoft.com/office/powerpoint/2010/main" val="2775425252"/>
       </p:ext>
     </p:extLst>
   </p:cSld>
@@ -766,7 +979,7 @@
       </p:grpSpPr>
       <p:sp>
         <p:nvSpPr>
-          <p:cNvPr id="2" name="Slide Image Placeholder 1"/>
+          <p:cNvPr id="2" name="Tijdelijke aanduiding voor dia-afbeelding 1"/>
           <p:cNvSpPr>
             <a:spLocks noGrp="1" noRot="1" noChangeAspect="1"/>
           </p:cNvSpPr>
@@ -778,7 +991,7 @@
       </p:sp>
       <p:sp>
         <p:nvSpPr>
-          <p:cNvPr id="3" name="Notes Placeholder 2"/>
+          <p:cNvPr id="3" name="Tijdelijke aanduiding voor notities 2"/>
           <p:cNvSpPr>
             <a:spLocks noGrp="1"/>
           </p:cNvSpPr>
@@ -791,13 +1004,16 @@
           <a:bodyPr/>
           <a:lstStyle/>
           <a:p>
-            <a:endParaRPr lang="en-GB"/>
-          </a:p>
-        </p:txBody>
-      </p:sp>
-      <p:sp>
-        <p:nvSpPr>
-          <p:cNvPr id="4" name="Slide Number Placeholder 3"/>
+            <a:r>
+              <a:rPr lang="nl-BE" dirty="0"/>
+              <a:t>Camera = bruikbaar voor de barcodes te scannen, maar daar houden we ons nog niet mee bezig</a:t>
+            </a:r>
+          </a:p>
+        </p:txBody>
+      </p:sp>
+      <p:sp>
+        <p:nvSpPr>
+          <p:cNvPr id="4" name="Tijdelijke aanduiding voor dianummer 3"/>
           <p:cNvSpPr>
             <a:spLocks noGrp="1"/>
           </p:cNvSpPr>
@@ -812,7 +1028,7 @@
           <a:p>
             <a:fld id="{539A0A48-EDB1-4AFE-B1B7-10CE2A416496}" type="slidenum">
               <a:rPr lang="en-GB" smtClean="0"/>
-              <a:t>18</a:t>
+              <a:t>6</a:t>
             </a:fld>
             <a:endParaRPr lang="en-GB"/>
           </a:p>
@@ -821,7 +1037,457 @@
     </p:spTree>
     <p:extLst>
       <p:ext uri="{BB962C8B-B14F-4D97-AF65-F5344CB8AC3E}">
-        <p14:creationId xmlns:p14="http://schemas.microsoft.com/office/powerpoint/2010/main" val="3237113512"/>
+        <p14:creationId xmlns:p14="http://schemas.microsoft.com/office/powerpoint/2010/main" val="3829383229"/>
+      </p:ext>
+    </p:extLst>
+  </p:cSld>
+  <p:clrMapOvr>
+    <a:masterClrMapping/>
+  </p:clrMapOvr>
+</p:notes>
+</file>
+
+<file path=ppt/notesSlides/notesSlide5.xml><?xml version="1.0" encoding="utf-8"?>
+<p:notes xmlns:a="http://schemas.openxmlformats.org/drawingml/2006/main" xmlns:r="http://schemas.openxmlformats.org/officeDocument/2006/relationships" xmlns:p="http://schemas.openxmlformats.org/presentationml/2006/main">
+  <p:cSld>
+    <p:spTree>
+      <p:nvGrpSpPr>
+        <p:cNvPr id="1" name=""/>
+        <p:cNvGrpSpPr/>
+        <p:nvPr/>
+      </p:nvGrpSpPr>
+      <p:grpSpPr>
+        <a:xfrm>
+          <a:off x="0" y="0"/>
+          <a:ext cx="0" cy="0"/>
+          <a:chOff x="0" y="0"/>
+          <a:chExt cx="0" cy="0"/>
+        </a:xfrm>
+      </p:grpSpPr>
+      <p:sp>
+        <p:nvSpPr>
+          <p:cNvPr id="2" name="Tijdelijke aanduiding voor dia-afbeelding 1"/>
+          <p:cNvSpPr>
+            <a:spLocks noGrp="1" noRot="1" noChangeAspect="1"/>
+          </p:cNvSpPr>
+          <p:nvPr>
+            <p:ph type="sldImg"/>
+          </p:nvPr>
+        </p:nvSpPr>
+        <p:spPr/>
+      </p:sp>
+      <p:sp>
+        <p:nvSpPr>
+          <p:cNvPr id="3" name="Tijdelijke aanduiding voor notities 2"/>
+          <p:cNvSpPr>
+            <a:spLocks noGrp="1"/>
+          </p:cNvSpPr>
+          <p:nvPr>
+            <p:ph type="body" idx="1"/>
+          </p:nvPr>
+        </p:nvSpPr>
+        <p:spPr/>
+        <p:txBody>
+          <a:bodyPr/>
+          <a:lstStyle/>
+          <a:p>
+            <a:r>
+              <a:rPr lang="nl-BE" dirty="0"/>
+              <a:t>Kleine computer</a:t>
+            </a:r>
+          </a:p>
+        </p:txBody>
+      </p:sp>
+      <p:sp>
+        <p:nvSpPr>
+          <p:cNvPr id="4" name="Tijdelijke aanduiding voor dianummer 3"/>
+          <p:cNvSpPr>
+            <a:spLocks noGrp="1"/>
+          </p:cNvSpPr>
+          <p:nvPr>
+            <p:ph type="sldNum" sz="quarter" idx="10"/>
+          </p:nvPr>
+        </p:nvSpPr>
+        <p:spPr/>
+        <p:txBody>
+          <a:bodyPr/>
+          <a:lstStyle/>
+          <a:p>
+            <a:fld id="{539A0A48-EDB1-4AFE-B1B7-10CE2A416496}" type="slidenum">
+              <a:rPr lang="en-GB" smtClean="0"/>
+              <a:t>7</a:t>
+            </a:fld>
+            <a:endParaRPr lang="en-GB"/>
+          </a:p>
+        </p:txBody>
+      </p:sp>
+    </p:spTree>
+    <p:extLst>
+      <p:ext uri="{BB962C8B-B14F-4D97-AF65-F5344CB8AC3E}">
+        <p14:creationId xmlns:p14="http://schemas.microsoft.com/office/powerpoint/2010/main" val="2945000398"/>
+      </p:ext>
+    </p:extLst>
+  </p:cSld>
+  <p:clrMapOvr>
+    <a:masterClrMapping/>
+  </p:clrMapOvr>
+</p:notes>
+</file>
+
+<file path=ppt/notesSlides/notesSlide6.xml><?xml version="1.0" encoding="utf-8"?>
+<p:notes xmlns:a="http://schemas.openxmlformats.org/drawingml/2006/main" xmlns:r="http://schemas.openxmlformats.org/officeDocument/2006/relationships" xmlns:p="http://schemas.openxmlformats.org/presentationml/2006/main">
+  <p:cSld>
+    <p:spTree>
+      <p:nvGrpSpPr>
+        <p:cNvPr id="1" name=""/>
+        <p:cNvGrpSpPr/>
+        <p:nvPr/>
+      </p:nvGrpSpPr>
+      <p:grpSpPr>
+        <a:xfrm>
+          <a:off x="0" y="0"/>
+          <a:ext cx="0" cy="0"/>
+          <a:chOff x="0" y="0"/>
+          <a:chExt cx="0" cy="0"/>
+        </a:xfrm>
+      </p:grpSpPr>
+      <p:sp>
+        <p:nvSpPr>
+          <p:cNvPr id="2" name="Tijdelijke aanduiding voor dia-afbeelding 1"/>
+          <p:cNvSpPr>
+            <a:spLocks noGrp="1" noRot="1" noChangeAspect="1"/>
+          </p:cNvSpPr>
+          <p:nvPr>
+            <p:ph type="sldImg"/>
+          </p:nvPr>
+        </p:nvSpPr>
+        <p:spPr/>
+      </p:sp>
+      <p:sp>
+        <p:nvSpPr>
+          <p:cNvPr id="3" name="Tijdelijke aanduiding voor notities 2"/>
+          <p:cNvSpPr>
+            <a:spLocks noGrp="1"/>
+          </p:cNvSpPr>
+          <p:nvPr>
+            <p:ph type="body" idx="1"/>
+          </p:nvPr>
+        </p:nvSpPr>
+        <p:spPr/>
+        <p:txBody>
+          <a:bodyPr/>
+          <a:lstStyle/>
+          <a:p>
+            <a:r>
+              <a:rPr lang="nl-BE" dirty="0"/>
+              <a:t>In theorie is het mogelijk om de drone op een gekende locatie te laten vertrekken en een voorgeprogrameerde route mee te geven. In de praktijk gaat dat zeker en vast voor problemen zorgen. Denk maar bijvoorbeeld aan een ongekend obstakel dat plots het pad kruist van de drone, of een ventilatieschacht die hem uit positie blaats. Daarom is het dus nodig dat we steeds weten waar de drone zicht bevind in de ruimte. Wanneer we kijken naar bekende localisatie algoritmen zoals gps, wifi en bluetooth, merken we dat deze veel te onnauwkeurig zijn voor onze toepassing. Als we een drone tussen 2 rekken met een doorgang van 2meter willen laten vliegen, dan zouden we graag iets nauwkeuriger willer weten dan wat deze signalen aankunnen. </a:t>
+            </a:r>
+          </a:p>
+          <a:p>
+            <a:endParaRPr lang="nl-BE" dirty="0"/>
+          </a:p>
+          <a:p>
+            <a:r>
+              <a:rPr lang="nl-BE" dirty="0"/>
+              <a:t>Ultra Wide Band voldoet aan onze noden. Dit is een nog vrij recente techniek die ons een nauwkeurigheid in de grootteorde van 10cm kan geven, wat normaal wel voldoende is om onze drone indoor te kunnen lokaliseren.</a:t>
+            </a:r>
+          </a:p>
+        </p:txBody>
+      </p:sp>
+      <p:sp>
+        <p:nvSpPr>
+          <p:cNvPr id="4" name="Tijdelijke aanduiding voor dianummer 3"/>
+          <p:cNvSpPr>
+            <a:spLocks noGrp="1"/>
+          </p:cNvSpPr>
+          <p:nvPr>
+            <p:ph type="sldNum" sz="quarter" idx="10"/>
+          </p:nvPr>
+        </p:nvSpPr>
+        <p:spPr/>
+        <p:txBody>
+          <a:bodyPr/>
+          <a:lstStyle/>
+          <a:p>
+            <a:fld id="{539A0A48-EDB1-4AFE-B1B7-10CE2A416496}" type="slidenum">
+              <a:rPr lang="en-GB" smtClean="0"/>
+              <a:t>10</a:t>
+            </a:fld>
+            <a:endParaRPr lang="en-GB"/>
+          </a:p>
+        </p:txBody>
+      </p:sp>
+    </p:spTree>
+    <p:extLst>
+      <p:ext uri="{BB962C8B-B14F-4D97-AF65-F5344CB8AC3E}">
+        <p14:creationId xmlns:p14="http://schemas.microsoft.com/office/powerpoint/2010/main" val="3176631790"/>
+      </p:ext>
+    </p:extLst>
+  </p:cSld>
+  <p:clrMapOvr>
+    <a:masterClrMapping/>
+  </p:clrMapOvr>
+</p:notes>
+</file>
+
+<file path=ppt/notesSlides/notesSlide7.xml><?xml version="1.0" encoding="utf-8"?>
+<p:notes xmlns:a="http://schemas.openxmlformats.org/drawingml/2006/main" xmlns:r="http://schemas.openxmlformats.org/officeDocument/2006/relationships" xmlns:p="http://schemas.openxmlformats.org/presentationml/2006/main">
+  <p:cSld>
+    <p:spTree>
+      <p:nvGrpSpPr>
+        <p:cNvPr id="1" name=""/>
+        <p:cNvGrpSpPr/>
+        <p:nvPr/>
+      </p:nvGrpSpPr>
+      <p:grpSpPr>
+        <a:xfrm>
+          <a:off x="0" y="0"/>
+          <a:ext cx="0" cy="0"/>
+          <a:chOff x="0" y="0"/>
+          <a:chExt cx="0" cy="0"/>
+        </a:xfrm>
+      </p:grpSpPr>
+      <p:sp>
+        <p:nvSpPr>
+          <p:cNvPr id="2" name="Tijdelijke aanduiding voor dia-afbeelding 1"/>
+          <p:cNvSpPr>
+            <a:spLocks noGrp="1" noRot="1" noChangeAspect="1"/>
+          </p:cNvSpPr>
+          <p:nvPr>
+            <p:ph type="sldImg"/>
+          </p:nvPr>
+        </p:nvSpPr>
+        <p:spPr/>
+      </p:sp>
+      <p:sp>
+        <p:nvSpPr>
+          <p:cNvPr id="3" name="Tijdelijke aanduiding voor notities 2"/>
+          <p:cNvSpPr>
+            <a:spLocks noGrp="1"/>
+          </p:cNvSpPr>
+          <p:nvPr>
+            <p:ph type="body" idx="1"/>
+          </p:nvPr>
+        </p:nvSpPr>
+        <p:spPr/>
+        <p:txBody>
+          <a:bodyPr/>
+          <a:lstStyle/>
+          <a:p>
+            <a:r>
+              <a:rPr lang="nl-BE" dirty="0"/>
+              <a:t>Om deze lokatiebepaling te kunnen doen via UWB hebben we twee verschillende hardware componenten op het oog, de Pozyx en de Decawave. In de eerste fase maken we gebruik van het pozyx-systeem. Dit bestaat uit een tag die we samen met de raspberry aan de drone kunnen bevestigen en verschillende anker nodes die op gekende locaties in het gebouw worden opgehangen. De tag kan dan om de buurt de verschillende ankers aanspreken, en vragen hoever hij van hen verwijderd is. Wanneer er enkele afstanden gekend zijn, kan hij zijn locatie bepalen ten opzichte van de ankers. </a:t>
+            </a:r>
+          </a:p>
+          <a:p>
+            <a:endParaRPr lang="nl-BE" dirty="0"/>
+          </a:p>
+          <a:p>
+            <a:r>
+              <a:rPr lang="nl-BE" dirty="0"/>
+              <a:t>Een andere component die we op het oog hebben, is de Decawave DWM-1001 deze bevat dezelfde UWB chip, maar is goedkoper, compacter, en lichter dan de pozyx. Voor de drone die we hebben aangekocht, speelt het gewichtsverschil niet echt een probleem. We moeten wel in het achterhoofd houden dat als we meer massa toevoegen, hij stabiliteit en vlieguren, minuten, gaat verliezen. De reden dat we niet rechtstreeks hier mee aan de slag gaan is omdat er eerst nog onderzocht wordt of het technisch wel haalbaar is om makkelijk met de chip te communiceren, wat dan wel eenvoudiger is bij de pozyx.</a:t>
+            </a:r>
+          </a:p>
+        </p:txBody>
+      </p:sp>
+      <p:sp>
+        <p:nvSpPr>
+          <p:cNvPr id="4" name="Tijdelijke aanduiding voor dianummer 3"/>
+          <p:cNvSpPr>
+            <a:spLocks noGrp="1"/>
+          </p:cNvSpPr>
+          <p:nvPr>
+            <p:ph type="sldNum" sz="quarter" idx="10"/>
+          </p:nvPr>
+        </p:nvSpPr>
+        <p:spPr/>
+        <p:txBody>
+          <a:bodyPr/>
+          <a:lstStyle/>
+          <a:p>
+            <a:fld id="{539A0A48-EDB1-4AFE-B1B7-10CE2A416496}" type="slidenum">
+              <a:rPr lang="en-GB" smtClean="0"/>
+              <a:t>11</a:t>
+            </a:fld>
+            <a:endParaRPr lang="en-GB"/>
+          </a:p>
+        </p:txBody>
+      </p:sp>
+    </p:spTree>
+    <p:extLst>
+      <p:ext uri="{BB962C8B-B14F-4D97-AF65-F5344CB8AC3E}">
+        <p14:creationId xmlns:p14="http://schemas.microsoft.com/office/powerpoint/2010/main" val="2418677896"/>
+      </p:ext>
+    </p:extLst>
+  </p:cSld>
+  <p:clrMapOvr>
+    <a:masterClrMapping/>
+  </p:clrMapOvr>
+</p:notes>
+</file>
+
+<file path=ppt/notesSlides/notesSlide8.xml><?xml version="1.0" encoding="utf-8"?>
+<p:notes xmlns:a="http://schemas.openxmlformats.org/drawingml/2006/main" xmlns:r="http://schemas.openxmlformats.org/officeDocument/2006/relationships" xmlns:p="http://schemas.openxmlformats.org/presentationml/2006/main">
+  <p:cSld>
+    <p:spTree>
+      <p:nvGrpSpPr>
+        <p:cNvPr id="1" name=""/>
+        <p:cNvGrpSpPr/>
+        <p:nvPr/>
+      </p:nvGrpSpPr>
+      <p:grpSpPr>
+        <a:xfrm>
+          <a:off x="0" y="0"/>
+          <a:ext cx="0" cy="0"/>
+          <a:chOff x="0" y="0"/>
+          <a:chExt cx="0" cy="0"/>
+        </a:xfrm>
+      </p:grpSpPr>
+      <p:sp>
+        <p:nvSpPr>
+          <p:cNvPr id="2" name="Slide Image Placeholder 1"/>
+          <p:cNvSpPr>
+            <a:spLocks noGrp="1" noRot="1" noChangeAspect="1"/>
+          </p:cNvSpPr>
+          <p:nvPr>
+            <p:ph type="sldImg"/>
+          </p:nvPr>
+        </p:nvSpPr>
+        <p:spPr/>
+      </p:sp>
+      <p:sp>
+        <p:nvSpPr>
+          <p:cNvPr id="3" name="Notes Placeholder 2"/>
+          <p:cNvSpPr>
+            <a:spLocks noGrp="1"/>
+          </p:cNvSpPr>
+          <p:nvPr>
+            <p:ph type="body" idx="1"/>
+          </p:nvPr>
+        </p:nvSpPr>
+        <p:spPr/>
+        <p:txBody>
+          <a:bodyPr/>
+          <a:lstStyle/>
+          <a:p>
+            <a:endParaRPr lang="en-GB"/>
+          </a:p>
+        </p:txBody>
+      </p:sp>
+      <p:sp>
+        <p:nvSpPr>
+          <p:cNvPr id="4" name="Slide Number Placeholder 3"/>
+          <p:cNvSpPr>
+            <a:spLocks noGrp="1"/>
+          </p:cNvSpPr>
+          <p:nvPr>
+            <p:ph type="sldNum" sz="quarter" idx="10"/>
+          </p:nvPr>
+        </p:nvSpPr>
+        <p:spPr/>
+        <p:txBody>
+          <a:bodyPr/>
+          <a:lstStyle/>
+          <a:p>
+            <a:fld id="{539A0A48-EDB1-4AFE-B1B7-10CE2A416496}" type="slidenum">
+              <a:rPr lang="en-GB" smtClean="0"/>
+              <a:t>15</a:t>
+            </a:fld>
+            <a:endParaRPr lang="en-GB"/>
+          </a:p>
+        </p:txBody>
+      </p:sp>
+    </p:spTree>
+    <p:extLst>
+      <p:ext uri="{BB962C8B-B14F-4D97-AF65-F5344CB8AC3E}">
+        <p14:creationId xmlns:p14="http://schemas.microsoft.com/office/powerpoint/2010/main" val="2596642095"/>
+      </p:ext>
+    </p:extLst>
+  </p:cSld>
+  <p:clrMapOvr>
+    <a:masterClrMapping/>
+  </p:clrMapOvr>
+</p:notes>
+</file>
+
+<file path=ppt/notesSlides/notesSlide9.xml><?xml version="1.0" encoding="utf-8"?>
+<p:notes xmlns:a="http://schemas.openxmlformats.org/drawingml/2006/main" xmlns:r="http://schemas.openxmlformats.org/officeDocument/2006/relationships" xmlns:p="http://schemas.openxmlformats.org/presentationml/2006/main">
+  <p:cSld>
+    <p:spTree>
+      <p:nvGrpSpPr>
+        <p:cNvPr id="1" name=""/>
+        <p:cNvGrpSpPr/>
+        <p:nvPr/>
+      </p:nvGrpSpPr>
+      <p:grpSpPr>
+        <a:xfrm>
+          <a:off x="0" y="0"/>
+          <a:ext cx="0" cy="0"/>
+          <a:chOff x="0" y="0"/>
+          <a:chExt cx="0" cy="0"/>
+        </a:xfrm>
+      </p:grpSpPr>
+      <p:sp>
+        <p:nvSpPr>
+          <p:cNvPr id="2" name="Tijdelijke aanduiding voor dia-afbeelding 1"/>
+          <p:cNvSpPr>
+            <a:spLocks noGrp="1" noRot="1" noChangeAspect="1"/>
+          </p:cNvSpPr>
+          <p:nvPr>
+            <p:ph type="sldImg"/>
+          </p:nvPr>
+        </p:nvSpPr>
+        <p:spPr/>
+      </p:sp>
+      <p:sp>
+        <p:nvSpPr>
+          <p:cNvPr id="3" name="Tijdelijke aanduiding voor notities 2"/>
+          <p:cNvSpPr>
+            <a:spLocks noGrp="1"/>
+          </p:cNvSpPr>
+          <p:nvPr>
+            <p:ph type="body" idx="1"/>
+          </p:nvPr>
+        </p:nvSpPr>
+        <p:spPr/>
+        <p:txBody>
+          <a:bodyPr/>
+          <a:lstStyle/>
+          <a:p>
+            <a:r>
+              <a:rPr lang="nl-BE" dirty="0"/>
+              <a:t>Tijd om technisch uit te leggen?</a:t>
+            </a:r>
+          </a:p>
+        </p:txBody>
+      </p:sp>
+      <p:sp>
+        <p:nvSpPr>
+          <p:cNvPr id="4" name="Tijdelijke aanduiding voor dianummer 3"/>
+          <p:cNvSpPr>
+            <a:spLocks noGrp="1"/>
+          </p:cNvSpPr>
+          <p:nvPr>
+            <p:ph type="sldNum" sz="quarter" idx="10"/>
+          </p:nvPr>
+        </p:nvSpPr>
+        <p:spPr/>
+        <p:txBody>
+          <a:bodyPr/>
+          <a:lstStyle/>
+          <a:p>
+            <a:fld id="{539A0A48-EDB1-4AFE-B1B7-10CE2A416496}" type="slidenum">
+              <a:rPr lang="en-GB" smtClean="0"/>
+              <a:t>17</a:t>
+            </a:fld>
+            <a:endParaRPr lang="en-GB"/>
+          </a:p>
+        </p:txBody>
+      </p:sp>
+    </p:spTree>
+    <p:extLst>
+      <p:ext uri="{BB962C8B-B14F-4D97-AF65-F5344CB8AC3E}">
+        <p14:creationId xmlns:p14="http://schemas.microsoft.com/office/powerpoint/2010/main" val="2297156807"/>
       </p:ext>
     </p:extLst>
   </p:cSld>
@@ -865,7 +1531,7 @@
           <a:p>
             <a:fld id="{5A24147F-ED97-47AF-A1B3-C82A179CF7F3}" type="datetime1">
               <a:rPr lang="nl-NL" smtClean="0"/>
-              <a:t>1-3-2018</a:t>
+              <a:t>04-03-18</a:t>
             </a:fld>
             <a:endParaRPr lang="en-GB"/>
           </a:p>
@@ -907,7 +1573,7 @@
           <a:p>
             <a:fld id="{7AE184E0-0BD4-4705-A12B-9B71DDE63301}" type="slidenum">
               <a:rPr lang="en-GB" smtClean="0"/>
-              <a:t>‹#›</a:t>
+              <a:t>‹nr.›</a:t>
             </a:fld>
             <a:endParaRPr lang="en-GB"/>
           </a:p>
@@ -1690,7 +2356,7 @@
             <a:fld id="{7AE184E0-0BD4-4705-A12B-9B71DDE63301}" type="slidenum">
               <a:rPr lang="nl-BE" noProof="0" smtClean="0"/>
               <a:pPr/>
-              <a:t>‹#›</a:t>
+              <a:t>‹nr.›</a:t>
             </a:fld>
             <a:endParaRPr lang="nl-BE" noProof="0" dirty="0"/>
           </a:p>
@@ -1943,7 +2609,7 @@
           <a:p>
             <a:fld id="{25470885-0B31-4E06-AE71-7E16801F2838}" type="datetime1">
               <a:rPr lang="nl-BE" noProof="0" smtClean="0"/>
-              <a:t>1/03/2018</a:t>
+              <a:t>4/03/18</a:t>
             </a:fld>
             <a:endParaRPr lang="nl-BE" noProof="0" dirty="0"/>
           </a:p>
@@ -1985,7 +2651,7 @@
           <a:p>
             <a:fld id="{7AE184E0-0BD4-4705-A12B-9B71DDE63301}" type="slidenum">
               <a:rPr lang="nl-BE" noProof="0" smtClean="0"/>
-              <a:t>‹#›</a:t>
+              <a:t>‹nr.›</a:t>
             </a:fld>
             <a:endParaRPr lang="nl-BE" noProof="0" dirty="0"/>
           </a:p>
@@ -2061,7 +2727,7 @@
           <a:p>
             <a:fld id="{E7410F60-8C93-4C37-B51A-4DDAE36F7E9B}" type="datetime1">
               <a:rPr lang="nl-BE" noProof="0" smtClean="0"/>
-              <a:t>1/03/2018</a:t>
+              <a:t>4/03/18</a:t>
             </a:fld>
             <a:endParaRPr lang="nl-BE" noProof="0" dirty="0"/>
           </a:p>
@@ -2158,7 +2824,7 @@
             <a:fld id="{7AE184E0-0BD4-4705-A12B-9B71DDE63301}" type="slidenum">
               <a:rPr lang="nl-BE" noProof="0" smtClean="0"/>
               <a:pPr/>
-              <a:t>‹#›</a:t>
+              <a:t>‹nr.›</a:t>
             </a:fld>
             <a:endParaRPr lang="nl-BE" noProof="0" dirty="0"/>
           </a:p>
@@ -2340,7 +3006,7 @@
           <a:p>
             <a:fld id="{656594B6-17DF-4759-A7A5-128AFEA77F2C}" type="datetime1">
               <a:rPr lang="nl-BE" noProof="0" smtClean="0"/>
-              <a:t>1/03/2018</a:t>
+              <a:t>4/03/18</a:t>
             </a:fld>
             <a:endParaRPr lang="nl-BE" noProof="0" dirty="0"/>
           </a:p>
@@ -2382,7 +3048,7 @@
           <a:p>
             <a:fld id="{7AE184E0-0BD4-4705-A12B-9B71DDE63301}" type="slidenum">
               <a:rPr lang="nl-BE" noProof="0" smtClean="0"/>
-              <a:t>‹#›</a:t>
+              <a:t>‹nr.›</a:t>
             </a:fld>
             <a:endParaRPr lang="nl-BE" noProof="0" dirty="0"/>
           </a:p>
@@ -2481,7 +3147,7 @@
           <a:p>
             <a:fld id="{66A81384-1200-4D40-BEF0-3A17A1F906F4}" type="datetime1">
               <a:rPr lang="nl-NL" noProof="0" smtClean="0"/>
-              <a:t>1-3-2018</a:t>
+              <a:t>04-03-18</a:t>
             </a:fld>
             <a:endParaRPr lang="nl-NL" noProof="0" dirty="0"/>
           </a:p>
@@ -3022,7 +3688,7 @@
           <a:p>
             <a:fld id="{FA870D1A-A3AB-4E9F-892E-C45B5A80FDBF}" type="datetime1">
               <a:rPr lang="nl-BE" noProof="0" smtClean="0"/>
-              <a:t>1/03/2018</a:t>
+              <a:t>4/03/18</a:t>
             </a:fld>
             <a:endParaRPr lang="nl-BE" noProof="0" dirty="0"/>
           </a:p>
@@ -3099,7 +3765,7 @@
             <a:fld id="{7AE184E0-0BD4-4705-A12B-9B71DDE63301}" type="slidenum">
               <a:rPr lang="nl-BE" noProof="0" smtClean="0"/>
               <a:pPr/>
-              <a:t>‹#›</a:t>
+              <a:t>‹nr.›</a:t>
             </a:fld>
             <a:endParaRPr lang="nl-BE" noProof="0" dirty="0"/>
           </a:p>
@@ -3722,7 +4388,13 @@
       </p:grpSpPr>
       <p:sp>
         <p:nvSpPr>
-          <p:cNvPr id="2" name="Titel 1"/>
+          <p:cNvPr id="2" name="Titel 1">
+            <a:extLst>
+              <a:ext uri="{FF2B5EF4-FFF2-40B4-BE49-F238E27FC236}">
+                <a16:creationId xmlns:a16="http://schemas.microsoft.com/office/drawing/2014/main" id="{1FFAB8F2-0498-A641-BB29-3AA457B69D7B}"/>
+              </a:ext>
+            </a:extLst>
+          </p:cNvPr>
           <p:cNvSpPr>
             <a:spLocks noGrp="1"/>
           </p:cNvSpPr>
@@ -3736,15 +4408,56 @@
           <a:lstStyle/>
           <a:p>
             <a:r>
-              <a:rPr lang="nl-NL" dirty="0"/>
-              <a:t>Controller</a:t>
-            </a:r>
-          </a:p>
-        </p:txBody>
-      </p:sp>
-      <p:sp>
-        <p:nvSpPr>
-          <p:cNvPr id="4" name="Tijdelijke aanduiding voor dianummer 3"/>
+              <a:rPr lang="nl-BE" dirty="0"/>
+              <a:t>Localisatie</a:t>
+            </a:r>
+          </a:p>
+        </p:txBody>
+      </p:sp>
+      <p:pic>
+        <p:nvPicPr>
+          <p:cNvPr id="6" name="Tijdelijke aanduiding voor inhoud 5">
+            <a:extLst>
+              <a:ext uri="{FF2B5EF4-FFF2-40B4-BE49-F238E27FC236}">
+                <a16:creationId xmlns:a16="http://schemas.microsoft.com/office/drawing/2014/main" id="{733B7EA9-5F7D-1A48-948A-B5BE09409125}"/>
+              </a:ext>
+            </a:extLst>
+          </p:cNvPr>
+          <p:cNvPicPr>
+            <a:picLocks noGrp="1" noChangeAspect="1"/>
+          </p:cNvPicPr>
+          <p:nvPr>
+            <p:ph idx="1"/>
+          </p:nvPr>
+        </p:nvPicPr>
+        <p:blipFill>
+          <a:blip r:embed="rId3">
+            <a:extLst>
+              <a:ext uri="{28A0092B-C50C-407E-A947-70E740481C1C}">
+                <a14:useLocalDpi xmlns:a14="http://schemas.microsoft.com/office/drawing/2010/main" val="0"/>
+              </a:ext>
+            </a:extLst>
+          </a:blip>
+          <a:stretch>
+            <a:fillRect/>
+          </a:stretch>
+        </p:blipFill>
+        <p:spPr>
+          <a:xfrm>
+            <a:off x="1945519" y="3802080"/>
+            <a:ext cx="2963726" cy="1756008"/>
+          </a:xfrm>
+        </p:spPr>
+      </p:pic>
+      <p:sp>
+        <p:nvSpPr>
+          <p:cNvPr id="4" name="Tijdelijke aanduiding voor dianummer 3">
+            <a:extLst>
+              <a:ext uri="{FF2B5EF4-FFF2-40B4-BE49-F238E27FC236}">
+                <a16:creationId xmlns:a16="http://schemas.microsoft.com/office/drawing/2014/main" id="{2C6F5415-09FB-E246-85FC-9FFA6DA13304}"/>
+              </a:ext>
+            </a:extLst>
+          </p:cNvPr>
           <p:cNvSpPr>
             <a:spLocks noGrp="1"/>
           </p:cNvSpPr>
@@ -3760,6 +4473,625 @@
             <a:fld id="{7AE184E0-0BD4-4705-A12B-9B71DDE63301}" type="slidenum">
               <a:rPr lang="nl-BE" noProof="0" smtClean="0"/>
               <a:t>10</a:t>
+            </a:fld>
+            <a:endParaRPr lang="nl-BE" noProof="0" dirty="0"/>
+          </a:p>
+        </p:txBody>
+      </p:sp>
+      <p:pic>
+        <p:nvPicPr>
+          <p:cNvPr id="8" name="Afbeelding 7">
+            <a:extLst>
+              <a:ext uri="{FF2B5EF4-FFF2-40B4-BE49-F238E27FC236}">
+                <a16:creationId xmlns:a16="http://schemas.microsoft.com/office/drawing/2014/main" id="{E35B8C32-6AEC-B547-80F6-2FFB096A58CE}"/>
+              </a:ext>
+            </a:extLst>
+          </p:cNvPr>
+          <p:cNvPicPr>
+            <a:picLocks noChangeAspect="1"/>
+          </p:cNvPicPr>
+          <p:nvPr/>
+        </p:nvPicPr>
+        <p:blipFill>
+          <a:blip r:embed="rId4">
+            <a:extLst>
+              <a:ext uri="{28A0092B-C50C-407E-A947-70E740481C1C}">
+                <a14:useLocalDpi xmlns:a14="http://schemas.microsoft.com/office/drawing/2010/main" val="0"/>
+              </a:ext>
+            </a:extLst>
+          </a:blip>
+          <a:stretch>
+            <a:fillRect/>
+          </a:stretch>
+        </p:blipFill>
+        <p:spPr>
+          <a:xfrm>
+            <a:off x="5614375" y="1748730"/>
+            <a:ext cx="1552660" cy="1552660"/>
+          </a:xfrm>
+          <a:prstGeom prst="rect">
+            <a:avLst/>
+          </a:prstGeom>
+        </p:spPr>
+      </p:pic>
+      <p:pic>
+        <p:nvPicPr>
+          <p:cNvPr id="10" name="Afbeelding 9">
+            <a:extLst>
+              <a:ext uri="{FF2B5EF4-FFF2-40B4-BE49-F238E27FC236}">
+                <a16:creationId xmlns:a16="http://schemas.microsoft.com/office/drawing/2014/main" id="{C21EFF53-6811-1540-83AC-6426297A79BB}"/>
+              </a:ext>
+            </a:extLst>
+          </p:cNvPr>
+          <p:cNvPicPr>
+            <a:picLocks noChangeAspect="1"/>
+          </p:cNvPicPr>
+          <p:nvPr/>
+        </p:nvPicPr>
+        <p:blipFill>
+          <a:blip r:embed="rId5">
+            <a:biLevel thresh="75000"/>
+            <a:extLst>
+              <a:ext uri="{28A0092B-C50C-407E-A947-70E740481C1C}">
+                <a14:useLocalDpi xmlns:a14="http://schemas.microsoft.com/office/drawing/2010/main" val="0"/>
+              </a:ext>
+            </a:extLst>
+          </a:blip>
+          <a:stretch>
+            <a:fillRect/>
+          </a:stretch>
+        </p:blipFill>
+        <p:spPr>
+          <a:xfrm>
+            <a:off x="5816244" y="3805407"/>
+            <a:ext cx="1148922" cy="1752681"/>
+          </a:xfrm>
+          <a:prstGeom prst="rect">
+            <a:avLst/>
+          </a:prstGeom>
+        </p:spPr>
+      </p:pic>
+      <p:sp>
+        <p:nvSpPr>
+          <p:cNvPr id="13" name="Tekstvak 12">
+            <a:extLst>
+              <a:ext uri="{FF2B5EF4-FFF2-40B4-BE49-F238E27FC236}">
+                <a16:creationId xmlns:a16="http://schemas.microsoft.com/office/drawing/2014/main" id="{554F8DF2-5EAE-244B-9990-CA9BF17D205A}"/>
+              </a:ext>
+            </a:extLst>
+          </p:cNvPr>
+          <p:cNvSpPr txBox="1"/>
+          <p:nvPr/>
+        </p:nvSpPr>
+        <p:spPr>
+          <a:xfrm>
+            <a:off x="9757766" y="2269285"/>
+            <a:ext cx="3424335" cy="511550"/>
+          </a:xfrm>
+          <a:prstGeom prst="rect">
+            <a:avLst/>
+          </a:prstGeom>
+          <a:noFill/>
+        </p:spPr>
+        <p:txBody>
+          <a:bodyPr wrap="none" rtlCol="0">
+            <a:spAutoFit/>
+          </a:bodyPr>
+          <a:lstStyle/>
+          <a:p>
+            <a:pPr>
+              <a:lnSpc>
+                <a:spcPct val="120000"/>
+              </a:lnSpc>
+            </a:pPr>
+            <a:r>
+              <a:rPr lang="nl-BE" sz="2500" dirty="0"/>
+              <a:t>6-10m nauwkeurigheid</a:t>
+            </a:r>
+          </a:p>
+        </p:txBody>
+      </p:sp>
+      <p:sp>
+        <p:nvSpPr>
+          <p:cNvPr id="14" name="Tekstvak 13">
+            <a:extLst>
+              <a:ext uri="{FF2B5EF4-FFF2-40B4-BE49-F238E27FC236}">
+                <a16:creationId xmlns:a16="http://schemas.microsoft.com/office/drawing/2014/main" id="{6DC4DF71-A40D-A14F-8206-17B2F697B3D4}"/>
+              </a:ext>
+            </a:extLst>
+          </p:cNvPr>
+          <p:cNvSpPr txBox="1"/>
+          <p:nvPr/>
+        </p:nvSpPr>
+        <p:spPr>
+          <a:xfrm>
+            <a:off x="9757766" y="4397132"/>
+            <a:ext cx="3246402" cy="553998"/>
+          </a:xfrm>
+          <a:prstGeom prst="rect">
+            <a:avLst/>
+          </a:prstGeom>
+          <a:noFill/>
+        </p:spPr>
+        <p:txBody>
+          <a:bodyPr wrap="none" rtlCol="0">
+            <a:spAutoFit/>
+          </a:bodyPr>
+          <a:lstStyle/>
+          <a:p>
+            <a:pPr>
+              <a:lnSpc>
+                <a:spcPct val="120000"/>
+              </a:lnSpc>
+            </a:pPr>
+            <a:r>
+              <a:rPr lang="nl-BE" sz="2500" dirty="0"/>
+              <a:t>1-5m nauwkeurigheid</a:t>
+            </a:r>
+          </a:p>
+        </p:txBody>
+      </p:sp>
+      <p:sp>
+        <p:nvSpPr>
+          <p:cNvPr id="15" name="Tekstvak 14">
+            <a:extLst>
+              <a:ext uri="{FF2B5EF4-FFF2-40B4-BE49-F238E27FC236}">
+                <a16:creationId xmlns:a16="http://schemas.microsoft.com/office/drawing/2014/main" id="{238F07D3-3D8F-9A46-95C2-613F419AE752}"/>
+              </a:ext>
+            </a:extLst>
+          </p:cNvPr>
+          <p:cNvSpPr txBox="1"/>
+          <p:nvPr/>
+        </p:nvSpPr>
+        <p:spPr>
+          <a:xfrm>
+            <a:off x="9757766" y="6567427"/>
+            <a:ext cx="3299301" cy="553998"/>
+          </a:xfrm>
+          <a:prstGeom prst="rect">
+            <a:avLst/>
+          </a:prstGeom>
+          <a:noFill/>
+        </p:spPr>
+        <p:txBody>
+          <a:bodyPr wrap="none" rtlCol="0">
+            <a:spAutoFit/>
+          </a:bodyPr>
+          <a:lstStyle/>
+          <a:p>
+            <a:pPr>
+              <a:lnSpc>
+                <a:spcPct val="120000"/>
+              </a:lnSpc>
+            </a:pPr>
+            <a:r>
+              <a:rPr lang="nl-BE" sz="2500" dirty="0"/>
+              <a:t>10cm nauwkeurigheid</a:t>
+            </a:r>
+          </a:p>
+        </p:txBody>
+      </p:sp>
+      <p:sp>
+        <p:nvSpPr>
+          <p:cNvPr id="16" name="Tekstvak 15">
+            <a:extLst>
+              <a:ext uri="{FF2B5EF4-FFF2-40B4-BE49-F238E27FC236}">
+                <a16:creationId xmlns:a16="http://schemas.microsoft.com/office/drawing/2014/main" id="{EDA92F2B-4851-2046-8504-CBD93DD34229}"/>
+              </a:ext>
+            </a:extLst>
+          </p:cNvPr>
+          <p:cNvSpPr txBox="1"/>
+          <p:nvPr/>
+        </p:nvSpPr>
+        <p:spPr>
+          <a:xfrm>
+            <a:off x="1640842" y="6345507"/>
+            <a:ext cx="5526193" cy="997837"/>
+          </a:xfrm>
+          <a:prstGeom prst="rect">
+            <a:avLst/>
+          </a:prstGeom>
+          <a:noFill/>
+        </p:spPr>
+        <p:txBody>
+          <a:bodyPr wrap="none" rtlCol="0">
+            <a:spAutoFit/>
+          </a:bodyPr>
+          <a:lstStyle/>
+          <a:p>
+            <a:pPr>
+              <a:lnSpc>
+                <a:spcPct val="120000"/>
+              </a:lnSpc>
+            </a:pPr>
+            <a:r>
+              <a:rPr lang="nl-BE" sz="5400" b="1" dirty="0"/>
+              <a:t>Ultra Wide Band</a:t>
+            </a:r>
+            <a:endParaRPr lang="nl-BE" sz="4000" b="1" dirty="0"/>
+          </a:p>
+        </p:txBody>
+      </p:sp>
+    </p:spTree>
+    <p:extLst>
+      <p:ext uri="{BB962C8B-B14F-4D97-AF65-F5344CB8AC3E}">
+        <p14:creationId xmlns:p14="http://schemas.microsoft.com/office/powerpoint/2010/main" val="3306384494"/>
+      </p:ext>
+    </p:extLst>
+  </p:cSld>
+  <p:clrMapOvr>
+    <a:masterClrMapping/>
+  </p:clrMapOvr>
+</p:sld>
+</file>
+
+<file path=ppt/slides/slide11.xml><?xml version="1.0" encoding="utf-8"?>
+<p:sld xmlns:a="http://schemas.openxmlformats.org/drawingml/2006/main" xmlns:r="http://schemas.openxmlformats.org/officeDocument/2006/relationships" xmlns:p="http://schemas.openxmlformats.org/presentationml/2006/main">
+  <p:cSld>
+    <p:spTree>
+      <p:nvGrpSpPr>
+        <p:cNvPr id="1" name=""/>
+        <p:cNvGrpSpPr/>
+        <p:nvPr/>
+      </p:nvGrpSpPr>
+      <p:grpSpPr>
+        <a:xfrm>
+          <a:off x="0" y="0"/>
+          <a:ext cx="0" cy="0"/>
+          <a:chOff x="0" y="0"/>
+          <a:chExt cx="0" cy="0"/>
+        </a:xfrm>
+      </p:grpSpPr>
+      <p:sp>
+        <p:nvSpPr>
+          <p:cNvPr id="2" name="Titel 1">
+            <a:extLst>
+              <a:ext uri="{FF2B5EF4-FFF2-40B4-BE49-F238E27FC236}">
+                <a16:creationId xmlns:a16="http://schemas.microsoft.com/office/drawing/2014/main" id="{8D734D26-F9B2-3541-B32E-538B06BA29FC}"/>
+              </a:ext>
+            </a:extLst>
+          </p:cNvPr>
+          <p:cNvSpPr>
+            <a:spLocks noGrp="1"/>
+          </p:cNvSpPr>
+          <p:nvPr>
+            <p:ph type="title"/>
+          </p:nvPr>
+        </p:nvSpPr>
+        <p:spPr/>
+        <p:txBody>
+          <a:bodyPr/>
+          <a:lstStyle/>
+          <a:p>
+            <a:r>
+              <a:rPr lang="nl-BE" dirty="0"/>
+              <a:t>Lokalisatie</a:t>
+            </a:r>
+          </a:p>
+        </p:txBody>
+      </p:sp>
+      <p:sp>
+        <p:nvSpPr>
+          <p:cNvPr id="3" name="Tijdelijke aanduiding voor inhoud 2">
+            <a:extLst>
+              <a:ext uri="{FF2B5EF4-FFF2-40B4-BE49-F238E27FC236}">
+                <a16:creationId xmlns:a16="http://schemas.microsoft.com/office/drawing/2014/main" id="{CF2996FC-E90D-5E46-A05B-9A98CDEA281E}"/>
+              </a:ext>
+            </a:extLst>
+          </p:cNvPr>
+          <p:cNvSpPr>
+            <a:spLocks noGrp="1"/>
+          </p:cNvSpPr>
+          <p:nvPr>
+            <p:ph idx="1"/>
+          </p:nvPr>
+        </p:nvSpPr>
+        <p:spPr/>
+        <p:txBody>
+          <a:bodyPr/>
+          <a:lstStyle/>
+          <a:p>
+            <a:r>
+              <a:rPr lang="nl-BE" dirty="0"/>
+              <a:t>Pozyx</a:t>
+            </a:r>
+          </a:p>
+          <a:p>
+            <a:r>
+              <a:rPr lang="nl-BE" dirty="0"/>
+              <a:t>Decawave DWM-1001</a:t>
+            </a:r>
+          </a:p>
+        </p:txBody>
+      </p:sp>
+      <p:sp>
+        <p:nvSpPr>
+          <p:cNvPr id="4" name="Tijdelijke aanduiding voor dianummer 3">
+            <a:extLst>
+              <a:ext uri="{FF2B5EF4-FFF2-40B4-BE49-F238E27FC236}">
+                <a16:creationId xmlns:a16="http://schemas.microsoft.com/office/drawing/2014/main" id="{0EA116A7-5556-A949-946A-85F835158AB1}"/>
+              </a:ext>
+            </a:extLst>
+          </p:cNvPr>
+          <p:cNvSpPr>
+            <a:spLocks noGrp="1"/>
+          </p:cNvSpPr>
+          <p:nvPr>
+            <p:ph type="sldNum" sz="quarter" idx="12"/>
+          </p:nvPr>
+        </p:nvSpPr>
+        <p:spPr/>
+        <p:txBody>
+          <a:bodyPr/>
+          <a:lstStyle/>
+          <a:p>
+            <a:fld id="{7AE184E0-0BD4-4705-A12B-9B71DDE63301}" type="slidenum">
+              <a:rPr lang="nl-BE" noProof="0" smtClean="0"/>
+              <a:t>11</a:t>
+            </a:fld>
+            <a:endParaRPr lang="nl-BE" noProof="0" dirty="0"/>
+          </a:p>
+        </p:txBody>
+      </p:sp>
+      <p:pic>
+        <p:nvPicPr>
+          <p:cNvPr id="5" name="Picture 9" descr="A close up of a logo&#10;&#10;Description generated with high confidence">
+            <a:extLst>
+              <a:ext uri="{FF2B5EF4-FFF2-40B4-BE49-F238E27FC236}">
+                <a16:creationId xmlns:a16="http://schemas.microsoft.com/office/drawing/2014/main" id="{67F08306-C204-6048-B148-5DAED9ED9343}"/>
+              </a:ext>
+            </a:extLst>
+          </p:cNvPr>
+          <p:cNvPicPr>
+            <a:picLocks noChangeAspect="1"/>
+          </p:cNvPicPr>
+          <p:nvPr/>
+        </p:nvPicPr>
+        <p:blipFill>
+          <a:blip r:embed="rId3" cstate="print">
+            <a:extLst>
+              <a:ext uri="{28A0092B-C50C-407E-A947-70E740481C1C}">
+                <a14:useLocalDpi xmlns:a14="http://schemas.microsoft.com/office/drawing/2010/main" val="0"/>
+              </a:ext>
+            </a:extLst>
+          </a:blip>
+          <a:stretch>
+            <a:fillRect/>
+          </a:stretch>
+        </p:blipFill>
+        <p:spPr>
+          <a:xfrm>
+            <a:off x="2701846" y="8565823"/>
+            <a:ext cx="2809160" cy="991638"/>
+          </a:xfrm>
+          <a:prstGeom prst="rect">
+            <a:avLst/>
+          </a:prstGeom>
+        </p:spPr>
+      </p:pic>
+      <p:pic>
+        <p:nvPicPr>
+          <p:cNvPr id="6" name="Picture 7" descr="A picture containing clipart&#10;&#10;Description generated with very high confidence">
+            <a:extLst>
+              <a:ext uri="{FF2B5EF4-FFF2-40B4-BE49-F238E27FC236}">
+                <a16:creationId xmlns:a16="http://schemas.microsoft.com/office/drawing/2014/main" id="{8B607C42-22A3-4B47-957B-148034FB9485}"/>
+              </a:ext>
+            </a:extLst>
+          </p:cNvPr>
+          <p:cNvPicPr>
+            <a:picLocks noChangeAspect="1"/>
+          </p:cNvPicPr>
+          <p:nvPr/>
+        </p:nvPicPr>
+        <p:blipFill>
+          <a:blip r:embed="rId4" cstate="print">
+            <a:extLst>
+              <a:ext uri="{28A0092B-C50C-407E-A947-70E740481C1C}">
+                <a14:useLocalDpi xmlns:a14="http://schemas.microsoft.com/office/drawing/2010/main" val="0"/>
+              </a:ext>
+            </a:extLst>
+          </a:blip>
+          <a:stretch>
+            <a:fillRect/>
+          </a:stretch>
+        </p:blipFill>
+        <p:spPr>
+          <a:xfrm>
+            <a:off x="6037447" y="8771380"/>
+            <a:ext cx="2645312" cy="580524"/>
+          </a:xfrm>
+          <a:prstGeom prst="rect">
+            <a:avLst/>
+          </a:prstGeom>
+        </p:spPr>
+      </p:pic>
+      <p:pic>
+        <p:nvPicPr>
+          <p:cNvPr id="7" name="Content Placeholder 5" descr="A circuit board&#10;&#10;Description generated with very high confidence">
+            <a:extLst>
+              <a:ext uri="{FF2B5EF4-FFF2-40B4-BE49-F238E27FC236}">
+                <a16:creationId xmlns:a16="http://schemas.microsoft.com/office/drawing/2014/main" id="{5CE4F5B8-1B23-2744-98D1-8B1A5AD80EBB}"/>
+              </a:ext>
+            </a:extLst>
+          </p:cNvPr>
+          <p:cNvPicPr>
+            <a:picLocks noChangeAspect="1"/>
+          </p:cNvPicPr>
+          <p:nvPr/>
+        </p:nvPicPr>
+        <p:blipFill>
+          <a:blip r:embed="rId5">
+            <a:extLst>
+              <a:ext uri="{BEBA8EAE-BF5A-486C-A8C5-ECC9F3942E4B}">
+                <a14:imgProps xmlns:a14="http://schemas.microsoft.com/office/drawing/2010/main">
+                  <a14:imgLayer r:embed="rId6">
+                    <a14:imgEffect>
+                      <a14:backgroundRemoval t="10000" b="90000" l="4600" r="97400">
+                        <a14:foregroundMark x1="94000" y1="54000" x2="94000" y2="54000"/>
+                        <a14:foregroundMark x1="97400" y1="54000" x2="97400" y2="54000"/>
+                        <a14:foregroundMark x1="8600" y1="28000" x2="8600" y2="28000"/>
+                        <a14:foregroundMark x1="4600" y1="40400" x2="4600" y2="40400"/>
+                        <a14:foregroundMark x1="30600" y1="80400" x2="23800" y2="76600"/>
+                        <a14:foregroundMark x1="23800" y1="76600" x2="21600" y2="69200"/>
+                        <a14:foregroundMark x1="21600" y1="69200" x2="21600" y2="68000"/>
+                        <a14:foregroundMark x1="30200" y1="84400" x2="27600" y2="82000"/>
+                      </a14:backgroundRemoval>
+                    </a14:imgEffect>
+                  </a14:imgLayer>
+                </a14:imgProps>
+              </a:ext>
+              <a:ext uri="{28A0092B-C50C-407E-A947-70E740481C1C}">
+                <a14:useLocalDpi xmlns:a14="http://schemas.microsoft.com/office/drawing/2010/main" val="0"/>
+              </a:ext>
+            </a:extLst>
+          </a:blip>
+          <a:stretch>
+            <a:fillRect/>
+          </a:stretch>
+        </p:blipFill>
+        <p:spPr>
+          <a:xfrm flipH="1">
+            <a:off x="1995296" y="2421380"/>
+            <a:ext cx="6350000" cy="6350000"/>
+          </a:xfrm>
+          <a:prstGeom prst="rect">
+            <a:avLst/>
+          </a:prstGeom>
+        </p:spPr>
+      </p:pic>
+      <p:pic>
+        <p:nvPicPr>
+          <p:cNvPr id="8" name="Content Placeholder 17" descr="A circuit board&#10;&#10;Description generated with very high confidence">
+            <a:extLst>
+              <a:ext uri="{FF2B5EF4-FFF2-40B4-BE49-F238E27FC236}">
+                <a16:creationId xmlns:a16="http://schemas.microsoft.com/office/drawing/2014/main" id="{CDBBCEFF-A670-2443-BCCC-40DCBE5ED0CE}"/>
+              </a:ext>
+            </a:extLst>
+          </p:cNvPr>
+          <p:cNvPicPr>
+            <a:picLocks noChangeAspect="1"/>
+          </p:cNvPicPr>
+          <p:nvPr/>
+        </p:nvPicPr>
+        <p:blipFill>
+          <a:blip r:embed="rId7">
+            <a:extLst>
+              <a:ext uri="{BEBA8EAE-BF5A-486C-A8C5-ECC9F3942E4B}">
+                <a14:imgProps xmlns:a14="http://schemas.microsoft.com/office/drawing/2010/main">
+                  <a14:imgLayer r:embed="rId8">
+                    <a14:imgEffect>
+                      <a14:backgroundRemoval t="8407" b="92478" l="6000" r="94000">
+                        <a14:foregroundMark x1="6333" y1="54425" x2="6333" y2="54425"/>
+                        <a14:foregroundMark x1="44667" y1="22124" x2="44667" y2="22124"/>
+                        <a14:foregroundMark x1="50667" y1="15044" x2="50667" y2="15044"/>
+                        <a14:foregroundMark x1="45667" y1="13274" x2="41000" y2="18584"/>
+                        <a14:foregroundMark x1="41000" y1="18584" x2="36667" y2="20796"/>
+                        <a14:foregroundMark x1="33000" y1="24779" x2="33000" y2="24779"/>
+                        <a14:foregroundMark x1="28000" y1="28761" x2="14667" y2="41593"/>
+                        <a14:foregroundMark x1="14667" y1="41593" x2="9333" y2="43363"/>
+                        <a14:foregroundMark x1="9333" y1="43363" x2="6333" y2="45575"/>
+                        <a14:foregroundMark x1="12667" y1="40708" x2="40333" y2="19469"/>
+                        <a14:foregroundMark x1="40333" y1="19469" x2="40667" y2="19027"/>
+                        <a14:foregroundMark x1="49667" y1="92478" x2="49667" y2="92478"/>
+                        <a14:foregroundMark x1="58000" y1="86283" x2="58000" y2="86283"/>
+                        <a14:foregroundMark x1="62333" y1="80973" x2="62333" y2="80973"/>
+                        <a14:foregroundMark x1="85333" y1="46903" x2="85333" y2="46903"/>
+                        <a14:foregroundMark x1="94333" y1="32301" x2="94333" y2="32301"/>
+                        <a14:foregroundMark x1="54333" y1="8407" x2="54333" y2="8407"/>
+                      </a14:backgroundRemoval>
+                    </a14:imgEffect>
+                  </a14:imgLayer>
+                </a14:imgProps>
+              </a:ext>
+              <a:ext uri="{28A0092B-C50C-407E-A947-70E740481C1C}">
+                <a14:useLocalDpi xmlns:a14="http://schemas.microsoft.com/office/drawing/2010/main" val="0"/>
+              </a:ext>
+            </a:extLst>
+          </a:blip>
+          <a:stretch>
+            <a:fillRect/>
+          </a:stretch>
+        </p:blipFill>
+        <p:spPr>
+          <a:xfrm>
+            <a:off x="10053069" y="3797963"/>
+            <a:ext cx="4774558" cy="3596834"/>
+          </a:xfrm>
+          <a:prstGeom prst="rect">
+            <a:avLst/>
+          </a:prstGeom>
+        </p:spPr>
+      </p:pic>
+    </p:spTree>
+    <p:extLst>
+      <p:ext uri="{BB962C8B-B14F-4D97-AF65-F5344CB8AC3E}">
+        <p14:creationId xmlns:p14="http://schemas.microsoft.com/office/powerpoint/2010/main" val="3898004084"/>
+      </p:ext>
+    </p:extLst>
+  </p:cSld>
+  <p:clrMapOvr>
+    <a:masterClrMapping/>
+  </p:clrMapOvr>
+</p:sld>
+</file>
+
+<file path=ppt/slides/slide12.xml><?xml version="1.0" encoding="utf-8"?>
+<p:sld xmlns:a="http://schemas.openxmlformats.org/drawingml/2006/main" xmlns:r="http://schemas.openxmlformats.org/officeDocument/2006/relationships" xmlns:p="http://schemas.openxmlformats.org/presentationml/2006/main">
+  <p:cSld>
+    <p:spTree>
+      <p:nvGrpSpPr>
+        <p:cNvPr id="1" name=""/>
+        <p:cNvGrpSpPr/>
+        <p:nvPr/>
+      </p:nvGrpSpPr>
+      <p:grpSpPr>
+        <a:xfrm>
+          <a:off x="0" y="0"/>
+          <a:ext cx="0" cy="0"/>
+          <a:chOff x="0" y="0"/>
+          <a:chExt cx="0" cy="0"/>
+        </a:xfrm>
+      </p:grpSpPr>
+      <p:sp>
+        <p:nvSpPr>
+          <p:cNvPr id="2" name="Titel 1"/>
+          <p:cNvSpPr>
+            <a:spLocks noGrp="1"/>
+          </p:cNvSpPr>
+          <p:nvPr>
+            <p:ph type="title"/>
+          </p:nvPr>
+        </p:nvSpPr>
+        <p:spPr/>
+        <p:txBody>
+          <a:bodyPr/>
+          <a:lstStyle/>
+          <a:p>
+            <a:r>
+              <a:rPr lang="nl-NL" dirty="0"/>
+              <a:t>Controller</a:t>
+            </a:r>
+          </a:p>
+        </p:txBody>
+      </p:sp>
+      <p:sp>
+        <p:nvSpPr>
+          <p:cNvPr id="4" name="Tijdelijke aanduiding voor dianummer 3"/>
+          <p:cNvSpPr>
+            <a:spLocks noGrp="1"/>
+          </p:cNvSpPr>
+          <p:nvPr>
+            <p:ph type="sldNum" sz="quarter" idx="12"/>
+          </p:nvPr>
+        </p:nvSpPr>
+        <p:spPr/>
+        <p:txBody>
+          <a:bodyPr/>
+          <a:lstStyle/>
+          <a:p>
+            <a:fld id="{7AE184E0-0BD4-4705-A12B-9B71DDE63301}" type="slidenum">
+              <a:rPr lang="nl-BE" noProof="0" smtClean="0"/>
+              <a:t>12</a:t>
             </a:fld>
             <a:endParaRPr lang="nl-BE" noProof="0" dirty="0"/>
           </a:p>
@@ -4039,8 +5371,8 @@
 </p:sld>
 </file>
 
-<file path=ppt/slides/slide11.xml><?xml version="1.0" encoding="utf-8"?>
-<p:sld xmlns:a="http://schemas.openxmlformats.org/drawingml/2006/main" xmlns:r="http://schemas.openxmlformats.org/officeDocument/2006/relationships" xmlns:p="http://schemas.openxmlformats.org/presentationml/2006/main">
+<file path=ppt/slides/slide13.xml><?xml version="1.0" encoding="utf-8"?>
+<p:sld xmlns:a="http://schemas.openxmlformats.org/drawingml/2006/main" xmlns:r="http://schemas.openxmlformats.org/officeDocument/2006/relationships" xmlns:p="http://schemas.openxmlformats.org/presentationml/2006/main" show="0">
   <p:cSld>
     <p:spTree>
       <p:nvGrpSpPr>
@@ -4148,7 +5480,7 @@
           <a:p>
             <a:fld id="{7AE184E0-0BD4-4705-A12B-9B71DDE63301}" type="slidenum">
               <a:rPr lang="nl-BE" noProof="0" smtClean="0"/>
-              <a:t>11</a:t>
+              <a:t>13</a:t>
             </a:fld>
             <a:endParaRPr lang="nl-BE" noProof="0" dirty="0"/>
           </a:p>
@@ -4203,7 +5535,7 @@
 </p:sld>
 </file>
 
-<file path=ppt/slides/slide12.xml><?xml version="1.0" encoding="utf-8"?>
+<file path=ppt/slides/slide14.xml><?xml version="1.0" encoding="utf-8"?>
 <p:sld xmlns:a="http://schemas.openxmlformats.org/drawingml/2006/main" xmlns:r="http://schemas.openxmlformats.org/officeDocument/2006/relationships" xmlns:p="http://schemas.openxmlformats.org/presentationml/2006/main">
   <p:cSld>
     <p:spTree>
@@ -4259,7 +5591,7 @@
           <a:p>
             <a:fld id="{7AE184E0-0BD4-4705-A12B-9B71DDE63301}" type="slidenum">
               <a:rPr lang="nl-BE" noProof="0" smtClean="0"/>
-              <a:t>12</a:t>
+              <a:t>14</a:t>
             </a:fld>
             <a:endParaRPr lang="nl-BE" noProof="0" dirty="0"/>
           </a:p>
@@ -5065,7 +6397,7 @@
 </p:sld>
 </file>
 
-<file path=ppt/slides/slide13.xml><?xml version="1.0" encoding="utf-8"?>
+<file path=ppt/slides/slide15.xml><?xml version="1.0" encoding="utf-8"?>
 <p:sld xmlns:a="http://schemas.openxmlformats.org/drawingml/2006/main" xmlns:r="http://schemas.openxmlformats.org/officeDocument/2006/relationships" xmlns:p="http://schemas.openxmlformats.org/presentationml/2006/main">
   <p:cSld>
     <p:spTree>
@@ -5122,7 +6454,7 @@
             <a:fld id="{7AE184E0-0BD4-4705-A12B-9B71DDE63301}" type="slidenum">
               <a:rPr lang="nl-BE" smtClean="0"/>
               <a:pPr/>
-              <a:t>13</a:t>
+              <a:t>15</a:t>
             </a:fld>
             <a:endParaRPr lang="nl-BE" dirty="0"/>
           </a:p>
@@ -5141,7 +6473,7 @@
 </p:sld>
 </file>
 
-<file path=ppt/slides/slide14.xml><?xml version="1.0" encoding="utf-8"?>
+<file path=ppt/slides/slide16.xml><?xml version="1.0" encoding="utf-8"?>
 <p:sld xmlns:a="http://schemas.openxmlformats.org/drawingml/2006/main" xmlns:r="http://schemas.openxmlformats.org/officeDocument/2006/relationships" xmlns:p="http://schemas.openxmlformats.org/presentationml/2006/main">
   <p:cSld>
     <p:spTree>
@@ -5197,7 +6529,7 @@
           <a:p>
             <a:fld id="{7AE184E0-0BD4-4705-A12B-9B71DDE63301}" type="slidenum">
               <a:rPr lang="nl-BE" noProof="0" smtClean="0"/>
-              <a:t>14</a:t>
+              <a:t>16</a:t>
             </a:fld>
             <a:endParaRPr lang="nl-BE" noProof="0" dirty="0"/>
           </a:p>
@@ -5451,7 +6783,7 @@
 </p:sld>
 </file>
 
-<file path=ppt/slides/slide15.xml><?xml version="1.0" encoding="utf-8"?>
+<file path=ppt/slides/slide17.xml><?xml version="1.0" encoding="utf-8"?>
 <p:sld xmlns:a="http://schemas.openxmlformats.org/drawingml/2006/main" xmlns:r="http://schemas.openxmlformats.org/officeDocument/2006/relationships" xmlns:p="http://schemas.openxmlformats.org/presentationml/2006/main">
   <p:cSld>
     <p:spTree>
@@ -5507,7 +6839,7 @@
           <a:p>
             <a:fld id="{7AE184E0-0BD4-4705-A12B-9B71DDE63301}" type="slidenum">
               <a:rPr lang="nl-BE" noProof="0" smtClean="0"/>
-              <a:t>15</a:t>
+              <a:t>17</a:t>
             </a:fld>
             <a:endParaRPr lang="nl-BE" noProof="0" dirty="0"/>
           </a:p>
@@ -5528,11 +6860,11 @@
           <p:nvPr/>
         </p:nvPicPr>
         <p:blipFill>
-          <a:blip r:embed="rId2">
+          <a:blip r:embed="rId3">
             <a:extLst>
               <a:ext uri="{BEBA8EAE-BF5A-486C-A8C5-ECC9F3942E4B}">
                 <a14:imgProps xmlns:a14="http://schemas.microsoft.com/office/drawing/2010/main">
-                  <a14:imgLayer r:embed="rId3">
+                  <a14:imgLayer r:embed="rId4">
                     <a14:imgEffect>
                       <a14:backgroundRemoval t="8407" b="92478" l="6000" r="94000">
                         <a14:foregroundMark x1="6333" y1="54425" x2="6333" y2="54425"/>
@@ -5722,11 +7054,11 @@
           <p:nvPr/>
         </p:nvPicPr>
         <p:blipFill>
-          <a:blip r:embed="rId4">
+          <a:blip r:embed="rId5">
             <a:extLst>
               <a:ext uri="{BEBA8EAE-BF5A-486C-A8C5-ECC9F3942E4B}">
                 <a14:imgProps xmlns:a14="http://schemas.microsoft.com/office/drawing/2010/main">
-                  <a14:imgLayer r:embed="rId5">
+                  <a14:imgLayer r:embed="rId6">
                     <a14:imgEffect>
                       <a14:backgroundRemoval t="10000" b="90000" l="4600" r="97400">
                         <a14:foregroundMark x1="94000" y1="54000" x2="94000" y2="54000"/>
@@ -5776,11 +7108,11 @@
           <p:nvPr/>
         </p:nvPicPr>
         <p:blipFill>
-          <a:blip r:embed="rId4">
+          <a:blip r:embed="rId5">
             <a:extLst>
               <a:ext uri="{BEBA8EAE-BF5A-486C-A8C5-ECC9F3942E4B}">
                 <a14:imgProps xmlns:a14="http://schemas.microsoft.com/office/drawing/2010/main">
-                  <a14:imgLayer r:embed="rId5">
+                  <a14:imgLayer r:embed="rId6">
                     <a14:imgEffect>
                       <a14:backgroundRemoval t="10000" b="90000" l="4600" r="97400">
                         <a14:foregroundMark x1="94000" y1="54000" x2="94000" y2="54000"/>
@@ -5830,11 +7162,11 @@
           <p:nvPr/>
         </p:nvPicPr>
         <p:blipFill>
-          <a:blip r:embed="rId4">
+          <a:blip r:embed="rId5">
             <a:extLst>
               <a:ext uri="{BEBA8EAE-BF5A-486C-A8C5-ECC9F3942E4B}">
                 <a14:imgProps xmlns:a14="http://schemas.microsoft.com/office/drawing/2010/main">
-                  <a14:imgLayer r:embed="rId5">
+                  <a14:imgLayer r:embed="rId6">
                     <a14:imgEffect>
                       <a14:backgroundRemoval t="10000" b="90000" l="4600" r="97400">
                         <a14:foregroundMark x1="94000" y1="54000" x2="94000" y2="54000"/>
@@ -5927,7 +7259,7 @@
 </p:sld>
 </file>
 
-<file path=ppt/slides/slide16.xml><?xml version="1.0" encoding="utf-8"?>
+<file path=ppt/slides/slide18.xml><?xml version="1.0" encoding="utf-8"?>
 <p:sld xmlns:a="http://schemas.openxmlformats.org/drawingml/2006/main" xmlns:r="http://schemas.openxmlformats.org/officeDocument/2006/relationships" xmlns:p="http://schemas.openxmlformats.org/presentationml/2006/main">
   <p:cSld>
     <p:spTree>
@@ -5991,7 +7323,7 @@
           <a:p>
             <a:fld id="{7AE184E0-0BD4-4705-A12B-9B71DDE63301}" type="slidenum">
               <a:rPr lang="nl-BE" noProof="0" smtClean="0"/>
-              <a:t>16</a:t>
+              <a:t>18</a:t>
             </a:fld>
             <a:endParaRPr lang="nl-BE" noProof="0" dirty="0"/>
           </a:p>
@@ -6245,7 +7577,7 @@
 </p:sld>
 </file>
 
-<file path=ppt/slides/slide17.xml><?xml version="1.0" encoding="utf-8"?>
+<file path=ppt/slides/slide19.xml><?xml version="1.0" encoding="utf-8"?>
 <p:sld xmlns:a="http://schemas.openxmlformats.org/drawingml/2006/main" xmlns:r="http://schemas.openxmlformats.org/officeDocument/2006/relationships" xmlns:p="http://schemas.openxmlformats.org/presentationml/2006/main">
   <p:cSld>
     <p:spTree>
@@ -6279,7 +7611,7 @@
           <a:p>
             <a:r>
               <a:rPr lang="nl-NL" dirty="0"/>
-              <a:t>Setup</a:t>
+              <a:t>Lokalisatie</a:t>
             </a:r>
           </a:p>
         </p:txBody>
@@ -6301,7 +7633,421 @@
           <a:p>
             <a:fld id="{7AE184E0-0BD4-4705-A12B-9B71DDE63301}" type="slidenum">
               <a:rPr lang="nl-BE" noProof="0" smtClean="0"/>
-              <a:t>17</a:t>
+              <a:t>19</a:t>
+            </a:fld>
+            <a:endParaRPr lang="nl-BE" noProof="0" dirty="0"/>
+          </a:p>
+        </p:txBody>
+      </p:sp>
+      <p:pic>
+        <p:nvPicPr>
+          <p:cNvPr id="6" name="Content Placeholder 5" descr="A circuit board&#10;&#10;Description generated with very high confidence">
+            <a:extLst>
+              <a:ext uri="{FF2B5EF4-FFF2-40B4-BE49-F238E27FC236}">
+                <a16:creationId xmlns:a16="http://schemas.microsoft.com/office/drawing/2014/main" id="{5DC46D9F-5DB3-407F-B27A-199B3FE0352B}"/>
+              </a:ext>
+            </a:extLst>
+          </p:cNvPr>
+          <p:cNvPicPr>
+            <a:picLocks noChangeAspect="1"/>
+          </p:cNvPicPr>
+          <p:nvPr/>
+        </p:nvPicPr>
+        <p:blipFill>
+          <a:blip r:embed="rId3">
+            <a:extLst>
+              <a:ext uri="{28A0092B-C50C-407E-A947-70E740481C1C}">
+                <a14:useLocalDpi xmlns:a14="http://schemas.microsoft.com/office/drawing/2010/main" val="0"/>
+              </a:ext>
+            </a:extLst>
+          </a:blip>
+          <a:stretch>
+            <a:fillRect/>
+          </a:stretch>
+        </p:blipFill>
+        <p:spPr>
+          <a:xfrm>
+            <a:off x="6494334" y="1289833"/>
+            <a:ext cx="5040000" cy="5040000"/>
+          </a:xfrm>
+          <a:prstGeom prst="rect">
+            <a:avLst/>
+          </a:prstGeom>
+        </p:spPr>
+      </p:pic>
+      <p:pic>
+        <p:nvPicPr>
+          <p:cNvPr id="18" name="Picture 17" descr="A close up of a computer&#10;&#10;Description generated with very high confidence">
+            <a:extLst>
+              <a:ext uri="{FF2B5EF4-FFF2-40B4-BE49-F238E27FC236}">
+                <a16:creationId xmlns:a16="http://schemas.microsoft.com/office/drawing/2014/main" id="{E9750424-21F3-4252-B2D0-92619F4A0BAD}"/>
+              </a:ext>
+            </a:extLst>
+          </p:cNvPr>
+          <p:cNvPicPr>
+            <a:picLocks noChangeAspect="1"/>
+          </p:cNvPicPr>
+          <p:nvPr/>
+        </p:nvPicPr>
+        <p:blipFill>
+          <a:blip r:embed="rId4">
+            <a:extLst>
+              <a:ext uri="{BEBA8EAE-BF5A-486C-A8C5-ECC9F3942E4B}">
+                <a14:imgProps xmlns:a14="http://schemas.microsoft.com/office/drawing/2010/main">
+                  <a14:imgLayer r:embed="rId5">
+                    <a14:imgEffect>
+                      <a14:backgroundRemoval t="5981" b="96890" l="4320" r="95680">
+                        <a14:foregroundMark x1="9120" y1="39713" x2="9120" y2="39713"/>
+                        <a14:foregroundMark x1="10400" y1="67225" x2="4320" y2="40670"/>
+                        <a14:foregroundMark x1="4320" y1="40670" x2="10560" y2="30383"/>
+                        <a14:foregroundMark x1="10560" y1="30383" x2="16160" y2="28469"/>
+                        <a14:foregroundMark x1="81280" y1="97129" x2="79040" y2="97129"/>
+                        <a14:foregroundMark x1="81760" y1="6220" x2="81760" y2="6220"/>
+                        <a14:foregroundMark x1="53920" y1="7416" x2="53920" y2="7416"/>
+                        <a14:foregroundMark x1="44960" y1="7656" x2="44960" y2="7656"/>
+                        <a14:foregroundMark x1="40160" y1="12440" x2="48640" y2="9091"/>
+                        <a14:foregroundMark x1="48640" y1="9091" x2="48800" y2="9091"/>
+                        <a14:foregroundMark x1="63680" y1="8612" x2="85440" y2="4545"/>
+                        <a14:foregroundMark x1="85440" y1="4545" x2="91680" y2="15550"/>
+                        <a14:foregroundMark x1="91680" y1="15550" x2="95040" y2="88278"/>
+                        <a14:foregroundMark x1="96480" y1="3110" x2="99360" y2="26794"/>
+                        <a14:foregroundMark x1="99360" y1="26794" x2="95680" y2="85407"/>
+                        <a14:foregroundMark x1="95680" y1="85407" x2="85760" y2="82775"/>
+                        <a14:foregroundMark x1="85760" y1="82775" x2="85120" y2="67464"/>
+                        <a14:foregroundMark x1="85120" y1="67464" x2="93600" y2="21770"/>
+                        <a14:foregroundMark x1="93600" y1="21770" x2="89280" y2="10526"/>
+                        <a14:foregroundMark x1="89280" y1="10526" x2="89280" y2="10526"/>
+                      </a14:backgroundRemoval>
+                    </a14:imgEffect>
+                  </a14:imgLayer>
+                </a14:imgProps>
+              </a:ext>
+              <a:ext uri="{28A0092B-C50C-407E-A947-70E740481C1C}">
+                <a14:useLocalDpi xmlns:a14="http://schemas.microsoft.com/office/drawing/2010/main" val="0"/>
+              </a:ext>
+            </a:extLst>
+          </a:blip>
+          <a:stretch>
+            <a:fillRect/>
+          </a:stretch>
+        </p:blipFill>
+        <p:spPr>
+          <a:xfrm>
+            <a:off x="12265698" y="2721429"/>
+            <a:ext cx="4308479" cy="2881511"/>
+          </a:xfrm>
+          <a:prstGeom prst="rect">
+            <a:avLst/>
+          </a:prstGeom>
+        </p:spPr>
+      </p:pic>
+      <p:cxnSp>
+        <p:nvCxnSpPr>
+          <p:cNvPr id="31" name="Straight Connector 30">
+            <a:extLst>
+              <a:ext uri="{FF2B5EF4-FFF2-40B4-BE49-F238E27FC236}">
+                <a16:creationId xmlns:a16="http://schemas.microsoft.com/office/drawing/2014/main" id="{42965CAB-4FC4-44FC-974F-2A001BFFDAC2}"/>
+              </a:ext>
+            </a:extLst>
+          </p:cNvPr>
+          <p:cNvCxnSpPr/>
+          <p:nvPr/>
+        </p:nvCxnSpPr>
+        <p:spPr>
+          <a:xfrm>
+            <a:off x="10825698" y="3439886"/>
+            <a:ext cx="1440000" cy="0"/>
+          </a:xfrm>
+          <a:prstGeom prst="line">
+            <a:avLst/>
+          </a:prstGeom>
+          <a:ln w="28575">
+            <a:solidFill>
+              <a:srgbClr val="1E64C8"/>
+            </a:solidFill>
+            <a:headEnd type="triangle" w="lg" len="lg"/>
+            <a:tailEnd type="triangle" w="lg" len="lg"/>
+          </a:ln>
+        </p:spPr>
+        <p:style>
+          <a:lnRef idx="3">
+            <a:schemeClr val="accent1"/>
+          </a:lnRef>
+          <a:fillRef idx="0">
+            <a:schemeClr val="accent1"/>
+          </a:fillRef>
+          <a:effectRef idx="2">
+            <a:schemeClr val="accent1"/>
+          </a:effectRef>
+          <a:fontRef idx="minor">
+            <a:schemeClr val="tx1"/>
+          </a:fontRef>
+        </p:style>
+      </p:cxnSp>
+      <p:sp>
+        <p:nvSpPr>
+          <p:cNvPr id="10" name="Rectangle 9">
+            <a:extLst>
+              <a:ext uri="{FF2B5EF4-FFF2-40B4-BE49-F238E27FC236}">
+                <a16:creationId xmlns:a16="http://schemas.microsoft.com/office/drawing/2014/main" id="{E6FB14CB-AF01-40E5-B55A-B698917F5322}"/>
+              </a:ext>
+            </a:extLst>
+          </p:cNvPr>
+          <p:cNvSpPr/>
+          <p:nvPr/>
+        </p:nvSpPr>
+        <p:spPr>
+          <a:xfrm>
+            <a:off x="11101321" y="2878001"/>
+            <a:ext cx="902811" cy="561885"/>
+          </a:xfrm>
+          <a:prstGeom prst="rect">
+            <a:avLst/>
+          </a:prstGeom>
+        </p:spPr>
+        <p:txBody>
+          <a:bodyPr wrap="none">
+            <a:spAutoFit/>
+          </a:bodyPr>
+          <a:lstStyle/>
+          <a:p>
+            <a:pPr algn="ctr">
+              <a:lnSpc>
+                <a:spcPct val="120000"/>
+              </a:lnSpc>
+            </a:pPr>
+            <a:r>
+              <a:rPr lang="en-US" sz="2800" dirty="0" err="1"/>
+              <a:t>WiFi</a:t>
+            </a:r>
+            <a:endParaRPr lang="en-US" sz="2800" dirty="0"/>
+          </a:p>
+        </p:txBody>
+      </p:sp>
+    </p:spTree>
+    <p:extLst>
+      <p:ext uri="{BB962C8B-B14F-4D97-AF65-F5344CB8AC3E}">
+        <p14:creationId xmlns:p14="http://schemas.microsoft.com/office/powerpoint/2010/main" val="735743203"/>
+      </p:ext>
+    </p:extLst>
+  </p:cSld>
+  <p:clrMapOvr>
+    <a:masterClrMapping/>
+  </p:clrMapOvr>
+</p:sld>
+</file>
+
+<file path=ppt/slides/slide2.xml><?xml version="1.0" encoding="utf-8"?>
+<p:sld xmlns:a="http://schemas.openxmlformats.org/drawingml/2006/main" xmlns:r="http://schemas.openxmlformats.org/officeDocument/2006/relationships" xmlns:p="http://schemas.openxmlformats.org/presentationml/2006/main">
+  <p:cSld>
+    <p:spTree>
+      <p:nvGrpSpPr>
+        <p:cNvPr id="1" name=""/>
+        <p:cNvGrpSpPr/>
+        <p:nvPr/>
+      </p:nvGrpSpPr>
+      <p:grpSpPr>
+        <a:xfrm>
+          <a:off x="0" y="0"/>
+          <a:ext cx="0" cy="0"/>
+          <a:chOff x="0" y="0"/>
+          <a:chExt cx="0" cy="0"/>
+        </a:xfrm>
+      </p:grpSpPr>
+      <p:sp>
+        <p:nvSpPr>
+          <p:cNvPr id="17" name="Titel 16"/>
+          <p:cNvSpPr>
+            <a:spLocks noGrp="1"/>
+          </p:cNvSpPr>
+          <p:nvPr>
+            <p:ph type="ctrTitle"/>
+          </p:nvPr>
+        </p:nvSpPr>
+        <p:spPr/>
+        <p:txBody>
+          <a:bodyPr/>
+          <a:lstStyle/>
+          <a:p>
+            <a:r>
+              <a:rPr lang="nl-NL" dirty="0"/>
+              <a:t>Voorraadbeheer</a:t>
+            </a:r>
+            <a:br>
+              <a:rPr lang="nl-NL" dirty="0"/>
+            </a:br>
+            <a:r>
+              <a:rPr lang="nl-NL" dirty="0"/>
+              <a:t>in magazijnen</a:t>
+            </a:r>
+          </a:p>
+        </p:txBody>
+      </p:sp>
+      <p:sp>
+        <p:nvSpPr>
+          <p:cNvPr id="18" name="Ondertitel 17"/>
+          <p:cNvSpPr>
+            <a:spLocks noGrp="1"/>
+          </p:cNvSpPr>
+          <p:nvPr>
+            <p:ph type="subTitle" idx="1"/>
+          </p:nvPr>
+        </p:nvSpPr>
+        <p:spPr/>
+        <p:txBody>
+          <a:bodyPr/>
+          <a:lstStyle/>
+          <a:p>
+            <a:r>
+              <a:rPr lang="nl-NL" dirty="0"/>
+              <a:t>08/03/2018</a:t>
+            </a:r>
+          </a:p>
+        </p:txBody>
+      </p:sp>
+      <p:sp>
+        <p:nvSpPr>
+          <p:cNvPr id="19" name="Tijdelijke aanduiding voor afbeelding 18"/>
+          <p:cNvSpPr>
+            <a:spLocks noGrp="1"/>
+          </p:cNvSpPr>
+          <p:nvPr>
+            <p:ph type="pic" sz="quarter" idx="11"/>
+          </p:nvPr>
+        </p:nvSpPr>
+        <p:spPr/>
+      </p:sp>
+      <p:sp>
+        <p:nvSpPr>
+          <p:cNvPr id="20" name="Tijdelijke aanduiding voor afbeelding 19"/>
+          <p:cNvSpPr>
+            <a:spLocks noGrp="1"/>
+          </p:cNvSpPr>
+          <p:nvPr>
+            <p:ph type="pic" sz="quarter" idx="12"/>
+          </p:nvPr>
+        </p:nvSpPr>
+        <p:spPr/>
+      </p:sp>
+      <p:sp>
+        <p:nvSpPr>
+          <p:cNvPr id="21" name="Tijdelijke aanduiding voor afbeelding 20"/>
+          <p:cNvSpPr>
+            <a:spLocks noGrp="1"/>
+          </p:cNvSpPr>
+          <p:nvPr>
+            <p:ph type="pic" sz="quarter" idx="13"/>
+          </p:nvPr>
+        </p:nvSpPr>
+        <p:spPr/>
+      </p:sp>
+      <p:sp>
+        <p:nvSpPr>
+          <p:cNvPr id="22" name="Tijdelijke aanduiding voor afbeelding 21"/>
+          <p:cNvSpPr>
+            <a:spLocks noGrp="1"/>
+          </p:cNvSpPr>
+          <p:nvPr>
+            <p:ph type="pic" sz="quarter" idx="14"/>
+          </p:nvPr>
+        </p:nvSpPr>
+        <p:spPr/>
+      </p:sp>
+      <p:sp>
+        <p:nvSpPr>
+          <p:cNvPr id="3" name="Text Placeholder 2">
+            <a:extLst>
+              <a:ext uri="{FF2B5EF4-FFF2-40B4-BE49-F238E27FC236}">
+                <a16:creationId xmlns:a16="http://schemas.microsoft.com/office/drawing/2014/main" id="{92477C20-CD3E-4D2F-AF22-4E23F6624F5E}"/>
+              </a:ext>
+            </a:extLst>
+          </p:cNvPr>
+          <p:cNvSpPr>
+            <a:spLocks noGrp="1"/>
+          </p:cNvSpPr>
+          <p:nvPr>
+            <p:ph type="body" sz="quarter" idx="10"/>
+          </p:nvPr>
+        </p:nvSpPr>
+        <p:spPr/>
+        <p:txBody>
+          <a:bodyPr/>
+          <a:lstStyle/>
+          <a:p>
+            <a:endParaRPr lang="en-US"/>
+          </a:p>
+        </p:txBody>
+      </p:sp>
+    </p:spTree>
+    <p:extLst>
+      <p:ext uri="{BB962C8B-B14F-4D97-AF65-F5344CB8AC3E}">
+        <p14:creationId xmlns:p14="http://schemas.microsoft.com/office/powerpoint/2010/main" val="3355618083"/>
+      </p:ext>
+    </p:extLst>
+  </p:cSld>
+  <p:clrMapOvr>
+    <a:masterClrMapping/>
+  </p:clrMapOvr>
+</p:sld>
+</file>
+
+<file path=ppt/slides/slide20.xml><?xml version="1.0" encoding="utf-8"?>
+<p:sld xmlns:a="http://schemas.openxmlformats.org/drawingml/2006/main" xmlns:r="http://schemas.openxmlformats.org/officeDocument/2006/relationships" xmlns:p="http://schemas.openxmlformats.org/presentationml/2006/main">
+  <p:cSld>
+    <p:spTree>
+      <p:nvGrpSpPr>
+        <p:cNvPr id="1" name=""/>
+        <p:cNvGrpSpPr/>
+        <p:nvPr/>
+      </p:nvGrpSpPr>
+      <p:grpSpPr>
+        <a:xfrm>
+          <a:off x="0" y="0"/>
+          <a:ext cx="0" cy="0"/>
+          <a:chOff x="0" y="0"/>
+          <a:chExt cx="0" cy="0"/>
+        </a:xfrm>
+      </p:grpSpPr>
+      <p:sp>
+        <p:nvSpPr>
+          <p:cNvPr id="2" name="Titel 1"/>
+          <p:cNvSpPr>
+            <a:spLocks noGrp="1"/>
+          </p:cNvSpPr>
+          <p:nvPr>
+            <p:ph type="title"/>
+          </p:nvPr>
+        </p:nvSpPr>
+        <p:spPr/>
+        <p:txBody>
+          <a:bodyPr/>
+          <a:lstStyle/>
+          <a:p>
+            <a:r>
+              <a:rPr lang="nl-NL" dirty="0"/>
+              <a:t>Setup</a:t>
+            </a:r>
+          </a:p>
+        </p:txBody>
+      </p:sp>
+      <p:sp>
+        <p:nvSpPr>
+          <p:cNvPr id="4" name="Tijdelijke aanduiding voor dianummer 3"/>
+          <p:cNvSpPr>
+            <a:spLocks noGrp="1"/>
+          </p:cNvSpPr>
+          <p:nvPr>
+            <p:ph type="sldNum" sz="quarter" idx="12"/>
+          </p:nvPr>
+        </p:nvSpPr>
+        <p:spPr/>
+        <p:txBody>
+          <a:bodyPr/>
+          <a:lstStyle/>
+          <a:p>
+            <a:fld id="{7AE184E0-0BD4-4705-A12B-9B71DDE63301}" type="slidenum">
+              <a:rPr lang="nl-BE" noProof="0" smtClean="0"/>
+              <a:t>20</a:t>
             </a:fld>
             <a:endParaRPr lang="nl-BE" noProof="0" dirty="0"/>
           </a:p>
@@ -7309,7 +9055,7 @@
     </p:spTree>
     <p:extLst>
       <p:ext uri="{BB962C8B-B14F-4D97-AF65-F5344CB8AC3E}">
-        <p14:creationId xmlns:p14="http://schemas.microsoft.com/office/powerpoint/2010/main" val="735743203"/>
+        <p14:creationId xmlns:p14="http://schemas.microsoft.com/office/powerpoint/2010/main" val="423418759"/>
       </p:ext>
     </p:extLst>
   </p:cSld>
@@ -7319,7 +9065,7 @@
 </p:sld>
 </file>
 
-<file path=ppt/slides/slide18.xml><?xml version="1.0" encoding="utf-8"?>
+<file path=ppt/slides/slide21.xml><?xml version="1.0" encoding="utf-8"?>
 <p:sld xmlns:a="http://schemas.openxmlformats.org/drawingml/2006/main" xmlns:r="http://schemas.openxmlformats.org/officeDocument/2006/relationships" xmlns:p="http://schemas.openxmlformats.org/presentationml/2006/main">
   <p:cSld>
     <p:spTree>
@@ -7376,7 +9122,7 @@
             <a:fld id="{7AE184E0-0BD4-4705-A12B-9B71DDE63301}" type="slidenum">
               <a:rPr lang="nl-BE" smtClean="0"/>
               <a:pPr/>
-              <a:t>18</a:t>
+              <a:t>21</a:t>
             </a:fld>
             <a:endParaRPr lang="nl-BE" dirty="0"/>
           </a:p>
@@ -7395,7 +9141,7 @@
 </p:sld>
 </file>
 
-<file path=ppt/slides/slide19.xml><?xml version="1.0" encoding="utf-8"?>
+<file path=ppt/slides/slide22.xml><?xml version="1.0" encoding="utf-8"?>
 <p:sld xmlns:a="http://schemas.openxmlformats.org/drawingml/2006/main" xmlns:r="http://schemas.openxmlformats.org/officeDocument/2006/relationships" xmlns:p="http://schemas.openxmlformats.org/presentationml/2006/main">
   <p:cSld>
     <p:spTree>
@@ -7483,7 +9229,7 @@
           <a:p>
             <a:fld id="{7AE184E0-0BD4-4705-A12B-9B71DDE63301}" type="slidenum">
               <a:rPr lang="nl-BE" noProof="0" smtClean="0"/>
-              <a:t>19</a:t>
+              <a:t>22</a:t>
             </a:fld>
             <a:endParaRPr lang="nl-BE" noProof="0" dirty="0"/>
           </a:p>
@@ -7502,161 +9248,7 @@
 </p:sld>
 </file>
 
-<file path=ppt/slides/slide2.xml><?xml version="1.0" encoding="utf-8"?>
-<p:sld xmlns:a="http://schemas.openxmlformats.org/drawingml/2006/main" xmlns:r="http://schemas.openxmlformats.org/officeDocument/2006/relationships" xmlns:p="http://schemas.openxmlformats.org/presentationml/2006/main">
-  <p:cSld>
-    <p:spTree>
-      <p:nvGrpSpPr>
-        <p:cNvPr id="1" name=""/>
-        <p:cNvGrpSpPr/>
-        <p:nvPr/>
-      </p:nvGrpSpPr>
-      <p:grpSpPr>
-        <a:xfrm>
-          <a:off x="0" y="0"/>
-          <a:ext cx="0" cy="0"/>
-          <a:chOff x="0" y="0"/>
-          <a:chExt cx="0" cy="0"/>
-        </a:xfrm>
-      </p:grpSpPr>
-      <p:sp>
-        <p:nvSpPr>
-          <p:cNvPr id="17" name="Titel 16"/>
-          <p:cNvSpPr>
-            <a:spLocks noGrp="1"/>
-          </p:cNvSpPr>
-          <p:nvPr>
-            <p:ph type="ctrTitle"/>
-          </p:nvPr>
-        </p:nvSpPr>
-        <p:spPr/>
-        <p:txBody>
-          <a:bodyPr/>
-          <a:lstStyle/>
-          <a:p>
-            <a:r>
-              <a:rPr lang="nl-NL" dirty="0"/>
-              <a:t>Voorraadbeheer</a:t>
-            </a:r>
-            <a:br>
-              <a:rPr lang="nl-NL" dirty="0"/>
-            </a:br>
-            <a:r>
-              <a:rPr lang="nl-NL" dirty="0"/>
-              <a:t>in magazijnen</a:t>
-            </a:r>
-          </a:p>
-        </p:txBody>
-      </p:sp>
-      <p:sp>
-        <p:nvSpPr>
-          <p:cNvPr id="18" name="Ondertitel 17"/>
-          <p:cNvSpPr>
-            <a:spLocks noGrp="1"/>
-          </p:cNvSpPr>
-          <p:nvPr>
-            <p:ph type="subTitle" idx="1"/>
-          </p:nvPr>
-        </p:nvSpPr>
-        <p:spPr/>
-        <p:txBody>
-          <a:bodyPr/>
-          <a:lstStyle/>
-          <a:p>
-            <a:r>
-              <a:rPr lang="nl-NL" dirty="0"/>
-              <a:t>08/03/2018</a:t>
-            </a:r>
-          </a:p>
-        </p:txBody>
-      </p:sp>
-      <p:sp>
-        <p:nvSpPr>
-          <p:cNvPr id="19" name="Tijdelijke aanduiding voor afbeelding 18"/>
-          <p:cNvSpPr>
-            <a:spLocks noGrp="1"/>
-          </p:cNvSpPr>
-          <p:nvPr>
-            <p:ph type="pic" sz="quarter" idx="11"/>
-          </p:nvPr>
-        </p:nvSpPr>
-        <p:spPr/>
-      </p:sp>
-      <p:sp>
-        <p:nvSpPr>
-          <p:cNvPr id="20" name="Tijdelijke aanduiding voor afbeelding 19"/>
-          <p:cNvSpPr>
-            <a:spLocks noGrp="1"/>
-          </p:cNvSpPr>
-          <p:nvPr>
-            <p:ph type="pic" sz="quarter" idx="12"/>
-          </p:nvPr>
-        </p:nvSpPr>
-        <p:spPr/>
-      </p:sp>
-      <p:sp>
-        <p:nvSpPr>
-          <p:cNvPr id="21" name="Tijdelijke aanduiding voor afbeelding 20"/>
-          <p:cNvSpPr>
-            <a:spLocks noGrp="1"/>
-          </p:cNvSpPr>
-          <p:nvPr>
-            <p:ph type="pic" sz="quarter" idx="13"/>
-          </p:nvPr>
-        </p:nvSpPr>
-        <p:spPr/>
-      </p:sp>
-      <p:sp>
-        <p:nvSpPr>
-          <p:cNvPr id="22" name="Tijdelijke aanduiding voor afbeelding 21"/>
-          <p:cNvSpPr>
-            <a:spLocks noGrp="1"/>
-          </p:cNvSpPr>
-          <p:nvPr>
-            <p:ph type="pic" sz="quarter" idx="14"/>
-          </p:nvPr>
-        </p:nvSpPr>
-        <p:spPr/>
-      </p:sp>
-      <p:sp>
-        <p:nvSpPr>
-          <p:cNvPr id="3" name="Text Placeholder 2">
-            <a:extLst>
-              <a:ext uri="{FF2B5EF4-FFF2-40B4-BE49-F238E27FC236}">
-                <a16:creationId xmlns:a16="http://schemas.microsoft.com/office/drawing/2014/main" id="{92477C20-CD3E-4D2F-AF22-4E23F6624F5E}"/>
-              </a:ext>
-            </a:extLst>
-          </p:cNvPr>
-          <p:cNvSpPr>
-            <a:spLocks noGrp="1"/>
-          </p:cNvSpPr>
-          <p:nvPr>
-            <p:ph type="body" sz="quarter" idx="10"/>
-          </p:nvPr>
-        </p:nvSpPr>
-        <p:spPr/>
-        <p:txBody>
-          <a:bodyPr/>
-          <a:lstStyle/>
-          <a:p>
-            <a:endParaRPr lang="en-US"/>
-          </a:p>
-        </p:txBody>
-      </p:sp>
-    </p:spTree>
-    <p:extLst>
-      <p:ext uri="{BB962C8B-B14F-4D97-AF65-F5344CB8AC3E}">
-        <p14:creationId xmlns:p14="http://schemas.microsoft.com/office/powerpoint/2010/main" val="3355618083"/>
-      </p:ext>
-    </p:extLst>
-  </p:cSld>
-  <p:clrMapOvr>
-    <a:masterClrMapping/>
-  </p:clrMapOvr>
-</p:sld>
-</file>
-
-<file path=ppt/slides/slide20.xml><?xml version="1.0" encoding="utf-8"?>
+<file path=ppt/slides/slide23.xml><?xml version="1.0" encoding="utf-8"?>
 <p:sld xmlns:a="http://schemas.openxmlformats.org/drawingml/2006/main" xmlns:r="http://schemas.openxmlformats.org/officeDocument/2006/relationships" xmlns:p="http://schemas.openxmlformats.org/presentationml/2006/main">
   <p:cSld>
     <p:spTree>
@@ -7820,7 +9412,7 @@
           </p:nvPr>
         </p:nvPicPr>
         <p:blipFill>
-          <a:blip r:embed="rId2">
+          <a:blip r:embed="rId3">
             <a:extLst>
               <a:ext uri="{28A0092B-C50C-407E-A947-70E740481C1C}">
                 <a14:useLocalDpi xmlns:a14="http://schemas.microsoft.com/office/drawing/2010/main" val="0"/>
@@ -8006,7 +9598,7 @@
           </p:nvPr>
         </p:nvPicPr>
         <p:blipFill>
-          <a:blip r:embed="rId2">
+          <a:blip r:embed="rId3">
             <a:extLst>
               <a:ext uri="{28A0092B-C50C-407E-A947-70E740481C1C}">
                 <a14:useLocalDpi xmlns:a14="http://schemas.microsoft.com/office/drawing/2010/main" val="0"/>
@@ -8062,7 +9654,7 @@
           <p:nvPr/>
         </p:nvPicPr>
         <p:blipFill>
-          <a:blip r:embed="rId3" cstate="print">
+          <a:blip r:embed="rId4" cstate="print">
             <a:extLst>
               <a:ext uri="{28A0092B-C50C-407E-A947-70E740481C1C}">
                 <a14:useLocalDpi xmlns:a14="http://schemas.microsoft.com/office/drawing/2010/main" val="0"/>
@@ -8130,7 +9722,7 @@
           </p:nvPr>
         </p:nvPicPr>
         <p:blipFill>
-          <a:blip r:embed="rId2">
+          <a:blip r:embed="rId3">
             <a:extLst>
               <a:ext uri="{28A0092B-C50C-407E-A947-70E740481C1C}">
                 <a14:useLocalDpi xmlns:a14="http://schemas.microsoft.com/office/drawing/2010/main" val="0"/>
@@ -8208,7 +9800,7 @@
           <p:nvPr/>
         </p:nvPicPr>
         <p:blipFill>
-          <a:blip r:embed="rId3" cstate="print">
+          <a:blip r:embed="rId4" cstate="print">
             <a:extLst>
               <a:ext uri="{28A0092B-C50C-407E-A947-70E740481C1C}">
                 <a14:useLocalDpi xmlns:a14="http://schemas.microsoft.com/office/drawing/2010/main" val="0"/>
@@ -8389,7 +9981,7 @@
 </file>
 
 <file path=ppt/slides/slide9.xml><?xml version="1.0" encoding="utf-8"?>
-<p:sld xmlns:a="http://schemas.openxmlformats.org/drawingml/2006/main" xmlns:r="http://schemas.openxmlformats.org/officeDocument/2006/relationships" xmlns:p="http://schemas.openxmlformats.org/presentationml/2006/main">
+<p:sld xmlns:a="http://schemas.openxmlformats.org/drawingml/2006/main" xmlns:r="http://schemas.openxmlformats.org/officeDocument/2006/relationships" xmlns:p="http://schemas.openxmlformats.org/presentationml/2006/main" show="0">
   <p:cSld>
     <p:spTree>
       <p:nvGrpSpPr>
